--- a/Exercice PS4/Atelier 1/Diaporama.pptx
+++ b/Exercice PS4/Atelier 1/Diaporama.pptx
@@ -5,7 +5,7 @@
     <p:sldMasterId id="2147483648" r:id="rId1"/>
   </p:sldMasterIdLst>
   <p:notesMasterIdLst>
-    <p:notesMasterId r:id="rId9"/>
+    <p:notesMasterId r:id="rId14"/>
   </p:notesMasterIdLst>
   <p:sldIdLst>
     <p:sldId id="256" r:id="rId4"/>
@@ -13,6 +13,11 @@
     <p:sldId id="258" r:id="rId6"/>
     <p:sldId id="259" r:id="rId7"/>
     <p:sldId id="260" r:id="rId8"/>
+    <p:sldId id="261" r:id="rId9"/>
+    <p:sldId id="262" r:id="rId10"/>
+    <p:sldId id="263" r:id="rId11"/>
+    <p:sldId id="264" r:id="rId12"/>
+    <p:sldId id="265" r:id="rId13"/>
   </p:sldIdLst>
   <p:sldSz cx="12192000" cy="6858000"/>
   <p:notesSz cx="6858000" cy="9144000"/>
@@ -138,7 +143,7 @@
       </p:grpSpPr>
       <p:sp>
         <p:nvSpPr>
-          <p:cNvPr id="2133496315" name="Espace réservé d'en-tête 1"/>
+          <p:cNvPr id="1998009889" name="Espace réservé d'en-tête 1"/>
           <p:cNvSpPr>
             <a:spLocks noGrp="1"/>
           </p:cNvSpPr>
@@ -172,7 +177,7 @@
       </p:sp>
       <p:sp>
         <p:nvSpPr>
-          <p:cNvPr id="577278295" name="Espace réservé pour la date 2"/>
+          <p:cNvPr id="1610230906" name="Espace réservé pour la date 2"/>
           <p:cNvSpPr>
             <a:spLocks noGrp="1"/>
           </p:cNvSpPr>
@@ -210,7 +215,7 @@
       </p:sp>
       <p:sp>
         <p:nvSpPr>
-          <p:cNvPr id="1074520425" name="Espace réservé pour l'image de la diapositive 3"/>
+          <p:cNvPr id="1933080045" name="Espace réservé pour l'image de la diapositive 3"/>
           <p:cNvSpPr>
             <a:spLocks noChangeAspect="1" noGrp="1" noRot="1"/>
           </p:cNvSpPr>
@@ -246,7 +251,7 @@
       </p:sp>
       <p:sp>
         <p:nvSpPr>
-          <p:cNvPr id="1121458377" name="Remarques Espace réservé 4"/>
+          <p:cNvPr id="730009121" name="Remarques Espace réservé 4"/>
           <p:cNvSpPr>
             <a:spLocks noGrp="1"/>
           </p:cNvSpPr>
@@ -320,7 +325,7 @@
       </p:sp>
       <p:sp>
         <p:nvSpPr>
-          <p:cNvPr id="1592163220" name="Espace réservé du pied de page 5"/>
+          <p:cNvPr id="1758350349" name="Espace réservé du pied de page 5"/>
           <p:cNvSpPr>
             <a:spLocks noGrp="1"/>
           </p:cNvSpPr>
@@ -354,7 +359,7 @@
       </p:sp>
       <p:sp>
         <p:nvSpPr>
-          <p:cNvPr id="463678689" name="Espace réservé du numéro de diapositive 6"/>
+          <p:cNvPr id="293730835" name="Espace réservé du numéro de diapositive 6"/>
           <p:cNvSpPr>
             <a:spLocks noGrp="1"/>
           </p:cNvSpPr>
@@ -507,7 +512,7 @@
       </p:grpSpPr>
       <p:sp>
         <p:nvSpPr>
-          <p:cNvPr id="278925993" name="Espace réservé pour l'image de la diapositive 1"/>
+          <p:cNvPr id="1004483511" name="Espace réservé pour l'image de la diapositive 1"/>
           <p:cNvSpPr>
             <a:spLocks noChangeAspect="1" noGrp="1" noRot="1"/>
           </p:cNvSpPr>
@@ -524,7 +529,7 @@
       </p:sp>
       <p:sp>
         <p:nvSpPr>
-          <p:cNvPr id="529721183" name="Remarques Espace réservé 2"/>
+          <p:cNvPr id="1389245901" name="Remarques Espace réservé 2"/>
           <p:cNvSpPr>
             <a:spLocks noGrp="1"/>
           </p:cNvSpPr>
@@ -549,7 +554,7 @@
       </p:sp>
       <p:sp>
         <p:nvSpPr>
-          <p:cNvPr id="1891840940" name="Espace réservé pour le numéro de diapositive 3"/>
+          <p:cNvPr id="1786490867" name="Espace réservé pour le numéro de diapositive 3"/>
           <p:cNvSpPr>
             <a:spLocks noGrp="1"/>
           </p:cNvSpPr>
@@ -581,7 +586,687 @@
 </p:notes>
 </file>
 
+<file path=ppt/notesSlides/notesSlide10.xml><?xml version="1.0" encoding="utf-8"?>
+<p:notes xmlns:a="http://schemas.openxmlformats.org/drawingml/2006/main" xmlns:r="http://schemas.openxmlformats.org/officeDocument/2006/relationships" xmlns:p="http://schemas.openxmlformats.org/presentationml/2006/main" xmlns:m="http://schemas.openxmlformats.org/officeDocument/2006/math" xmlns:w="http://schemas.openxmlformats.org/wordprocessingml/2006/main">
+  <p:cSld name="">
+    <p:spTree>
+      <p:nvGrpSpPr>
+        <p:cNvPr id="1" name=""/>
+        <p:cNvGrpSpPr/>
+        <p:nvPr/>
+      </p:nvGrpSpPr>
+      <p:grpSpPr bwMode="auto">
+        <a:xfrm>
+          <a:off x="0" y="0"/>
+          <a:ext cx="0" cy="0"/>
+          <a:chOff x="0" y="0"/>
+          <a:chExt cx="0" cy="0"/>
+        </a:xfrm>
+      </p:grpSpPr>
+      <p:sp>
+        <p:nvSpPr>
+          <p:cNvPr id="360157221" name="Slide Image Placeholder 1"/>
+          <p:cNvSpPr>
+            <a:spLocks noChangeAspect="1" noGrp="1" noRot="1"/>
+          </p:cNvSpPr>
+          <p:nvPr>
+            <p:ph type="sldImg"/>
+          </p:nvPr>
+        </p:nvSpPr>
+        <p:spPr bwMode="auto"/>
+      </p:sp>
+      <p:sp>
+        <p:nvSpPr>
+          <p:cNvPr id="2076579537" name="Notes Placeholder 2"/>
+          <p:cNvSpPr>
+            <a:spLocks noGrp="1"/>
+          </p:cNvSpPr>
+          <p:nvPr>
+            <p:ph type="body" idx="1"/>
+          </p:nvPr>
+        </p:nvSpPr>
+        <p:spPr bwMode="auto"/>
+        <p:txBody>
+          <a:bodyPr/>
+          <a:lstStyle/>
+          <a:p>
+            <a:pPr>
+              <a:defRPr/>
+            </a:pPr>
+            <a:endParaRPr/>
+          </a:p>
+        </p:txBody>
+      </p:sp>
+      <p:sp>
+        <p:nvSpPr>
+          <p:cNvPr id="1072097056" name="Slide Number Placeholder 3"/>
+          <p:cNvSpPr>
+            <a:spLocks noGrp="1"/>
+          </p:cNvSpPr>
+          <p:nvPr>
+            <p:ph type="sldNum" sz="quarter" idx="10"/>
+          </p:nvPr>
+        </p:nvSpPr>
+        <p:spPr bwMode="auto"/>
+        <p:txBody>
+          <a:bodyPr/>
+          <a:lstStyle/>
+          <a:p>
+            <a:pPr>
+              <a:defRPr/>
+            </a:pPr>
+            <a:fld id="{AD65B484-00C7-D35A-0B42-4E1FE532AF2A}" type="slidenum">
+              <a:rPr/>
+              <a:t/>
+            </a:fld>
+            <a:endParaRPr/>
+          </a:p>
+        </p:txBody>
+      </p:sp>
+    </p:spTree>
+  </p:cSld>
+  <p:clrMapOvr>
+    <a:masterClrMapping/>
+  </p:clrMapOvr>
+</p:notes>
+</file>
+
 <file path=ppt/notesSlides/notesSlide2.xml><?xml version="1.0" encoding="utf-8"?>
+<p:notes xmlns:a="http://schemas.openxmlformats.org/drawingml/2006/main" xmlns:r="http://schemas.openxmlformats.org/officeDocument/2006/relationships" xmlns:p="http://schemas.openxmlformats.org/presentationml/2006/main" xmlns:m="http://schemas.openxmlformats.org/officeDocument/2006/math" xmlns:w="http://schemas.openxmlformats.org/wordprocessingml/2006/main">
+  <p:cSld name="">
+    <p:spTree>
+      <p:nvGrpSpPr>
+        <p:cNvPr id="1" name=""/>
+        <p:cNvGrpSpPr/>
+        <p:nvPr/>
+      </p:nvGrpSpPr>
+      <p:grpSpPr bwMode="auto">
+        <a:xfrm>
+          <a:off x="0" y="0"/>
+          <a:ext cx="0" cy="0"/>
+          <a:chOff x="0" y="0"/>
+          <a:chExt cx="0" cy="0"/>
+        </a:xfrm>
+      </p:grpSpPr>
+      <p:sp>
+        <p:nvSpPr>
+          <p:cNvPr id="2023646599" name="Slide Image Placeholder 1"/>
+          <p:cNvSpPr>
+            <a:spLocks noChangeAspect="1" noGrp="1" noRot="1"/>
+          </p:cNvSpPr>
+          <p:nvPr>
+            <p:ph type="sldImg"/>
+          </p:nvPr>
+        </p:nvSpPr>
+        <p:spPr bwMode="auto"/>
+      </p:sp>
+      <p:sp>
+        <p:nvSpPr>
+          <p:cNvPr id="322674966" name="Notes Placeholder 2"/>
+          <p:cNvSpPr>
+            <a:spLocks noGrp="1"/>
+          </p:cNvSpPr>
+          <p:nvPr>
+            <p:ph type="body" idx="1"/>
+          </p:nvPr>
+        </p:nvSpPr>
+        <p:spPr bwMode="auto"/>
+        <p:txBody>
+          <a:bodyPr/>
+          <a:lstStyle/>
+          <a:p>
+            <a:pPr>
+              <a:defRPr/>
+            </a:pPr>
+            <a:endParaRPr/>
+          </a:p>
+        </p:txBody>
+      </p:sp>
+      <p:sp>
+        <p:nvSpPr>
+          <p:cNvPr id="672219863" name="Slide Number Placeholder 3"/>
+          <p:cNvSpPr>
+            <a:spLocks noGrp="1"/>
+          </p:cNvSpPr>
+          <p:nvPr>
+            <p:ph type="sldNum" sz="quarter" idx="10"/>
+          </p:nvPr>
+        </p:nvSpPr>
+        <p:spPr bwMode="auto"/>
+        <p:txBody>
+          <a:bodyPr/>
+          <a:lstStyle/>
+          <a:p>
+            <a:pPr>
+              <a:defRPr/>
+            </a:pPr>
+            <a:fld id="{38750068-02D0-2CF5-C7E6-623F9678F948}" type="slidenum">
+              <a:rPr/>
+              <a:t/>
+            </a:fld>
+            <a:endParaRPr/>
+          </a:p>
+        </p:txBody>
+      </p:sp>
+    </p:spTree>
+  </p:cSld>
+  <p:clrMapOvr>
+    <a:masterClrMapping/>
+  </p:clrMapOvr>
+</p:notes>
+</file>
+
+<file path=ppt/notesSlides/notesSlide3.xml><?xml version="1.0" encoding="utf-8"?>
+<p:notes xmlns:a="http://schemas.openxmlformats.org/drawingml/2006/main" xmlns:r="http://schemas.openxmlformats.org/officeDocument/2006/relationships" xmlns:p="http://schemas.openxmlformats.org/presentationml/2006/main" xmlns:m="http://schemas.openxmlformats.org/officeDocument/2006/math" xmlns:w="http://schemas.openxmlformats.org/wordprocessingml/2006/main">
+  <p:cSld name="">
+    <p:spTree>
+      <p:nvGrpSpPr>
+        <p:cNvPr id="1" name=""/>
+        <p:cNvGrpSpPr/>
+        <p:nvPr/>
+      </p:nvGrpSpPr>
+      <p:grpSpPr bwMode="auto">
+        <a:xfrm>
+          <a:off x="0" y="0"/>
+          <a:ext cx="0" cy="0"/>
+          <a:chOff x="0" y="0"/>
+          <a:chExt cx="0" cy="0"/>
+        </a:xfrm>
+      </p:grpSpPr>
+      <p:sp>
+        <p:nvSpPr>
+          <p:cNvPr id="2113355096" name="Slide Image Placeholder 1"/>
+          <p:cNvSpPr>
+            <a:spLocks noChangeAspect="1" noGrp="1" noRot="1"/>
+          </p:cNvSpPr>
+          <p:nvPr>
+            <p:ph type="sldImg"/>
+          </p:nvPr>
+        </p:nvSpPr>
+        <p:spPr bwMode="auto"/>
+      </p:sp>
+      <p:sp>
+        <p:nvSpPr>
+          <p:cNvPr id="2009678253" name="Notes Placeholder 2"/>
+          <p:cNvSpPr>
+            <a:spLocks noGrp="1"/>
+          </p:cNvSpPr>
+          <p:nvPr>
+            <p:ph type="body" idx="1"/>
+          </p:nvPr>
+        </p:nvSpPr>
+        <p:spPr bwMode="auto"/>
+        <p:txBody>
+          <a:bodyPr/>
+          <a:lstStyle/>
+          <a:p>
+            <a:pPr>
+              <a:defRPr/>
+            </a:pPr>
+            <a:endParaRPr/>
+          </a:p>
+        </p:txBody>
+      </p:sp>
+      <p:sp>
+        <p:nvSpPr>
+          <p:cNvPr id="442294394" name="Slide Number Placeholder 3"/>
+          <p:cNvSpPr>
+            <a:spLocks noGrp="1"/>
+          </p:cNvSpPr>
+          <p:nvPr>
+            <p:ph type="sldNum" sz="quarter" idx="10"/>
+          </p:nvPr>
+        </p:nvSpPr>
+        <p:spPr bwMode="auto"/>
+        <p:txBody>
+          <a:bodyPr/>
+          <a:lstStyle/>
+          <a:p>
+            <a:pPr>
+              <a:defRPr/>
+            </a:pPr>
+            <a:fld id="{40259FAD-4DAD-4A08-26EB-5B079F99F25A}" type="slidenum">
+              <a:rPr/>
+              <a:t/>
+            </a:fld>
+            <a:endParaRPr/>
+          </a:p>
+        </p:txBody>
+      </p:sp>
+    </p:spTree>
+  </p:cSld>
+  <p:clrMapOvr>
+    <a:masterClrMapping/>
+  </p:clrMapOvr>
+</p:notes>
+</file>
+
+<file path=ppt/notesSlides/notesSlide4.xml><?xml version="1.0" encoding="utf-8"?>
+<p:notes xmlns:a="http://schemas.openxmlformats.org/drawingml/2006/main" xmlns:r="http://schemas.openxmlformats.org/officeDocument/2006/relationships" xmlns:p="http://schemas.openxmlformats.org/presentationml/2006/main" xmlns:m="http://schemas.openxmlformats.org/officeDocument/2006/math" xmlns:w="http://schemas.openxmlformats.org/wordprocessingml/2006/main">
+  <p:cSld name="">
+    <p:spTree>
+      <p:nvGrpSpPr>
+        <p:cNvPr id="1" name=""/>
+        <p:cNvGrpSpPr/>
+        <p:nvPr/>
+      </p:nvGrpSpPr>
+      <p:grpSpPr bwMode="auto">
+        <a:xfrm>
+          <a:off x="0" y="0"/>
+          <a:ext cx="0" cy="0"/>
+          <a:chOff x="0" y="0"/>
+          <a:chExt cx="0" cy="0"/>
+        </a:xfrm>
+      </p:grpSpPr>
+      <p:sp>
+        <p:nvSpPr>
+          <p:cNvPr id="971225631" name="Slide Image Placeholder 1"/>
+          <p:cNvSpPr>
+            <a:spLocks noChangeAspect="1" noGrp="1" noRot="1"/>
+          </p:cNvSpPr>
+          <p:nvPr>
+            <p:ph type="sldImg"/>
+          </p:nvPr>
+        </p:nvSpPr>
+        <p:spPr bwMode="auto"/>
+      </p:sp>
+      <p:sp>
+        <p:nvSpPr>
+          <p:cNvPr id="672740317" name="Notes Placeholder 2"/>
+          <p:cNvSpPr>
+            <a:spLocks noGrp="1"/>
+          </p:cNvSpPr>
+          <p:nvPr>
+            <p:ph type="body" idx="1"/>
+          </p:nvPr>
+        </p:nvSpPr>
+        <p:spPr bwMode="auto"/>
+        <p:txBody>
+          <a:bodyPr/>
+          <a:lstStyle/>
+          <a:p>
+            <a:pPr>
+              <a:defRPr/>
+            </a:pPr>
+            <a:endParaRPr/>
+          </a:p>
+        </p:txBody>
+      </p:sp>
+      <p:sp>
+        <p:nvSpPr>
+          <p:cNvPr id="437708739" name="Slide Number Placeholder 3"/>
+          <p:cNvSpPr>
+            <a:spLocks noGrp="1"/>
+          </p:cNvSpPr>
+          <p:nvPr>
+            <p:ph type="sldNum" sz="quarter" idx="10"/>
+          </p:nvPr>
+        </p:nvSpPr>
+        <p:spPr bwMode="auto"/>
+        <p:txBody>
+          <a:bodyPr/>
+          <a:lstStyle/>
+          <a:p>
+            <a:pPr>
+              <a:defRPr/>
+            </a:pPr>
+            <a:fld id="{07CC7467-82FF-F909-D5AA-BCED612018B2}" type="slidenum">
+              <a:rPr/>
+              <a:t/>
+            </a:fld>
+            <a:endParaRPr/>
+          </a:p>
+        </p:txBody>
+      </p:sp>
+    </p:spTree>
+  </p:cSld>
+  <p:clrMapOvr>
+    <a:masterClrMapping/>
+  </p:clrMapOvr>
+</p:notes>
+</file>
+
+<file path=ppt/notesSlides/notesSlide5.xml><?xml version="1.0" encoding="utf-8"?>
+<p:notes xmlns:a="http://schemas.openxmlformats.org/drawingml/2006/main" xmlns:r="http://schemas.openxmlformats.org/officeDocument/2006/relationships" xmlns:p="http://schemas.openxmlformats.org/presentationml/2006/main" xmlns:m="http://schemas.openxmlformats.org/officeDocument/2006/math" xmlns:w="http://schemas.openxmlformats.org/wordprocessingml/2006/main">
+  <p:cSld name="">
+    <p:spTree>
+      <p:nvGrpSpPr>
+        <p:cNvPr id="1" name=""/>
+        <p:cNvGrpSpPr/>
+        <p:nvPr/>
+      </p:nvGrpSpPr>
+      <p:grpSpPr bwMode="auto">
+        <a:xfrm>
+          <a:off x="0" y="0"/>
+          <a:ext cx="0" cy="0"/>
+          <a:chOff x="0" y="0"/>
+          <a:chExt cx="0" cy="0"/>
+        </a:xfrm>
+      </p:grpSpPr>
+      <p:sp>
+        <p:nvSpPr>
+          <p:cNvPr id="421045864" name="Slide Image Placeholder 1"/>
+          <p:cNvSpPr>
+            <a:spLocks noChangeAspect="1" noGrp="1" noRot="1"/>
+          </p:cNvSpPr>
+          <p:nvPr>
+            <p:ph type="sldImg"/>
+          </p:nvPr>
+        </p:nvSpPr>
+        <p:spPr bwMode="auto"/>
+      </p:sp>
+      <p:sp>
+        <p:nvSpPr>
+          <p:cNvPr id="1379770407" name="Notes Placeholder 2"/>
+          <p:cNvSpPr>
+            <a:spLocks noGrp="1"/>
+          </p:cNvSpPr>
+          <p:nvPr>
+            <p:ph type="body" idx="1"/>
+          </p:nvPr>
+        </p:nvSpPr>
+        <p:spPr bwMode="auto"/>
+        <p:txBody>
+          <a:bodyPr/>
+          <a:lstStyle/>
+          <a:p>
+            <a:pPr>
+              <a:defRPr/>
+            </a:pPr>
+            <a:endParaRPr/>
+          </a:p>
+        </p:txBody>
+      </p:sp>
+      <p:sp>
+        <p:nvSpPr>
+          <p:cNvPr id="1329860597" name="Slide Number Placeholder 3"/>
+          <p:cNvSpPr>
+            <a:spLocks noGrp="1"/>
+          </p:cNvSpPr>
+          <p:nvPr>
+            <p:ph type="sldNum" sz="quarter" idx="10"/>
+          </p:nvPr>
+        </p:nvSpPr>
+        <p:spPr bwMode="auto"/>
+        <p:txBody>
+          <a:bodyPr/>
+          <a:lstStyle/>
+          <a:p>
+            <a:pPr>
+              <a:defRPr/>
+            </a:pPr>
+            <a:fld id="{B74D6470-CB11-2D4D-6E21-6475DDC88D88}" type="slidenum">
+              <a:rPr/>
+              <a:t/>
+            </a:fld>
+            <a:endParaRPr/>
+          </a:p>
+        </p:txBody>
+      </p:sp>
+    </p:spTree>
+  </p:cSld>
+  <p:clrMapOvr>
+    <a:masterClrMapping/>
+  </p:clrMapOvr>
+</p:notes>
+</file>
+
+<file path=ppt/notesSlides/notesSlide6.xml><?xml version="1.0" encoding="utf-8"?>
+<p:notes xmlns:a="http://schemas.openxmlformats.org/drawingml/2006/main" xmlns:r="http://schemas.openxmlformats.org/officeDocument/2006/relationships" xmlns:p="http://schemas.openxmlformats.org/presentationml/2006/main" xmlns:m="http://schemas.openxmlformats.org/officeDocument/2006/math" xmlns:w="http://schemas.openxmlformats.org/wordprocessingml/2006/main">
+  <p:cSld name="">
+    <p:spTree>
+      <p:nvGrpSpPr>
+        <p:cNvPr id="1" name=""/>
+        <p:cNvGrpSpPr/>
+        <p:nvPr/>
+      </p:nvGrpSpPr>
+      <p:grpSpPr bwMode="auto">
+        <a:xfrm>
+          <a:off x="0" y="0"/>
+          <a:ext cx="0" cy="0"/>
+          <a:chOff x="0" y="0"/>
+          <a:chExt cx="0" cy="0"/>
+        </a:xfrm>
+      </p:grpSpPr>
+      <p:sp>
+        <p:nvSpPr>
+          <p:cNvPr id="558034739" name="Slide Image Placeholder 1"/>
+          <p:cNvSpPr>
+            <a:spLocks noChangeAspect="1" noGrp="1" noRot="1"/>
+          </p:cNvSpPr>
+          <p:nvPr>
+            <p:ph type="sldImg"/>
+          </p:nvPr>
+        </p:nvSpPr>
+        <p:spPr bwMode="auto"/>
+      </p:sp>
+      <p:sp>
+        <p:nvSpPr>
+          <p:cNvPr id="781411850" name="Notes Placeholder 2"/>
+          <p:cNvSpPr>
+            <a:spLocks noGrp="1"/>
+          </p:cNvSpPr>
+          <p:nvPr>
+            <p:ph type="body" idx="1"/>
+          </p:nvPr>
+        </p:nvSpPr>
+        <p:spPr bwMode="auto"/>
+        <p:txBody>
+          <a:bodyPr/>
+          <a:lstStyle/>
+          <a:p>
+            <a:pPr>
+              <a:defRPr/>
+            </a:pPr>
+            <a:endParaRPr/>
+          </a:p>
+        </p:txBody>
+      </p:sp>
+      <p:sp>
+        <p:nvSpPr>
+          <p:cNvPr id="677340467" name="Slide Number Placeholder 3"/>
+          <p:cNvSpPr>
+            <a:spLocks noGrp="1"/>
+          </p:cNvSpPr>
+          <p:nvPr>
+            <p:ph type="sldNum" sz="quarter" idx="10"/>
+          </p:nvPr>
+        </p:nvSpPr>
+        <p:spPr bwMode="auto"/>
+        <p:txBody>
+          <a:bodyPr/>
+          <a:lstStyle/>
+          <a:p>
+            <a:pPr>
+              <a:defRPr/>
+            </a:pPr>
+            <a:fld id="{8DE3C139-721C-6840-D35B-1F5705E7A89D}" type="slidenum">
+              <a:rPr/>
+              <a:t/>
+            </a:fld>
+            <a:endParaRPr/>
+          </a:p>
+        </p:txBody>
+      </p:sp>
+    </p:spTree>
+  </p:cSld>
+  <p:clrMapOvr>
+    <a:masterClrMapping/>
+  </p:clrMapOvr>
+</p:notes>
+</file>
+
+<file path=ppt/notesSlides/notesSlide7.xml><?xml version="1.0" encoding="utf-8"?>
+<p:notes xmlns:a="http://schemas.openxmlformats.org/drawingml/2006/main" xmlns:r="http://schemas.openxmlformats.org/officeDocument/2006/relationships" xmlns:p="http://schemas.openxmlformats.org/presentationml/2006/main" xmlns:m="http://schemas.openxmlformats.org/officeDocument/2006/math" xmlns:w="http://schemas.openxmlformats.org/wordprocessingml/2006/main">
+  <p:cSld name="">
+    <p:spTree>
+      <p:nvGrpSpPr>
+        <p:cNvPr id="1" name=""/>
+        <p:cNvGrpSpPr/>
+        <p:nvPr/>
+      </p:nvGrpSpPr>
+      <p:grpSpPr bwMode="auto">
+        <a:xfrm>
+          <a:off x="0" y="0"/>
+          <a:ext cx="0" cy="0"/>
+          <a:chOff x="0" y="0"/>
+          <a:chExt cx="0" cy="0"/>
+        </a:xfrm>
+      </p:grpSpPr>
+      <p:sp>
+        <p:nvSpPr>
+          <p:cNvPr id="120327247" name="Slide Image Placeholder 1"/>
+          <p:cNvSpPr>
+            <a:spLocks noChangeAspect="1" noGrp="1" noRot="1"/>
+          </p:cNvSpPr>
+          <p:nvPr>
+            <p:ph type="sldImg"/>
+          </p:nvPr>
+        </p:nvSpPr>
+        <p:spPr bwMode="auto"/>
+      </p:sp>
+      <p:sp>
+        <p:nvSpPr>
+          <p:cNvPr id="1205391672" name="Notes Placeholder 2"/>
+          <p:cNvSpPr>
+            <a:spLocks noGrp="1"/>
+          </p:cNvSpPr>
+          <p:nvPr>
+            <p:ph type="body" idx="1"/>
+          </p:nvPr>
+        </p:nvSpPr>
+        <p:spPr bwMode="auto"/>
+        <p:txBody>
+          <a:bodyPr/>
+          <a:lstStyle/>
+          <a:p>
+            <a:pPr>
+              <a:defRPr/>
+            </a:pPr>
+            <a:endParaRPr/>
+          </a:p>
+        </p:txBody>
+      </p:sp>
+      <p:sp>
+        <p:nvSpPr>
+          <p:cNvPr id="2048224370" name="Slide Number Placeholder 3"/>
+          <p:cNvSpPr>
+            <a:spLocks noGrp="1"/>
+          </p:cNvSpPr>
+          <p:nvPr>
+            <p:ph type="sldNum" sz="quarter" idx="10"/>
+          </p:nvPr>
+        </p:nvSpPr>
+        <p:spPr bwMode="auto"/>
+        <p:txBody>
+          <a:bodyPr/>
+          <a:lstStyle/>
+          <a:p>
+            <a:pPr>
+              <a:defRPr/>
+            </a:pPr>
+            <a:fld id="{E004DF15-5D78-BCA9-D4C2-C10BB4710B72}" type="slidenum">
+              <a:rPr/>
+              <a:t/>
+            </a:fld>
+            <a:endParaRPr/>
+          </a:p>
+        </p:txBody>
+      </p:sp>
+    </p:spTree>
+  </p:cSld>
+  <p:clrMapOvr>
+    <a:masterClrMapping/>
+  </p:clrMapOvr>
+</p:notes>
+</file>
+
+<file path=ppt/notesSlides/notesSlide8.xml><?xml version="1.0" encoding="utf-8"?>
+<p:notes xmlns:a="http://schemas.openxmlformats.org/drawingml/2006/main" xmlns:r="http://schemas.openxmlformats.org/officeDocument/2006/relationships" xmlns:p="http://schemas.openxmlformats.org/presentationml/2006/main" xmlns:m="http://schemas.openxmlformats.org/officeDocument/2006/math" xmlns:w="http://schemas.openxmlformats.org/wordprocessingml/2006/main">
+  <p:cSld name="">
+    <p:spTree>
+      <p:nvGrpSpPr>
+        <p:cNvPr id="1" name=""/>
+        <p:cNvGrpSpPr/>
+        <p:nvPr/>
+      </p:nvGrpSpPr>
+      <p:grpSpPr bwMode="auto">
+        <a:xfrm>
+          <a:off x="0" y="0"/>
+          <a:ext cx="0" cy="0"/>
+          <a:chOff x="0" y="0"/>
+          <a:chExt cx="0" cy="0"/>
+        </a:xfrm>
+      </p:grpSpPr>
+      <p:sp>
+        <p:nvSpPr>
+          <p:cNvPr id="1702918219" name="Slide Image Placeholder 1"/>
+          <p:cNvSpPr>
+            <a:spLocks noChangeAspect="1" noGrp="1" noRot="1"/>
+          </p:cNvSpPr>
+          <p:nvPr>
+            <p:ph type="sldImg"/>
+          </p:nvPr>
+        </p:nvSpPr>
+        <p:spPr bwMode="auto"/>
+      </p:sp>
+      <p:sp>
+        <p:nvSpPr>
+          <p:cNvPr id="1317494345" name="Notes Placeholder 2"/>
+          <p:cNvSpPr>
+            <a:spLocks noGrp="1"/>
+          </p:cNvSpPr>
+          <p:nvPr>
+            <p:ph type="body" idx="1"/>
+          </p:nvPr>
+        </p:nvSpPr>
+        <p:spPr bwMode="auto"/>
+        <p:txBody>
+          <a:bodyPr/>
+          <a:lstStyle/>
+          <a:p>
+            <a:pPr>
+              <a:defRPr/>
+            </a:pPr>
+            <a:endParaRPr/>
+          </a:p>
+        </p:txBody>
+      </p:sp>
+      <p:sp>
+        <p:nvSpPr>
+          <p:cNvPr id="220649955" name="Slide Number Placeholder 3"/>
+          <p:cNvSpPr>
+            <a:spLocks noGrp="1"/>
+          </p:cNvSpPr>
+          <p:nvPr>
+            <p:ph type="sldNum" sz="quarter" idx="10"/>
+          </p:nvPr>
+        </p:nvSpPr>
+        <p:spPr bwMode="auto"/>
+        <p:txBody>
+          <a:bodyPr/>
+          <a:lstStyle/>
+          <a:p>
+            <a:pPr>
+              <a:defRPr/>
+            </a:pPr>
+            <a:fld id="{E3CCF574-1AEA-7C54-D7C7-F009FE4A4F65}" type="slidenum">
+              <a:rPr/>
+              <a:t/>
+            </a:fld>
+            <a:endParaRPr/>
+          </a:p>
+        </p:txBody>
+      </p:sp>
+    </p:spTree>
+  </p:cSld>
+  <p:clrMapOvr>
+    <a:masterClrMapping/>
+  </p:clrMapOvr>
+</p:notes>
+</file>
+
+<file path=ppt/notesSlides/notesSlide9.xml><?xml version="1.0" encoding="utf-8"?>
 <p:notes xmlns:a="http://schemas.openxmlformats.org/drawingml/2006/main" xmlns:r="http://schemas.openxmlformats.org/officeDocument/2006/relationships" xmlns:p="http://schemas.openxmlformats.org/presentationml/2006/main" xmlns:m="http://schemas.openxmlformats.org/officeDocument/2006/math" xmlns:w="http://schemas.openxmlformats.org/wordprocessingml/2006/main">
   <p:cSld name="">
     <p:spTree>
@@ -650,262 +1335,7 @@
             <a:pPr>
               <a:defRPr/>
             </a:pPr>
-            <a:fld id="{38750068-02D0-2CF5-C7E6-623F9678F948}" type="slidenum">
-              <a:rPr/>
-              <a:t/>
-            </a:fld>
-            <a:endParaRPr/>
-          </a:p>
-        </p:txBody>
-      </p:sp>
-    </p:spTree>
-  </p:cSld>
-  <p:clrMapOvr>
-    <a:masterClrMapping/>
-  </p:clrMapOvr>
-</p:notes>
-</file>
-
-<file path=ppt/notesSlides/notesSlide3.xml><?xml version="1.0" encoding="utf-8"?>
-<p:notes xmlns:a="http://schemas.openxmlformats.org/drawingml/2006/main" xmlns:r="http://schemas.openxmlformats.org/officeDocument/2006/relationships" xmlns:p="http://schemas.openxmlformats.org/presentationml/2006/main" xmlns:m="http://schemas.openxmlformats.org/officeDocument/2006/math" xmlns:w="http://schemas.openxmlformats.org/wordprocessingml/2006/main">
-  <p:cSld name="">
-    <p:spTree>
-      <p:nvGrpSpPr>
-        <p:cNvPr id="1" name=""/>
-        <p:cNvGrpSpPr/>
-        <p:nvPr/>
-      </p:nvGrpSpPr>
-      <p:grpSpPr bwMode="auto">
-        <a:xfrm>
-          <a:off x="0" y="0"/>
-          <a:ext cx="0" cy="0"/>
-          <a:chOff x="0" y="0"/>
-          <a:chExt cx="0" cy="0"/>
-        </a:xfrm>
-      </p:grpSpPr>
-      <p:sp>
-        <p:nvSpPr>
-          <p:cNvPr id="7273391" name="Slide Image Placeholder 1"/>
-          <p:cNvSpPr>
-            <a:spLocks noChangeAspect="1" noGrp="1" noRot="1"/>
-          </p:cNvSpPr>
-          <p:nvPr>
-            <p:ph type="sldImg"/>
-          </p:nvPr>
-        </p:nvSpPr>
-        <p:spPr bwMode="auto"/>
-      </p:sp>
-      <p:sp>
-        <p:nvSpPr>
-          <p:cNvPr id="264297519" name="Notes Placeholder 2"/>
-          <p:cNvSpPr>
-            <a:spLocks noGrp="1"/>
-          </p:cNvSpPr>
-          <p:nvPr>
-            <p:ph type="body" idx="1"/>
-          </p:nvPr>
-        </p:nvSpPr>
-        <p:spPr bwMode="auto"/>
-        <p:txBody>
-          <a:bodyPr/>
-          <a:lstStyle/>
-          <a:p>
-            <a:pPr>
-              <a:defRPr/>
-            </a:pPr>
-            <a:endParaRPr/>
-          </a:p>
-        </p:txBody>
-      </p:sp>
-      <p:sp>
-        <p:nvSpPr>
-          <p:cNvPr id="1946252897" name="Slide Number Placeholder 3"/>
-          <p:cNvSpPr>
-            <a:spLocks noGrp="1"/>
-          </p:cNvSpPr>
-          <p:nvPr>
-            <p:ph type="sldNum" sz="quarter" idx="10"/>
-          </p:nvPr>
-        </p:nvSpPr>
-        <p:spPr bwMode="auto"/>
-        <p:txBody>
-          <a:bodyPr/>
-          <a:lstStyle/>
-          <a:p>
-            <a:pPr>
-              <a:defRPr/>
-            </a:pPr>
-            <a:fld id="{40259FAD-4DAD-4A08-26EB-5B079F99F25A}" type="slidenum">
-              <a:rPr/>
-              <a:t/>
-            </a:fld>
-            <a:endParaRPr/>
-          </a:p>
-        </p:txBody>
-      </p:sp>
-    </p:spTree>
-  </p:cSld>
-  <p:clrMapOvr>
-    <a:masterClrMapping/>
-  </p:clrMapOvr>
-</p:notes>
-</file>
-
-<file path=ppt/notesSlides/notesSlide4.xml><?xml version="1.0" encoding="utf-8"?>
-<p:notes xmlns:a="http://schemas.openxmlformats.org/drawingml/2006/main" xmlns:r="http://schemas.openxmlformats.org/officeDocument/2006/relationships" xmlns:p="http://schemas.openxmlformats.org/presentationml/2006/main" xmlns:m="http://schemas.openxmlformats.org/officeDocument/2006/math" xmlns:w="http://schemas.openxmlformats.org/wordprocessingml/2006/main">
-  <p:cSld name="">
-    <p:spTree>
-      <p:nvGrpSpPr>
-        <p:cNvPr id="1" name=""/>
-        <p:cNvGrpSpPr/>
-        <p:nvPr/>
-      </p:nvGrpSpPr>
-      <p:grpSpPr bwMode="auto">
-        <a:xfrm>
-          <a:off x="0" y="0"/>
-          <a:ext cx="0" cy="0"/>
-          <a:chOff x="0" y="0"/>
-          <a:chExt cx="0" cy="0"/>
-        </a:xfrm>
-      </p:grpSpPr>
-      <p:sp>
-        <p:nvSpPr>
-          <p:cNvPr id="586444414" name="Slide Image Placeholder 1"/>
-          <p:cNvSpPr>
-            <a:spLocks noChangeAspect="1" noGrp="1" noRot="1"/>
-          </p:cNvSpPr>
-          <p:nvPr>
-            <p:ph type="sldImg"/>
-          </p:nvPr>
-        </p:nvSpPr>
-        <p:spPr bwMode="auto"/>
-      </p:sp>
-      <p:sp>
-        <p:nvSpPr>
-          <p:cNvPr id="1844838522" name="Notes Placeholder 2"/>
-          <p:cNvSpPr>
-            <a:spLocks noGrp="1"/>
-          </p:cNvSpPr>
-          <p:nvPr>
-            <p:ph type="body" idx="1"/>
-          </p:nvPr>
-        </p:nvSpPr>
-        <p:spPr bwMode="auto"/>
-        <p:txBody>
-          <a:bodyPr/>
-          <a:lstStyle/>
-          <a:p>
-            <a:pPr>
-              <a:defRPr/>
-            </a:pPr>
-            <a:endParaRPr/>
-          </a:p>
-        </p:txBody>
-      </p:sp>
-      <p:sp>
-        <p:nvSpPr>
-          <p:cNvPr id="1958154985" name="Slide Number Placeholder 3"/>
-          <p:cNvSpPr>
-            <a:spLocks noGrp="1"/>
-          </p:cNvSpPr>
-          <p:nvPr>
-            <p:ph type="sldNum" sz="quarter" idx="10"/>
-          </p:nvPr>
-        </p:nvSpPr>
-        <p:spPr bwMode="auto"/>
-        <p:txBody>
-          <a:bodyPr/>
-          <a:lstStyle/>
-          <a:p>
-            <a:pPr>
-              <a:defRPr/>
-            </a:pPr>
-            <a:fld id="{07CC7467-82FF-F909-D5AA-BCED612018B2}" type="slidenum">
-              <a:rPr/>
-              <a:t/>
-            </a:fld>
-            <a:endParaRPr/>
-          </a:p>
-        </p:txBody>
-      </p:sp>
-    </p:spTree>
-  </p:cSld>
-  <p:clrMapOvr>
-    <a:masterClrMapping/>
-  </p:clrMapOvr>
-</p:notes>
-</file>
-
-<file path=ppt/notesSlides/notesSlide5.xml><?xml version="1.0" encoding="utf-8"?>
-<p:notes xmlns:a="http://schemas.openxmlformats.org/drawingml/2006/main" xmlns:r="http://schemas.openxmlformats.org/officeDocument/2006/relationships" xmlns:p="http://schemas.openxmlformats.org/presentationml/2006/main" xmlns:m="http://schemas.openxmlformats.org/officeDocument/2006/math" xmlns:w="http://schemas.openxmlformats.org/wordprocessingml/2006/main">
-  <p:cSld name="">
-    <p:spTree>
-      <p:nvGrpSpPr>
-        <p:cNvPr id="1" name=""/>
-        <p:cNvGrpSpPr/>
-        <p:nvPr/>
-      </p:nvGrpSpPr>
-      <p:grpSpPr bwMode="auto">
-        <a:xfrm>
-          <a:off x="0" y="0"/>
-          <a:ext cx="0" cy="0"/>
-          <a:chOff x="0" y="0"/>
-          <a:chExt cx="0" cy="0"/>
-        </a:xfrm>
-      </p:grpSpPr>
-      <p:sp>
-        <p:nvSpPr>
-          <p:cNvPr id="1759558166" name="Slide Image Placeholder 1"/>
-          <p:cNvSpPr>
-            <a:spLocks noChangeAspect="1" noGrp="1" noRot="1"/>
-          </p:cNvSpPr>
-          <p:nvPr>
-            <p:ph type="sldImg"/>
-          </p:nvPr>
-        </p:nvSpPr>
-        <p:spPr bwMode="auto"/>
-      </p:sp>
-      <p:sp>
-        <p:nvSpPr>
-          <p:cNvPr id="1607158328" name="Notes Placeholder 2"/>
-          <p:cNvSpPr>
-            <a:spLocks noGrp="1"/>
-          </p:cNvSpPr>
-          <p:nvPr>
-            <p:ph type="body" idx="1"/>
-          </p:nvPr>
-        </p:nvSpPr>
-        <p:spPr bwMode="auto"/>
-        <p:txBody>
-          <a:bodyPr/>
-          <a:lstStyle/>
-          <a:p>
-            <a:pPr>
-              <a:defRPr/>
-            </a:pPr>
-            <a:endParaRPr/>
-          </a:p>
-        </p:txBody>
-      </p:sp>
-      <p:sp>
-        <p:nvSpPr>
-          <p:cNvPr id="1154714171" name="Slide Number Placeholder 3"/>
-          <p:cNvSpPr>
-            <a:spLocks noGrp="1"/>
-          </p:cNvSpPr>
-          <p:nvPr>
-            <p:ph type="sldNum" sz="quarter" idx="10"/>
-          </p:nvPr>
-        </p:nvSpPr>
-        <p:spPr bwMode="auto"/>
-        <p:txBody>
-          <a:bodyPr/>
-          <a:lstStyle/>
-          <a:p>
-            <a:pPr>
-              <a:defRPr/>
-            </a:pPr>
-            <a:fld id="{B74D6470-CB11-2D4D-6E21-6475DDC88D88}" type="slidenum">
+            <a:fld id="{980ECCCC-8D1D-C08A-268D-DAA40B1903E1}" type="slidenum">
               <a:rPr/>
               <a:t/>
             </a:fld>
@@ -940,7 +1370,7 @@
       </p:grpSpPr>
       <p:sp>
         <p:nvSpPr>
-          <p:cNvPr id="1560997580" name="Titre 1"/>
+          <p:cNvPr id="831184789" name="Titre 1"/>
           <p:cNvSpPr>
             <a:spLocks noGrp="1"/>
           </p:cNvSpPr>
@@ -975,7 +1405,7 @@
       </p:sp>
       <p:sp>
         <p:nvSpPr>
-          <p:cNvPr id="928338211" name="Sous-titre 2"/>
+          <p:cNvPr id="1149177284" name="Sous-titre 2"/>
           <p:cNvSpPr>
             <a:spLocks noGrp="1"/>
           </p:cNvSpPr>
@@ -1043,7 +1473,7 @@
       </p:sp>
       <p:sp>
         <p:nvSpPr>
-          <p:cNvPr id="290546274" name="Espace réservé de la date 3"/>
+          <p:cNvPr id="1411020211" name="Espace réservé de la date 3"/>
           <p:cNvSpPr>
             <a:spLocks noGrp="1"/>
           </p:cNvSpPr>
@@ -1069,7 +1499,7 @@
       </p:sp>
       <p:sp>
         <p:nvSpPr>
-          <p:cNvPr id="711446262" name="Espace réservé du pied de page 4"/>
+          <p:cNvPr id="1213552828" name="Espace réservé du pied de page 4"/>
           <p:cNvSpPr>
             <a:spLocks noGrp="1"/>
           </p:cNvSpPr>
@@ -1091,7 +1521,7 @@
       </p:sp>
       <p:sp>
         <p:nvSpPr>
-          <p:cNvPr id="453127438" name="Espace réservé du numéro de diapositive 5"/>
+          <p:cNvPr id="1290055765" name="Espace réservé du numéro de diapositive 5"/>
           <p:cNvSpPr>
             <a:spLocks noGrp="1"/>
           </p:cNvSpPr>
@@ -1142,7 +1572,7 @@
       </p:grpSpPr>
       <p:sp>
         <p:nvSpPr>
-          <p:cNvPr id="234363500" name="Titre 1"/>
+          <p:cNvPr id="1396754729" name="Titre 1"/>
           <p:cNvSpPr>
             <a:spLocks noGrp="1"/>
           </p:cNvSpPr>
@@ -1168,7 +1598,7 @@
       </p:sp>
       <p:sp>
         <p:nvSpPr>
-          <p:cNvPr id="2074127834" name="Espace réservé du texte vertical 2"/>
+          <p:cNvPr id="2027619568" name="Espace réservé du texte vertical 2"/>
           <p:cNvSpPr>
             <a:spLocks noGrp="1"/>
           </p:cNvSpPr>
@@ -1234,7 +1664,7 @@
       </p:sp>
       <p:sp>
         <p:nvSpPr>
-          <p:cNvPr id="1430704634" name="Espace réservé de la date 3"/>
+          <p:cNvPr id="335411656" name="Espace réservé de la date 3"/>
           <p:cNvSpPr>
             <a:spLocks noGrp="1"/>
           </p:cNvSpPr>
@@ -1260,7 +1690,7 @@
       </p:sp>
       <p:sp>
         <p:nvSpPr>
-          <p:cNvPr id="661743506" name="Espace réservé du pied de page 4"/>
+          <p:cNvPr id="1078473825" name="Espace réservé du pied de page 4"/>
           <p:cNvSpPr>
             <a:spLocks noGrp="1"/>
           </p:cNvSpPr>
@@ -1282,7 +1712,7 @@
       </p:sp>
       <p:sp>
         <p:nvSpPr>
-          <p:cNvPr id="1937210060" name="Espace réservé du numéro de diapositive 5"/>
+          <p:cNvPr id="1857804474" name="Espace réservé du numéro de diapositive 5"/>
           <p:cNvSpPr>
             <a:spLocks noGrp="1"/>
           </p:cNvSpPr>
@@ -1333,7 +1763,7 @@
       </p:grpSpPr>
       <p:sp>
         <p:nvSpPr>
-          <p:cNvPr id="1342462033" name="Titre vertical 1"/>
+          <p:cNvPr id="82026051" name="Titre vertical 1"/>
           <p:cNvSpPr>
             <a:spLocks noGrp="1"/>
           </p:cNvSpPr>
@@ -1364,7 +1794,7 @@
       </p:sp>
       <p:sp>
         <p:nvSpPr>
-          <p:cNvPr id="583750345" name="Espace réservé du texte vertical 2"/>
+          <p:cNvPr id="1463760602" name="Espace réservé du texte vertical 2"/>
           <p:cNvSpPr>
             <a:spLocks noGrp="1"/>
           </p:cNvSpPr>
@@ -1435,7 +1865,7 @@
       </p:sp>
       <p:sp>
         <p:nvSpPr>
-          <p:cNvPr id="295243961" name="Espace réservé de la date 3"/>
+          <p:cNvPr id="229370820" name="Espace réservé de la date 3"/>
           <p:cNvSpPr>
             <a:spLocks noGrp="1"/>
           </p:cNvSpPr>
@@ -1461,7 +1891,7 @@
       </p:sp>
       <p:sp>
         <p:nvSpPr>
-          <p:cNvPr id="699182115" name="Espace réservé du pied de page 4"/>
+          <p:cNvPr id="1883055047" name="Espace réservé du pied de page 4"/>
           <p:cNvSpPr>
             <a:spLocks noGrp="1"/>
           </p:cNvSpPr>
@@ -1483,7 +1913,7 @@
       </p:sp>
       <p:sp>
         <p:nvSpPr>
-          <p:cNvPr id="651061798" name="Espace réservé du numéro de diapositive 5"/>
+          <p:cNvPr id="393395464" name="Espace réservé du numéro de diapositive 5"/>
           <p:cNvSpPr>
             <a:spLocks noGrp="1"/>
           </p:cNvSpPr>
@@ -1534,7 +1964,7 @@
       </p:grpSpPr>
       <p:sp>
         <p:nvSpPr>
-          <p:cNvPr id="228330354" name="Titre 1"/>
+          <p:cNvPr id="1034119191" name="Titre 1"/>
           <p:cNvSpPr>
             <a:spLocks noGrp="1"/>
           </p:cNvSpPr>
@@ -1560,7 +1990,7 @@
       </p:sp>
       <p:sp>
         <p:nvSpPr>
-          <p:cNvPr id="1899691883" name="Espace réservé du contenu 2"/>
+          <p:cNvPr id="241202790" name="Espace réservé du contenu 2"/>
           <p:cNvSpPr>
             <a:spLocks noGrp="1"/>
           </p:cNvSpPr>
@@ -1626,7 +2056,7 @@
       </p:sp>
       <p:sp>
         <p:nvSpPr>
-          <p:cNvPr id="1383582828" name="Espace réservé de la date 3"/>
+          <p:cNvPr id="1526235886" name="Espace réservé de la date 3"/>
           <p:cNvSpPr>
             <a:spLocks noGrp="1"/>
           </p:cNvSpPr>
@@ -1652,7 +2082,7 @@
       </p:sp>
       <p:sp>
         <p:nvSpPr>
-          <p:cNvPr id="2080148470" name="Espace réservé du pied de page 4"/>
+          <p:cNvPr id="202948689" name="Espace réservé du pied de page 4"/>
           <p:cNvSpPr>
             <a:spLocks noGrp="1"/>
           </p:cNvSpPr>
@@ -1674,7 +2104,7 @@
       </p:sp>
       <p:sp>
         <p:nvSpPr>
-          <p:cNvPr id="1778117570" name="Espace réservé du numéro de diapositive 5"/>
+          <p:cNvPr id="1614197471" name="Espace réservé du numéro de diapositive 5"/>
           <p:cNvSpPr>
             <a:spLocks noGrp="1"/>
           </p:cNvSpPr>
@@ -1725,7 +2155,7 @@
       </p:grpSpPr>
       <p:sp>
         <p:nvSpPr>
-          <p:cNvPr id="96997995" name="Titre 1"/>
+          <p:cNvPr id="545184888" name="Titre 1"/>
           <p:cNvSpPr>
             <a:spLocks noGrp="1"/>
           </p:cNvSpPr>
@@ -1760,7 +2190,7 @@
       </p:sp>
       <p:sp>
         <p:nvSpPr>
-          <p:cNvPr id="1539914003" name="Espace réservé du texte 2"/>
+          <p:cNvPr id="1655985300" name="Espace réservé du texte 2"/>
           <p:cNvSpPr>
             <a:spLocks noGrp="1"/>
           </p:cNvSpPr>
@@ -1882,7 +2312,7 @@
       </p:sp>
       <p:sp>
         <p:nvSpPr>
-          <p:cNvPr id="1109090476" name="Espace réservé de la date 3"/>
+          <p:cNvPr id="282913446" name="Espace réservé de la date 3"/>
           <p:cNvSpPr>
             <a:spLocks noGrp="1"/>
           </p:cNvSpPr>
@@ -1908,7 +2338,7 @@
       </p:sp>
       <p:sp>
         <p:nvSpPr>
-          <p:cNvPr id="750590365" name="Espace réservé du pied de page 4"/>
+          <p:cNvPr id="814017181" name="Espace réservé du pied de page 4"/>
           <p:cNvSpPr>
             <a:spLocks noGrp="1"/>
           </p:cNvSpPr>
@@ -1930,7 +2360,7 @@
       </p:sp>
       <p:sp>
         <p:nvSpPr>
-          <p:cNvPr id="842371160" name="Espace réservé du numéro de diapositive 5"/>
+          <p:cNvPr id="1284105197" name="Espace réservé du numéro de diapositive 5"/>
           <p:cNvSpPr>
             <a:spLocks noGrp="1"/>
           </p:cNvSpPr>
@@ -1981,7 +2411,7 @@
       </p:grpSpPr>
       <p:sp>
         <p:nvSpPr>
-          <p:cNvPr id="1866190116" name="Titre 1"/>
+          <p:cNvPr id="1381291071" name="Titre 1"/>
           <p:cNvSpPr>
             <a:spLocks noGrp="1"/>
           </p:cNvSpPr>
@@ -2007,7 +2437,7 @@
       </p:sp>
       <p:sp>
         <p:nvSpPr>
-          <p:cNvPr id="1429608306" name="Espace réservé du contenu 2"/>
+          <p:cNvPr id="844780565" name="Espace réservé du contenu 2"/>
           <p:cNvSpPr>
             <a:spLocks noGrp="1"/>
           </p:cNvSpPr>
@@ -2078,7 +2508,7 @@
       </p:sp>
       <p:sp>
         <p:nvSpPr>
-          <p:cNvPr id="1912513186" name="Espace réservé du contenu 3"/>
+          <p:cNvPr id="1973581264" name="Espace réservé du contenu 3"/>
           <p:cNvSpPr>
             <a:spLocks noGrp="1"/>
           </p:cNvSpPr>
@@ -2149,7 +2579,7 @@
       </p:sp>
       <p:sp>
         <p:nvSpPr>
-          <p:cNvPr id="854368043" name="Espace réservé de la date 4"/>
+          <p:cNvPr id="431492773" name="Espace réservé de la date 4"/>
           <p:cNvSpPr>
             <a:spLocks noGrp="1"/>
           </p:cNvSpPr>
@@ -2175,7 +2605,7 @@
       </p:sp>
       <p:sp>
         <p:nvSpPr>
-          <p:cNvPr id="1711162169" name="Espace réservé du pied de page 5"/>
+          <p:cNvPr id="422753012" name="Espace réservé du pied de page 5"/>
           <p:cNvSpPr>
             <a:spLocks noGrp="1"/>
           </p:cNvSpPr>
@@ -2197,7 +2627,7 @@
       </p:sp>
       <p:sp>
         <p:nvSpPr>
-          <p:cNvPr id="26247841" name="Espace réservé du numéro de diapositive 6"/>
+          <p:cNvPr id="1332125566" name="Espace réservé du numéro de diapositive 6"/>
           <p:cNvSpPr>
             <a:spLocks noGrp="1"/>
           </p:cNvSpPr>
@@ -2248,7 +2678,7 @@
       </p:grpSpPr>
       <p:sp>
         <p:nvSpPr>
-          <p:cNvPr id="1853217056" name="Titre 1"/>
+          <p:cNvPr id="1152853695" name="Titre 1"/>
           <p:cNvSpPr>
             <a:spLocks noGrp="1"/>
           </p:cNvSpPr>
@@ -2279,7 +2709,7 @@
       </p:sp>
       <p:sp>
         <p:nvSpPr>
-          <p:cNvPr id="1031260833" name="Espace réservé du texte 2"/>
+          <p:cNvPr id="180288649" name="Espace réservé du texte 2"/>
           <p:cNvSpPr>
             <a:spLocks noGrp="1"/>
           </p:cNvSpPr>
@@ -2347,7 +2777,7 @@
       </p:sp>
       <p:sp>
         <p:nvSpPr>
-          <p:cNvPr id="71009727" name="Espace réservé du contenu 3"/>
+          <p:cNvPr id="727203814" name="Espace réservé du contenu 3"/>
           <p:cNvSpPr>
             <a:spLocks noGrp="1"/>
           </p:cNvSpPr>
@@ -2418,7 +2848,7 @@
       </p:sp>
       <p:sp>
         <p:nvSpPr>
-          <p:cNvPr id="2127767344" name="Espace réservé du texte 4"/>
+          <p:cNvPr id="19395242" name="Espace réservé du texte 4"/>
           <p:cNvSpPr>
             <a:spLocks noGrp="1"/>
           </p:cNvSpPr>
@@ -2486,7 +2916,7 @@
       </p:sp>
       <p:sp>
         <p:nvSpPr>
-          <p:cNvPr id="411509812" name="Espace réservé du contenu 5"/>
+          <p:cNvPr id="916680678" name="Espace réservé du contenu 5"/>
           <p:cNvSpPr>
             <a:spLocks noGrp="1"/>
           </p:cNvSpPr>
@@ -2557,7 +2987,7 @@
       </p:sp>
       <p:sp>
         <p:nvSpPr>
-          <p:cNvPr id="1899896300" name="Espace réservé de la date 6"/>
+          <p:cNvPr id="2097907282" name="Espace réservé de la date 6"/>
           <p:cNvSpPr>
             <a:spLocks noGrp="1"/>
           </p:cNvSpPr>
@@ -2583,7 +3013,7 @@
       </p:sp>
       <p:sp>
         <p:nvSpPr>
-          <p:cNvPr id="1778049545" name="Espace réservé du pied de page 7"/>
+          <p:cNvPr id="2062845588" name="Espace réservé du pied de page 7"/>
           <p:cNvSpPr>
             <a:spLocks noGrp="1"/>
           </p:cNvSpPr>
@@ -2605,7 +3035,7 @@
       </p:sp>
       <p:sp>
         <p:nvSpPr>
-          <p:cNvPr id="1826247429" name="Espace réservé du numéro de diapositive 8"/>
+          <p:cNvPr id="532618978" name="Espace réservé du numéro de diapositive 8"/>
           <p:cNvSpPr>
             <a:spLocks noGrp="1"/>
           </p:cNvSpPr>
@@ -2656,7 +3086,7 @@
       </p:grpSpPr>
       <p:sp>
         <p:nvSpPr>
-          <p:cNvPr id="1324981710" name="Titre 1"/>
+          <p:cNvPr id="1567997486" name="Titre 1"/>
           <p:cNvSpPr>
             <a:spLocks noGrp="1"/>
           </p:cNvSpPr>
@@ -2682,7 +3112,7 @@
       </p:sp>
       <p:sp>
         <p:nvSpPr>
-          <p:cNvPr id="2046054310" name="Espace réservé de la date 2"/>
+          <p:cNvPr id="1820893000" name="Espace réservé de la date 2"/>
           <p:cNvSpPr>
             <a:spLocks noGrp="1"/>
           </p:cNvSpPr>
@@ -2708,7 +3138,7 @@
       </p:sp>
       <p:sp>
         <p:nvSpPr>
-          <p:cNvPr id="1603417395" name="Espace réservé du pied de page 3"/>
+          <p:cNvPr id="457937962" name="Espace réservé du pied de page 3"/>
           <p:cNvSpPr>
             <a:spLocks noGrp="1"/>
           </p:cNvSpPr>
@@ -2730,7 +3160,7 @@
       </p:sp>
       <p:sp>
         <p:nvSpPr>
-          <p:cNvPr id="1450263068" name="Espace réservé du numéro de diapositive 4"/>
+          <p:cNvPr id="433837185" name="Espace réservé du numéro de diapositive 4"/>
           <p:cNvSpPr>
             <a:spLocks noGrp="1"/>
           </p:cNvSpPr>
@@ -2781,7 +3211,7 @@
       </p:grpSpPr>
       <p:sp>
         <p:nvSpPr>
-          <p:cNvPr id="1547712003" name="Espace réservé de la date 1"/>
+          <p:cNvPr id="89561810" name="Espace réservé de la date 1"/>
           <p:cNvSpPr>
             <a:spLocks noGrp="1"/>
           </p:cNvSpPr>
@@ -2807,7 +3237,7 @@
       </p:sp>
       <p:sp>
         <p:nvSpPr>
-          <p:cNvPr id="20478098" name="Espace réservé du pied de page 2"/>
+          <p:cNvPr id="1721530008" name="Espace réservé du pied de page 2"/>
           <p:cNvSpPr>
             <a:spLocks noGrp="1"/>
           </p:cNvSpPr>
@@ -2829,7 +3259,7 @@
       </p:sp>
       <p:sp>
         <p:nvSpPr>
-          <p:cNvPr id="1479422591" name="Espace réservé du numéro de diapositive 3"/>
+          <p:cNvPr id="654724027" name="Espace réservé du numéro de diapositive 3"/>
           <p:cNvSpPr>
             <a:spLocks noGrp="1"/>
           </p:cNvSpPr>
@@ -2880,7 +3310,7 @@
       </p:grpSpPr>
       <p:sp>
         <p:nvSpPr>
-          <p:cNvPr id="994744210" name="Titre 1"/>
+          <p:cNvPr id="1492895324" name="Titre 1"/>
           <p:cNvSpPr>
             <a:spLocks noGrp="1"/>
           </p:cNvSpPr>
@@ -2915,7 +3345,7 @@
       </p:sp>
       <p:sp>
         <p:nvSpPr>
-          <p:cNvPr id="462287831" name="Espace réservé du contenu 2"/>
+          <p:cNvPr id="123918025" name="Espace réservé du contenu 2"/>
           <p:cNvSpPr>
             <a:spLocks noGrp="1"/>
           </p:cNvSpPr>
@@ -3014,7 +3444,7 @@
       </p:sp>
       <p:sp>
         <p:nvSpPr>
-          <p:cNvPr id="1247872064" name="Espace réservé du texte 3"/>
+          <p:cNvPr id="1717344001" name="Espace réservé du texte 3"/>
           <p:cNvSpPr>
             <a:spLocks noGrp="1"/>
           </p:cNvSpPr>
@@ -3082,7 +3512,7 @@
       </p:sp>
       <p:sp>
         <p:nvSpPr>
-          <p:cNvPr id="1379768600" name="Espace réservé de la date 4"/>
+          <p:cNvPr id="2049897476" name="Espace réservé de la date 4"/>
           <p:cNvSpPr>
             <a:spLocks noGrp="1"/>
           </p:cNvSpPr>
@@ -3108,7 +3538,7 @@
       </p:sp>
       <p:sp>
         <p:nvSpPr>
-          <p:cNvPr id="407685235" name="Espace réservé du pied de page 5"/>
+          <p:cNvPr id="2012984594" name="Espace réservé du pied de page 5"/>
           <p:cNvSpPr>
             <a:spLocks noGrp="1"/>
           </p:cNvSpPr>
@@ -3130,7 +3560,7 @@
       </p:sp>
       <p:sp>
         <p:nvSpPr>
-          <p:cNvPr id="1646133932" name="Espace réservé du numéro de diapositive 6"/>
+          <p:cNvPr id="1956579350" name="Espace réservé du numéro de diapositive 6"/>
           <p:cNvSpPr>
             <a:spLocks noGrp="1"/>
           </p:cNvSpPr>
@@ -3181,7 +3611,7 @@
       </p:grpSpPr>
       <p:sp>
         <p:nvSpPr>
-          <p:cNvPr id="1394645153" name="Titre 1"/>
+          <p:cNvPr id="583418366" name="Titre 1"/>
           <p:cNvSpPr>
             <a:spLocks noGrp="1"/>
           </p:cNvSpPr>
@@ -3216,7 +3646,7 @@
       </p:sp>
       <p:sp>
         <p:nvSpPr>
-          <p:cNvPr id="8941150" name="Espace réservé pour une image 2"/>
+          <p:cNvPr id="774527472" name="Espace réservé pour une image 2"/>
           <p:cNvSpPr>
             <a:spLocks noChangeAspect="1" noGrp="1"/>
           </p:cNvSpPr>
@@ -3284,7 +3714,7 @@
       </p:sp>
       <p:sp>
         <p:nvSpPr>
-          <p:cNvPr id="288604499" name="Espace réservé du texte 3"/>
+          <p:cNvPr id="685378778" name="Espace réservé du texte 3"/>
           <p:cNvSpPr>
             <a:spLocks noGrp="1"/>
           </p:cNvSpPr>
@@ -3352,7 +3782,7 @@
       </p:sp>
       <p:sp>
         <p:nvSpPr>
-          <p:cNvPr id="926544076" name="Espace réservé de la date 4"/>
+          <p:cNvPr id="711453104" name="Espace réservé de la date 4"/>
           <p:cNvSpPr>
             <a:spLocks noGrp="1"/>
           </p:cNvSpPr>
@@ -3378,7 +3808,7 @@
       </p:sp>
       <p:sp>
         <p:nvSpPr>
-          <p:cNvPr id="1345750412" name="Espace réservé du pied de page 5"/>
+          <p:cNvPr id="1875058390" name="Espace réservé du pied de page 5"/>
           <p:cNvSpPr>
             <a:spLocks noGrp="1"/>
           </p:cNvSpPr>
@@ -3400,7 +3830,7 @@
       </p:sp>
       <p:sp>
         <p:nvSpPr>
-          <p:cNvPr id="884774897" name="Espace réservé du numéro de diapositive 6"/>
+          <p:cNvPr id="1492547986" name="Espace réservé du numéro de diapositive 6"/>
           <p:cNvSpPr>
             <a:spLocks noGrp="1"/>
           </p:cNvSpPr>
@@ -3456,7 +3886,7 @@
       </p:grpSpPr>
       <p:sp>
         <p:nvSpPr>
-          <p:cNvPr id="557932147" name="Espace réservé du titre 1"/>
+          <p:cNvPr id="1958398089" name="Espace réservé du titre 1"/>
           <p:cNvSpPr>
             <a:spLocks noGrp="1"/>
           </p:cNvSpPr>
@@ -3492,7 +3922,7 @@
       </p:sp>
       <p:sp>
         <p:nvSpPr>
-          <p:cNvPr id="455992921" name="Espace réservé du texte 2"/>
+          <p:cNvPr id="1718196273" name="Espace réservé du texte 2"/>
           <p:cNvSpPr>
             <a:spLocks noGrp="1"/>
           </p:cNvSpPr>
@@ -3568,7 +3998,7 @@
       </p:sp>
       <p:sp>
         <p:nvSpPr>
-          <p:cNvPr id="1835368379" name="Espace réservé de la date 3"/>
+          <p:cNvPr id="1058197734" name="Espace réservé de la date 3"/>
           <p:cNvSpPr>
             <a:spLocks noGrp="1"/>
           </p:cNvSpPr>
@@ -3612,7 +4042,7 @@
       </p:sp>
       <p:sp>
         <p:nvSpPr>
-          <p:cNvPr id="1932400350" name="Espace réservé du pied de page 4"/>
+          <p:cNvPr id="1977116443" name="Espace réservé du pied de page 4"/>
           <p:cNvSpPr>
             <a:spLocks noGrp="1"/>
           </p:cNvSpPr>
@@ -3652,7 +4082,7 @@
       </p:sp>
       <p:sp>
         <p:nvSpPr>
-          <p:cNvPr id="289700691" name="Espace réservé du numéro de diapositive 5"/>
+          <p:cNvPr id="326342779" name="Espace réservé du numéro de diapositive 5"/>
           <p:cNvSpPr>
             <a:spLocks noGrp="1"/>
           </p:cNvSpPr>
@@ -4012,7 +4442,7 @@
       </p:grpSpPr>
       <p:pic>
         <p:nvPicPr>
-          <p:cNvPr id="432308697" name=""/>
+          <p:cNvPr id="163143718" name=""/>
           <p:cNvPicPr>
             <a:picLocks noChangeAspect="1"/>
           </p:cNvPicPr>
@@ -4026,7 +4456,7 @@
         <p:spPr bwMode="auto">
           <a:xfrm flipH="0" flipV="0">
             <a:off x="62898" y="2941543"/>
-            <a:ext cx="12066475" cy="3053602"/>
+            <a:ext cx="12066475" cy="3053601"/>
           </a:xfrm>
           <a:prstGeom prst="rect">
             <a:avLst/>
@@ -4035,7 +4465,7 @@
       </p:pic>
       <p:sp>
         <p:nvSpPr>
-          <p:cNvPr id="1522009501" name="Titre 1"/>
+          <p:cNvPr id="594181352" name="Titre 1"/>
           <p:cNvSpPr>
             <a:spLocks noGrp="1"/>
           </p:cNvSpPr>
@@ -4043,7 +4473,7 @@
         </p:nvSpPr>
         <p:spPr bwMode="auto">
           <a:xfrm>
-            <a:off x="838199" y="14940"/>
+            <a:off x="838198" y="14940"/>
             <a:ext cx="10515600" cy="1325562"/>
           </a:xfrm>
         </p:spPr>
@@ -4076,12 +4506,423 @@
             </a:pPr>
             <a:r>
               <a:rPr/>
-              <a:t>Activité 1 : Cadrage et socle de sécurité</a:t>
+              <a:t>Chapitre 1 : Contexte - Périmètre</a:t>
             </a:r>
             <a:endParaRPr/>
           </a:p>
         </p:txBody>
       </p:sp>
+    </p:spTree>
+  </p:cSld>
+  <p:clrMapOvr>
+    <a:masterClrMapping/>
+  </p:clrMapOvr>
+  <mc:AlternateContent xmlns:mc="http://schemas.openxmlformats.org/markup-compatibility/2006">
+    <mc:Choice xmlns:p159="http://schemas.microsoft.com/office/powerpoint/2015/09/main" xmlns:p14="http://schemas.microsoft.com/office/powerpoint/2010/main" Requires="p159">
+      <p:transition p14:dur="2000" advClick="1"/>
+    </mc:Choice>
+    <mc:Fallback>
+      <p:transition advClick="1"/>
+    </mc:Fallback>
+  </mc:AlternateContent>
+</p:sld>
+</file>
+
+<file path=ppt/slides/slide10.xml><?xml version="1.0" encoding="utf-8"?>
+<p:sld xmlns:a="http://schemas.openxmlformats.org/drawingml/2006/main" xmlns:r="http://schemas.openxmlformats.org/officeDocument/2006/relationships" xmlns:p="http://schemas.openxmlformats.org/presentationml/2006/main" xmlns:m="http://schemas.openxmlformats.org/officeDocument/2006/math" xmlns:w="http://schemas.openxmlformats.org/wordprocessingml/2006/main" xmlns:mc="http://schemas.openxmlformats.org/markup-compatibility/2006" showMasterPhAnim="0" showMasterSp="1" show="1">
+  <p:cSld name="">
+    <p:spTree>
+      <p:nvGrpSpPr>
+        <p:cNvPr id="1" name=""/>
+        <p:cNvGrpSpPr/>
+        <p:nvPr/>
+      </p:nvGrpSpPr>
+      <p:grpSpPr bwMode="auto">
+        <a:xfrm>
+          <a:off x="0" y="0"/>
+          <a:ext cx="0" cy="0"/>
+          <a:chOff x="0" y="0"/>
+          <a:chExt cx="0" cy="0"/>
+        </a:xfrm>
+      </p:grpSpPr>
+      <p:sp>
+        <p:nvSpPr>
+          <p:cNvPr id="317397178" name="Titre 1"/>
+          <p:cNvSpPr>
+            <a:spLocks noGrp="1"/>
+          </p:cNvSpPr>
+          <p:nvPr>
+            <p:ph type="title"/>
+          </p:nvPr>
+        </p:nvSpPr>
+        <p:spPr bwMode="auto">
+          <a:xfrm>
+            <a:off x="839787" y="365124"/>
+            <a:ext cx="10515600" cy="1325562"/>
+          </a:xfrm>
+        </p:spPr>
+        <p:txBody>
+          <a:bodyPr/>
+          <a:lstStyle/>
+          <a:p>
+            <a:pPr>
+              <a:defRPr/>
+            </a:pPr>
+            <a:r>
+              <a:rPr/>
+              <a:t>Chapitre 5 : Mesures de sécurité</a:t>
+            </a:r>
+            <a:endParaRPr/>
+          </a:p>
+        </p:txBody>
+      </p:sp>
+      <p:graphicFrame>
+        <p:nvGraphicFramePr>
+          <p:cNvPr id="1253500161" name=""/>
+          <p:cNvGraphicFramePr>
+            <a:graphicFrameLocks xmlns:a="http://schemas.openxmlformats.org/drawingml/2006/main"/>
+          </p:cNvGraphicFramePr>
+          <p:nvPr/>
+        </p:nvGraphicFramePr>
+        <p:xfrm>
+          <a:off x="2253540" y="2255519"/>
+          <a:ext cx="7700794" cy="2847339"/>
+        </p:xfrm>
+        <a:graphic>
+          <a:graphicData uri="http://schemas.openxmlformats.org/drawingml/2006/table">
+            <a:tbl>
+              <a:tblPr firstRow="1" firstCol="1" lastRow="0" lastCol="0" bandRow="1" bandCol="0">
+                <a:tableStyleId>{5940675A-B579-460E-94D1-54222C63F5DA}</a:tableStyleId>
+              </a:tblPr>
+              <a:tblGrid>
+                <a:gridCol w="2802140"/>
+                <a:gridCol w="1157859"/>
+                <a:gridCol w="3728094"/>
+              </a:tblGrid>
+              <a:tr h="384810">
+                <a:tc>
+                  <a:txBody>
+                    <a:bodyPr/>
+                    <a:p>
+                      <a:pPr>
+                        <a:defRPr/>
+                      </a:pPr>
+                      <a:r>
+                        <a:rPr sz="1800" b="1" i="0" u="none">
+                          <a:solidFill>
+                            <a:srgbClr val="000000"/>
+                          </a:solidFill>
+                          <a:latin typeface="Arial"/>
+                          <a:ea typeface="Arial"/>
+                          <a:cs typeface="Arial"/>
+                        </a:rPr>
+                        <a:t>VM critique</a:t>
+                      </a:r>
+                      <a:endParaRPr sz="1800">
+                        <a:latin typeface="Arial"/>
+                        <a:cs typeface="Arial"/>
+                      </a:endParaRPr>
+                    </a:p>
+                  </a:txBody>
+                  <a:tcPr anchor="ctr"/>
+                </a:tc>
+                <a:tc>
+                  <a:txBody>
+                    <a:bodyPr/>
+                    <a:p>
+                      <a:pPr>
+                        <a:defRPr/>
+                      </a:pPr>
+                      <a:r>
+                        <a:rPr sz="1800" b="1" i="0" u="none">
+                          <a:solidFill>
+                            <a:srgbClr val="000000"/>
+                          </a:solidFill>
+                          <a:latin typeface="Arial"/>
+                          <a:ea typeface="Arial"/>
+                          <a:cs typeface="Arial"/>
+                        </a:rPr>
+                        <a:t>Risques couverts</a:t>
+                      </a:r>
+                      <a:endParaRPr sz="1800">
+                        <a:latin typeface="Arial"/>
+                        <a:cs typeface="Arial"/>
+                      </a:endParaRPr>
+                    </a:p>
+                  </a:txBody>
+                  <a:tcPr anchor="ctr"/>
+                </a:tc>
+                <a:tc>
+                  <a:txBody>
+                    <a:bodyPr/>
+                    <a:p>
+                      <a:pPr>
+                        <a:defRPr/>
+                      </a:pPr>
+                      <a:r>
+                        <a:rPr sz="1800" b="1" i="0" u="none">
+                          <a:solidFill>
+                            <a:srgbClr val="000000"/>
+                          </a:solidFill>
+                          <a:latin typeface="Arial"/>
+                          <a:ea typeface="Arial"/>
+                          <a:cs typeface="Arial"/>
+                        </a:rPr>
+                        <a:t>Mesures clés</a:t>
+                      </a:r>
+                      <a:endParaRPr sz="1800">
+                        <a:latin typeface="Arial"/>
+                        <a:cs typeface="Arial"/>
+                      </a:endParaRPr>
+                    </a:p>
+                  </a:txBody>
+                  <a:tcPr anchor="ctr"/>
+                </a:tc>
+              </a:tr>
+              <a:tr h="201930">
+                <a:tc>
+                  <a:txBody>
+                    <a:bodyPr/>
+                    <a:p>
+                      <a:pPr>
+                        <a:defRPr/>
+                      </a:pPr>
+                      <a:r>
+                        <a:rPr sz="1800" b="0" i="0" u="none">
+                          <a:solidFill>
+                            <a:srgbClr val="000000"/>
+                          </a:solidFill>
+                          <a:latin typeface="Arial"/>
+                          <a:ea typeface="Arial"/>
+                          <a:cs typeface="Arial"/>
+                        </a:rPr>
+                        <a:t>VM1 Jouer à des jeux en ligne</a:t>
+                      </a:r>
+                      <a:endParaRPr sz="1800">
+                        <a:latin typeface="Arial"/>
+                        <a:cs typeface="Arial"/>
+                      </a:endParaRPr>
+                    </a:p>
+                  </a:txBody>
+                  <a:tcPr anchor="ctr"/>
+                </a:tc>
+                <a:tc>
+                  <a:txBody>
+                    <a:bodyPr/>
+                    <a:p>
+                      <a:pPr>
+                        <a:defRPr/>
+                      </a:pPr>
+                      <a:r>
+                        <a:rPr sz="1800" b="0" i="0" u="none">
+                          <a:solidFill>
+                            <a:srgbClr val="000000"/>
+                          </a:solidFill>
+                          <a:latin typeface="Arial"/>
+                          <a:ea typeface="Arial"/>
+                          <a:cs typeface="Arial"/>
+                        </a:rPr>
+                        <a:t>R3, R4, R7</a:t>
+                      </a:r>
+                      <a:endParaRPr sz="1800">
+                        <a:latin typeface="Arial"/>
+                        <a:cs typeface="Arial"/>
+                      </a:endParaRPr>
+                    </a:p>
+                  </a:txBody>
+                  <a:tcPr anchor="ctr"/>
+                </a:tc>
+                <a:tc>
+                  <a:txBody>
+                    <a:bodyPr/>
+                    <a:p>
+                      <a:pPr>
+                        <a:defRPr/>
+                      </a:pPr>
+                      <a:r>
+                        <a:rPr sz="1800" b="0" i="0" u="none">
+                          <a:solidFill>
+                            <a:srgbClr val="000000"/>
+                          </a:solidFill>
+                          <a:latin typeface="Arial"/>
+                          <a:ea typeface="Arial"/>
+                          <a:cs typeface="Arial"/>
+                        </a:rPr>
+                        <a:t>Intégrité des jeux, disponibilité PSN, mise à jour régulière</a:t>
+                      </a:r>
+                      <a:endParaRPr sz="1800">
+                        <a:latin typeface="Arial"/>
+                        <a:cs typeface="Arial"/>
+                      </a:endParaRPr>
+                    </a:p>
+                  </a:txBody>
+                  <a:tcPr anchor="ctr"/>
+                </a:tc>
+              </a:tr>
+              <a:tr h="201930">
+                <a:tc>
+                  <a:txBody>
+                    <a:bodyPr/>
+                    <a:p>
+                      <a:pPr>
+                        <a:defRPr/>
+                      </a:pPr>
+                      <a:r>
+                        <a:rPr sz="1800" b="0" i="0" u="none">
+                          <a:solidFill>
+                            <a:srgbClr val="000000"/>
+                          </a:solidFill>
+                          <a:latin typeface="Arial"/>
+                          <a:ea typeface="Arial"/>
+                          <a:cs typeface="Arial"/>
+                        </a:rPr>
+                        <a:t>VM4 Acheter des jeux/films</a:t>
+                      </a:r>
+                      <a:endParaRPr sz="1800">
+                        <a:latin typeface="Arial"/>
+                        <a:cs typeface="Arial"/>
+                      </a:endParaRPr>
+                    </a:p>
+                  </a:txBody>
+                  <a:tcPr anchor="ctr"/>
+                </a:tc>
+                <a:tc>
+                  <a:txBody>
+                    <a:bodyPr/>
+                    <a:p>
+                      <a:pPr>
+                        <a:defRPr/>
+                      </a:pPr>
+                      <a:r>
+                        <a:rPr sz="1800" b="0" i="0" u="none">
+                          <a:solidFill>
+                            <a:srgbClr val="000000"/>
+                          </a:solidFill>
+                          <a:latin typeface="Arial"/>
+                          <a:ea typeface="Arial"/>
+                          <a:cs typeface="Arial"/>
+                        </a:rPr>
+                        <a:t>R1, R2</a:t>
+                      </a:r>
+                      <a:endParaRPr sz="1800">
+                        <a:latin typeface="Arial"/>
+                        <a:cs typeface="Arial"/>
+                      </a:endParaRPr>
+                    </a:p>
+                  </a:txBody>
+                  <a:tcPr anchor="ctr"/>
+                </a:tc>
+                <a:tc>
+                  <a:txBody>
+                    <a:bodyPr/>
+                    <a:p>
+                      <a:pPr>
+                        <a:defRPr/>
+                      </a:pPr>
+                      <a:r>
+                        <a:rPr sz="1800" b="0" i="0" u="none">
+                          <a:solidFill>
+                            <a:srgbClr val="000000"/>
+                          </a:solidFill>
+                          <a:latin typeface="Arial"/>
+                          <a:ea typeface="Arial"/>
+                          <a:cs typeface="Arial"/>
+                        </a:rPr>
+                        <a:t>Sécurisation des paiements, protection des comptes</a:t>
+                      </a:r>
+                      <a:endParaRPr sz="1800">
+                        <a:latin typeface="Arial"/>
+                        <a:cs typeface="Arial"/>
+                      </a:endParaRPr>
+                    </a:p>
+                  </a:txBody>
+                  <a:tcPr anchor="ctr"/>
+                </a:tc>
+              </a:tr>
+              <a:tr h="384810">
+                <a:tc>
+                  <a:txBody>
+                    <a:bodyPr/>
+                    <a:p>
+                      <a:pPr>
+                        <a:defRPr/>
+                      </a:pPr>
+                      <a:r>
+                        <a:rPr sz="1800" b="0" i="0" u="none">
+                          <a:solidFill>
+                            <a:srgbClr val="000000"/>
+                          </a:solidFill>
+                          <a:latin typeface="Arial"/>
+                          <a:ea typeface="Arial"/>
+                          <a:cs typeface="Arial"/>
+                        </a:rPr>
+                        <a:t>VM6/VM7 Authentification &amp; compte distant</a:t>
+                      </a:r>
+                      <a:endParaRPr sz="1800">
+                        <a:latin typeface="Arial"/>
+                        <a:cs typeface="Arial"/>
+                      </a:endParaRPr>
+                    </a:p>
+                  </a:txBody>
+                  <a:tcPr anchor="ctr"/>
+                </a:tc>
+                <a:tc>
+                  <a:txBody>
+                    <a:bodyPr/>
+                    <a:p>
+                      <a:pPr>
+                        <a:defRPr/>
+                      </a:pPr>
+                      <a:r>
+                        <a:rPr sz="1800" b="0" i="0" u="none">
+                          <a:solidFill>
+                            <a:srgbClr val="000000"/>
+                          </a:solidFill>
+                          <a:latin typeface="Arial"/>
+                          <a:ea typeface="Arial"/>
+                          <a:cs typeface="Arial"/>
+                        </a:rPr>
+                        <a:t>R2</a:t>
+                      </a:r>
+                      <a:endParaRPr sz="1800">
+                        <a:latin typeface="Arial"/>
+                        <a:cs typeface="Arial"/>
+                      </a:endParaRPr>
+                    </a:p>
+                  </a:txBody>
+                  <a:tcPr anchor="ctr"/>
+                </a:tc>
+                <a:tc>
+                  <a:txBody>
+                    <a:bodyPr/>
+                    <a:p>
+                      <a:pPr>
+                        <a:defRPr/>
+                      </a:pPr>
+                      <a:r>
+                        <a:rPr sz="1800" b="0" i="0" u="none">
+                          <a:solidFill>
+                            <a:srgbClr val="000000"/>
+                          </a:solidFill>
+                          <a:latin typeface="Arial"/>
+                          <a:ea typeface="Arial"/>
+                          <a:cs typeface="Arial"/>
+                        </a:rPr>
+                        <a:t>2FA, politiques de mots de passe, surveillance des connexions</a:t>
+                      </a:r>
+                      <a:endParaRPr sz="1800">
+                        <a:latin typeface="Arial"/>
+                        <a:cs typeface="Arial"/>
+                      </a:endParaRPr>
+                    </a:p>
+                  </a:txBody>
+                  <a:tcPr anchor="ctr"/>
+                </a:tc>
+              </a:tr>
+            </a:tbl>
+          </a:graphicData>
+        </a:graphic>
+      </p:graphicFrame>
     </p:spTree>
   </p:cSld>
   <p:clrMapOvr>
@@ -4117,7 +4958,7 @@
       </p:grpSpPr>
       <p:graphicFrame>
         <p:nvGraphicFramePr>
-          <p:cNvPr id="667932466" name=""/>
+          <p:cNvPr id="1582931672" name=""/>
           <p:cNvGraphicFramePr>
             <a:graphicFrameLocks xmlns:a="http://schemas.openxmlformats.org/drawingml/2006/main"/>
           </p:cNvGraphicFramePr>
@@ -4125,8 +4966,8 @@
             <p:ph sz="quarter" idx="4"/>
           </p:nvPr>
         </p:nvGraphicFramePr>
-        <p:xfrm>
-          <a:off x="1433" y="1434278"/>
+        <p:xfrm rot="0">
+          <a:off x="1432" y="1434278"/>
           <a:ext cx="12158382" cy="4584699"/>
         </p:xfrm>
         <a:graphic>
@@ -5315,7 +6156,7 @@
       </p:graphicFrame>
       <p:sp>
         <p:nvSpPr>
-          <p:cNvPr id="1851472303" name="Titre 1"/>
+          <p:cNvPr id="918297493" name="Titre 1"/>
           <p:cNvSpPr>
             <a:spLocks noGrp="1"/>
           </p:cNvSpPr>
@@ -5325,7 +6166,7 @@
         </p:nvSpPr>
         <p:spPr bwMode="auto">
           <a:xfrm>
-            <a:off x="838199" y="14940"/>
+            <a:off x="838198" y="14940"/>
             <a:ext cx="10515600" cy="1325562"/>
           </a:xfrm>
         </p:spPr>
@@ -5338,7 +6179,7 @@
             </a:pPr>
             <a:r>
               <a:rPr/>
-              <a:t>Activité 1 : Cadrage et socle de sécurité</a:t>
+              <a:t>Chapitre 1 : Contexte – Biens et services essentiels</a:t>
             </a:r>
             <a:endParaRPr/>
           </a:p>
@@ -5379,7 +6220,7 @@
       </p:grpSpPr>
       <p:graphicFrame>
         <p:nvGraphicFramePr>
-          <p:cNvPr id="421687947" name=""/>
+          <p:cNvPr id="130080230" name=""/>
           <p:cNvGraphicFramePr>
             <a:graphicFrameLocks xmlns:a="http://schemas.openxmlformats.org/drawingml/2006/main"/>
           </p:cNvGraphicFramePr>
@@ -5387,7 +6228,7 @@
             <p:ph sz="quarter" idx="4"/>
           </p:nvPr>
         </p:nvGraphicFramePr>
-        <p:xfrm>
+        <p:xfrm rot="0">
           <a:off x="14649" y="1401606"/>
           <a:ext cx="12162699" cy="5407659"/>
         </p:xfrm>
@@ -6602,30 +7443,48 @@
       </p:graphicFrame>
       <p:sp>
         <p:nvSpPr>
-          <p:cNvPr id="427242862" name="Titre 1"/>
+          <p:cNvPr id="829179638" name="Titre 1"/>
           <p:cNvSpPr>
             <a:spLocks noGrp="1"/>
           </p:cNvSpPr>
-          <p:nvPr>
-            <p:ph type="title"/>
-          </p:nvPr>
+          <p:nvPr/>
         </p:nvSpPr>
         <p:spPr bwMode="auto">
           <a:xfrm>
-            <a:off x="838199" y="14941"/>
-            <a:ext cx="10515600" cy="1325562"/>
+            <a:off x="990597" y="167339"/>
+            <a:ext cx="10515600" cy="1325561"/>
           </a:xfrm>
         </p:spPr>
         <p:txBody>
-          <a:bodyPr/>
-          <a:lstStyle/>
+          <a:bodyPr vert="horz" lIns="91440" tIns="45720" rIns="91440" bIns="45720" rtlCol="0" anchor="ctr">
+            <a:normAutofit/>
+          </a:bodyPr>
+          <a:lstStyle>
+            <a:lvl1pPr algn="l" defTabSz="914400" rtl="0">
+              <a:lnSpc>
+                <a:spcPct val="90000"/>
+              </a:lnSpc>
+              <a:spcBef>
+                <a:spcPts val="0"/>
+              </a:spcBef>
+              <a:buNone/>
+              <a:defRPr sz="4400">
+                <a:solidFill>
+                  <a:schemeClr val="tx1"/>
+                </a:solidFill>
+                <a:latin typeface="+mj-lt"/>
+                <a:ea typeface="+mj-ea"/>
+                <a:cs typeface="+mj-cs"/>
+              </a:defRPr>
+            </a:lvl1pPr>
+          </a:lstStyle>
           <a:p>
             <a:pPr>
               <a:defRPr/>
             </a:pPr>
             <a:r>
               <a:rPr/>
-              <a:t>Activité 1 : Cadrage et socle de sécurité</a:t>
+              <a:t>Chapitre 1 : Contexte – Biens et services essentiels</a:t>
             </a:r>
             <a:endParaRPr/>
           </a:p>
@@ -6666,7 +7525,7 @@
       </p:grpSpPr>
       <p:graphicFrame>
         <p:nvGraphicFramePr>
-          <p:cNvPr id="78547882" name=""/>
+          <p:cNvPr id="1130539769" name=""/>
           <p:cNvGraphicFramePr>
             <a:graphicFrameLocks xmlns:a="http://schemas.openxmlformats.org/drawingml/2006/main"/>
           </p:cNvGraphicFramePr>
@@ -6674,9 +7533,9 @@
             <p:ph sz="quarter" idx="4"/>
           </p:nvPr>
         </p:nvGraphicFramePr>
-        <p:xfrm>
-          <a:off x="3659649" y="1625724"/>
-          <a:ext cx="4872699" cy="3853179"/>
+        <p:xfrm rot="0">
+          <a:off x="381928" y="1340502"/>
+          <a:ext cx="11532699" cy="3853178"/>
         </p:xfrm>
         <a:graphic>
           <a:graphicData uri="http://schemas.openxmlformats.org/drawingml/2006/table">
@@ -6687,6 +7546,10 @@
               <a:tblGrid>
                 <a:gridCol w="1890000"/>
                 <a:gridCol w="2970000"/>
+                <a:gridCol w="1530000"/>
+                <a:gridCol w="1890000"/>
+                <a:gridCol w="1440000"/>
+                <a:gridCol w="1800000"/>
               </a:tblGrid>
               <a:tr h="365760">
                 <a:tc>
@@ -6719,7 +7582,71 @@
                       <a:endParaRPr/>
                     </a:p>
                   </a:txBody>
-                  <a:tcPr/>
+                  <a:tcPr anchor="ctr"/>
+                </a:tc>
+                <a:tc>
+                  <a:txBody>
+                    <a:bodyPr/>
+                    <a:p>
+                      <a:pPr algn="ctr">
+                        <a:defRPr/>
+                      </a:pPr>
+                      <a:r>
+                        <a:rPr/>
+                        <a:t>Motivation</a:t>
+                      </a:r>
+                      <a:endParaRPr/>
+                    </a:p>
+                  </a:txBody>
+                  <a:tcPr anchor="ctr"/>
+                </a:tc>
+                <a:tc>
+                  <a:txBody>
+                    <a:bodyPr/>
+                    <a:p>
+                      <a:pPr algn="ctr">
+                        <a:defRPr/>
+                      </a:pPr>
+                      <a:r>
+                        <a:rPr/>
+                        <a:t>Ressources</a:t>
+                      </a:r>
+                      <a:endParaRPr/>
+                    </a:p>
+                  </a:txBody>
+                  <a:tcPr anchor="ctr"/>
+                </a:tc>
+                <a:tc>
+                  <a:txBody>
+                    <a:bodyPr/>
+                    <a:p>
+                      <a:pPr algn="ctr">
+                        <a:defRPr/>
+                      </a:pPr>
+                      <a:r>
+                        <a:rPr/>
+                        <a:t>Activité</a:t>
+                      </a:r>
+                      <a:endParaRPr/>
+                    </a:p>
+                  </a:txBody>
+                  <a:tcPr anchor="ctr"/>
+                </a:tc>
+                <a:tc>
+                  <a:txBody>
+                    <a:bodyPr/>
+                    <a:p>
+                      <a:pPr algn="ctr">
+                        <a:defRPr/>
+                      </a:pPr>
+                      <a:r>
+                        <a:rPr/>
+                        <a:t>Pertinence</a:t>
+                      </a:r>
+                      <a:endParaRPr/>
+                    </a:p>
+                  </a:txBody>
+                  <a:tcPr anchor="ctr"/>
                 </a:tc>
               </a:tr>
               <a:tr h="365760">
@@ -6755,6 +7682,74 @@
                   </a:txBody>
                   <a:tcPr/>
                 </a:tc>
+                <a:tc>
+                  <a:txBody>
+                    <a:bodyPr/>
+                    <a:p>
+                      <a:pPr algn="ctr">
+                        <a:defRPr/>
+                      </a:pPr>
+                      <a:r>
+                        <a:rPr/>
+                        <a:t>+++</a:t>
+                      </a:r>
+                      <a:endParaRPr/>
+                    </a:p>
+                  </a:txBody>
+                  <a:tcPr anchor="ctr"/>
+                </a:tc>
+                <a:tc>
+                  <a:txBody>
+                    <a:bodyPr/>
+                    <a:p>
+                      <a:pPr algn="ctr">
+                        <a:defRPr/>
+                      </a:pPr>
+                      <a:r>
+                        <a:rPr/>
+                        <a:t>+</a:t>
+                      </a:r>
+                      <a:endParaRPr/>
+                    </a:p>
+                  </a:txBody>
+                  <a:tcPr anchor="ctr"/>
+                </a:tc>
+                <a:tc>
+                  <a:txBody>
+                    <a:bodyPr/>
+                    <a:p>
+                      <a:pPr algn="ctr">
+                        <a:defRPr/>
+                      </a:pPr>
+                      <a:r>
+                        <a:rPr/>
+                        <a:t>++</a:t>
+                      </a:r>
+                      <a:endParaRPr/>
+                    </a:p>
+                  </a:txBody>
+                  <a:tcPr anchor="ctr"/>
+                </a:tc>
+                <a:tc>
+                  <a:txBody>
+                    <a:bodyPr/>
+                    <a:p>
+                      <a:pPr algn="ctr">
+                        <a:defRPr/>
+                      </a:pPr>
+                      <a:r>
+                        <a:rPr/>
+                        <a:t>Élevée</a:t>
+                      </a:r>
+                      <a:endParaRPr/>
+                    </a:p>
+                  </a:txBody>
+                  <a:tcPr anchor="ctr">
+                    <a:solidFill>
+                      <a:srgbClr val="FF0000"/>
+                    </a:solidFill>
+                  </a:tcPr>
+                </a:tc>
               </a:tr>
               <a:tr h="365760">
                 <a:tc>
@@ -6789,6 +7784,74 @@
                   </a:txBody>
                   <a:tcPr/>
                 </a:tc>
+                <a:tc>
+                  <a:txBody>
+                    <a:bodyPr/>
+                    <a:p>
+                      <a:pPr algn="ctr">
+                        <a:defRPr/>
+                      </a:pPr>
+                      <a:r>
+                        <a:rPr/>
+                        <a:t>+</a:t>
+                      </a:r>
+                      <a:endParaRPr/>
+                    </a:p>
+                  </a:txBody>
+                  <a:tcPr anchor="ctr"/>
+                </a:tc>
+                <a:tc>
+                  <a:txBody>
+                    <a:bodyPr/>
+                    <a:p>
+                      <a:pPr algn="ctr">
+                        <a:defRPr/>
+                      </a:pPr>
+                      <a:r>
+                        <a:rPr/>
+                        <a:t>+++</a:t>
+                      </a:r>
+                      <a:endParaRPr/>
+                    </a:p>
+                  </a:txBody>
+                  <a:tcPr anchor="ctr"/>
+                </a:tc>
+                <a:tc>
+                  <a:txBody>
+                    <a:bodyPr/>
+                    <a:p>
+                      <a:pPr algn="ctr">
+                        <a:defRPr/>
+                      </a:pPr>
+                      <a:r>
+                        <a:rPr/>
+                        <a:t>+</a:t>
+                      </a:r>
+                      <a:endParaRPr/>
+                    </a:p>
+                  </a:txBody>
+                  <a:tcPr anchor="ctr"/>
+                </a:tc>
+                <a:tc>
+                  <a:txBody>
+                    <a:bodyPr/>
+                    <a:p>
+                      <a:pPr algn="ctr">
+                        <a:defRPr/>
+                      </a:pPr>
+                      <a:r>
+                        <a:rPr/>
+                        <a:t>Moyenne</a:t>
+                      </a:r>
+                      <a:endParaRPr/>
+                    </a:p>
+                  </a:txBody>
+                  <a:tcPr anchor="ctr">
+                    <a:solidFill>
+                      <a:srgbClr val="FFFF00"/>
+                    </a:solidFill>
+                  </a:tcPr>
+                </a:tc>
               </a:tr>
               <a:tr h="365760">
                 <a:tc>
@@ -6823,6 +7886,74 @@
                   </a:txBody>
                   <a:tcPr/>
                 </a:tc>
+                <a:tc>
+                  <a:txBody>
+                    <a:bodyPr/>
+                    <a:p>
+                      <a:pPr algn="ctr">
+                        <a:defRPr/>
+                      </a:pPr>
+                      <a:r>
+                        <a:rPr/>
+                        <a:t>++</a:t>
+                      </a:r>
+                      <a:endParaRPr/>
+                    </a:p>
+                  </a:txBody>
+                  <a:tcPr anchor="ctr"/>
+                </a:tc>
+                <a:tc>
+                  <a:txBody>
+                    <a:bodyPr/>
+                    <a:p>
+                      <a:pPr algn="ctr">
+                        <a:defRPr/>
+                      </a:pPr>
+                      <a:r>
+                        <a:rPr/>
+                        <a:t>+</a:t>
+                      </a:r>
+                      <a:endParaRPr/>
+                    </a:p>
+                  </a:txBody>
+                  <a:tcPr anchor="ctr"/>
+                </a:tc>
+                <a:tc>
+                  <a:txBody>
+                    <a:bodyPr/>
+                    <a:p>
+                      <a:pPr algn="ctr">
+                        <a:defRPr/>
+                      </a:pPr>
+                      <a:r>
+                        <a:rPr/>
+                        <a:t>+++</a:t>
+                      </a:r>
+                      <a:endParaRPr/>
+                    </a:p>
+                  </a:txBody>
+                  <a:tcPr anchor="ctr"/>
+                </a:tc>
+                <a:tc>
+                  <a:txBody>
+                    <a:bodyPr/>
+                    <a:p>
+                      <a:pPr algn="ctr">
+                        <a:defRPr/>
+                      </a:pPr>
+                      <a:r>
+                        <a:rPr/>
+                        <a:t>Moyenne</a:t>
+                      </a:r>
+                      <a:endParaRPr/>
+                    </a:p>
+                  </a:txBody>
+                  <a:tcPr anchor="ctr">
+                    <a:solidFill>
+                      <a:srgbClr val="FFFF00"/>
+                    </a:solidFill>
+                  </a:tcPr>
+                </a:tc>
               </a:tr>
               <a:tr h="365760">
                 <a:tc>
@@ -6834,7 +7965,7 @@
                       </a:pPr>
                       <a:r>
                         <a:rPr/>
-                        <a:t>Escrocs et autres filous</a:t>
+                        <a:t>Escrocs</a:t>
                       </a:r>
                       <a:endParaRPr/>
                     </a:p>
@@ -6856,6 +7987,74 @@
                     </a:p>
                   </a:txBody>
                   <a:tcPr/>
+                </a:tc>
+                <a:tc>
+                  <a:txBody>
+                    <a:bodyPr/>
+                    <a:p>
+                      <a:pPr algn="ctr">
+                        <a:defRPr/>
+                      </a:pPr>
+                      <a:r>
+                        <a:rPr/>
+                        <a:t>+++</a:t>
+                      </a:r>
+                      <a:endParaRPr/>
+                    </a:p>
+                  </a:txBody>
+                  <a:tcPr anchor="ctr"/>
+                </a:tc>
+                <a:tc>
+                  <a:txBody>
+                    <a:bodyPr/>
+                    <a:p>
+                      <a:pPr algn="ctr">
+                        <a:defRPr/>
+                      </a:pPr>
+                      <a:r>
+                        <a:rPr/>
+                        <a:t>+++</a:t>
+                      </a:r>
+                      <a:endParaRPr/>
+                    </a:p>
+                  </a:txBody>
+                  <a:tcPr anchor="ctr"/>
+                </a:tc>
+                <a:tc>
+                  <a:txBody>
+                    <a:bodyPr/>
+                    <a:p>
+                      <a:pPr algn="ctr">
+                        <a:defRPr/>
+                      </a:pPr>
+                      <a:r>
+                        <a:rPr/>
+                        <a:t>+++</a:t>
+                      </a:r>
+                      <a:endParaRPr/>
+                    </a:p>
+                  </a:txBody>
+                  <a:tcPr anchor="ctr"/>
+                </a:tc>
+                <a:tc>
+                  <a:txBody>
+                    <a:bodyPr/>
+                    <a:p>
+                      <a:pPr algn="ctr">
+                        <a:defRPr/>
+                      </a:pPr>
+                      <a:r>
+                        <a:rPr/>
+                        <a:t>Élevée</a:t>
+                      </a:r>
+                      <a:endParaRPr/>
+                    </a:p>
+                  </a:txBody>
+                  <a:tcPr anchor="ctr">
+                    <a:solidFill>
+                      <a:srgbClr val="FF0000"/>
+                    </a:solidFill>
+                  </a:tcPr>
                 </a:tc>
               </a:tr>
               <a:tr h="365760">
@@ -6890,6 +8089,74 @@
                     </a:p>
                   </a:txBody>
                   <a:tcPr/>
+                </a:tc>
+                <a:tc>
+                  <a:txBody>
+                    <a:bodyPr/>
+                    <a:p>
+                      <a:pPr algn="ctr">
+                        <a:defRPr/>
+                      </a:pPr>
+                      <a:r>
+                        <a:rPr/>
+                        <a:t>+</a:t>
+                      </a:r>
+                      <a:endParaRPr/>
+                    </a:p>
+                  </a:txBody>
+                  <a:tcPr anchor="ctr"/>
+                </a:tc>
+                <a:tc>
+                  <a:txBody>
+                    <a:bodyPr/>
+                    <a:p>
+                      <a:pPr algn="ctr">
+                        <a:defRPr/>
+                      </a:pPr>
+                      <a:r>
+                        <a:rPr/>
+                        <a:t>+++</a:t>
+                      </a:r>
+                      <a:endParaRPr/>
+                    </a:p>
+                  </a:txBody>
+                  <a:tcPr anchor="ctr"/>
+                </a:tc>
+                <a:tc>
+                  <a:txBody>
+                    <a:bodyPr/>
+                    <a:p>
+                      <a:pPr algn="ctr">
+                        <a:defRPr/>
+                      </a:pPr>
+                      <a:r>
+                        <a:rPr/>
+                        <a:t>+</a:t>
+                      </a:r>
+                      <a:endParaRPr/>
+                    </a:p>
+                  </a:txBody>
+                  <a:tcPr anchor="ctr"/>
+                </a:tc>
+                <a:tc>
+                  <a:txBody>
+                    <a:bodyPr/>
+                    <a:p>
+                      <a:pPr algn="ctr">
+                        <a:defRPr/>
+                      </a:pPr>
+                      <a:r>
+                        <a:rPr/>
+                        <a:t>Faible</a:t>
+                      </a:r>
+                      <a:endParaRPr/>
+                    </a:p>
+                  </a:txBody>
+                  <a:tcPr anchor="ctr">
+                    <a:solidFill>
+                      <a:srgbClr val="00B050"/>
+                    </a:solidFill>
+                  </a:tcPr>
                 </a:tc>
               </a:tr>
             </a:tbl>
@@ -6898,7 +8165,7 @@
       </p:graphicFrame>
       <p:sp>
         <p:nvSpPr>
-          <p:cNvPr id="407405842" name="Titre 1"/>
+          <p:cNvPr id="1221576536" name="Titre 1"/>
           <p:cNvSpPr>
             <a:spLocks noGrp="1"/>
           </p:cNvSpPr>
@@ -6908,7 +8175,7 @@
         </p:nvSpPr>
         <p:spPr bwMode="auto">
           <a:xfrm>
-            <a:off x="838199" y="14941"/>
+            <a:off x="838198" y="14941"/>
             <a:ext cx="10515600" cy="1325562"/>
           </a:xfrm>
         </p:spPr>
@@ -6921,9 +8188,287 @@
             </a:pPr>
             <a:r>
               <a:rPr/>
-              <a:t>Activité 2 : Source de risque</a:t>
+              <a:t>Chapitre 1 : Contexte – Sources de risque/attaquants</a:t>
             </a:r>
             <a:endParaRPr/>
+          </a:p>
+        </p:txBody>
+      </p:sp>
+      <p:sp>
+        <p:nvSpPr>
+          <p:cNvPr id="582570491" name=""/>
+          <p:cNvSpPr/>
+          <p:nvPr/>
+        </p:nvSpPr>
+        <p:spPr bwMode="auto">
+          <a:xfrm flipH="0" flipV="0">
+            <a:off x="381928" y="5332430"/>
+            <a:ext cx="11538818" cy="1463400"/>
+          </a:xfrm>
+        </p:spPr>
+        <p:txBody>
+          <a:bodyPr rot="0" spcFirstLastPara="0" vertOverflow="overflow" horzOverflow="overflow" vert="horz" wrap="square" lIns="91440" tIns="45720" rIns="91440" bIns="45720" numCol="1" spcCol="0" rtlCol="0" fromWordArt="0" anchor="t" anchorCtr="0" forceAA="0" upright="0" compatLnSpc="1">
+            <a:prstTxWarp prst="textNoShape"/>
+            <a:spAutoFit/>
+          </a:bodyPr>
+          <a:p>
+            <a:pPr>
+              <a:defRPr/>
+            </a:pPr>
+            <a:r>
+              <a:rPr sz="1800" b="0" i="1" u="none">
+                <a:solidFill>
+                  <a:srgbClr val="000000"/>
+                </a:solidFill>
+                <a:latin typeface="ARial"/>
+                <a:ea typeface="ARial"/>
+                <a:cs typeface="ARial"/>
+              </a:rPr>
+              <a:t>Les risques</a:t>
+            </a:r>
+            <a:r>
+              <a:rPr sz="1800" b="0" i="1" u="none">
+                <a:solidFill>
+                  <a:srgbClr val="000000"/>
+                </a:solidFill>
+                <a:latin typeface="ARial"/>
+                <a:ea typeface="ARial"/>
+                <a:cs typeface="ARial"/>
+              </a:rPr>
+              <a:t> </a:t>
+            </a:r>
+            <a:r>
+              <a:rPr sz="1800" b="0" i="1" u="none">
+                <a:solidFill>
+                  <a:srgbClr val="000000"/>
+                </a:solidFill>
+                <a:latin typeface="ARial"/>
+                <a:ea typeface="ARial"/>
+                <a:cs typeface="ARial"/>
+              </a:rPr>
+              <a:t>les plus pertinents</a:t>
+            </a:r>
+            <a:r>
+              <a:rPr sz="1800" b="0" i="1" u="none">
+                <a:solidFill>
+                  <a:srgbClr val="000000"/>
+                </a:solidFill>
+                <a:latin typeface="ARial"/>
+                <a:ea typeface="ARial"/>
+                <a:cs typeface="ARial"/>
+              </a:rPr>
+              <a:t> pour Sony :</a:t>
+            </a:r>
+            <a:br>
+              <a:rPr sz="1800" b="0" i="0" u="none">
+                <a:solidFill>
+                  <a:srgbClr val="000000"/>
+                </a:solidFill>
+                <a:latin typeface="ARial"/>
+                <a:ea typeface="ARial"/>
+                <a:cs typeface="ARial"/>
+              </a:rPr>
+            </a:br>
+            <a:r>
+              <a:rPr sz="1800" b="0" i="0" u="none">
+                <a:solidFill>
+                  <a:srgbClr val="000000"/>
+                </a:solidFill>
+                <a:latin typeface="ARial"/>
+                <a:ea typeface="ARial"/>
+                <a:cs typeface="ARial"/>
+              </a:rPr>
+              <a:t>	</a:t>
+            </a:r>
+            <a:r>
+              <a:rPr sz="1800" b="0" i="0" u="none">
+                <a:solidFill>
+                  <a:srgbClr val="000000"/>
+                </a:solidFill>
+                <a:latin typeface="ARial"/>
+                <a:ea typeface="ARial"/>
+                <a:cs typeface="ARial"/>
+              </a:rPr>
+              <a:t>Joueurs cherchant à pirater les jeux (3/3)</a:t>
+            </a:r>
+            <a:r>
+              <a:rPr sz="1800" b="0" i="0" u="none">
+                <a:solidFill>
+                  <a:srgbClr val="000000"/>
+                </a:solidFill>
+                <a:latin typeface="ARial"/>
+                <a:ea typeface="ARial"/>
+                <a:cs typeface="ARial"/>
+              </a:rPr>
+              <a:t> et </a:t>
+            </a:r>
+            <a:r>
+              <a:rPr sz="1800" b="0" i="0" u="none">
+                <a:solidFill>
+                  <a:srgbClr val="000000"/>
+                </a:solidFill>
+                <a:latin typeface="ARial"/>
+                <a:ea typeface="ARial"/>
+                <a:cs typeface="ARial"/>
+              </a:rPr>
+              <a:t>cybercriminels visant les données bancaires (3/3)</a:t>
+            </a:r>
+            <a:r>
+              <a:rPr sz="1800" b="0" i="0" u="none">
+                <a:solidFill>
+                  <a:srgbClr val="000000"/>
+                </a:solidFill>
+                <a:latin typeface="ARial"/>
+                <a:ea typeface="ARial"/>
+                <a:cs typeface="ARial"/>
+              </a:rPr>
+              <a:t>.</a:t>
+            </a:r>
+            <a:endParaRPr sz="2400">
+              <a:latin typeface="ARial"/>
+              <a:cs typeface="ARial"/>
+            </a:endParaRPr>
+          </a:p>
+          <a:p>
+            <a:pPr>
+              <a:defRPr/>
+            </a:pPr>
+            <a:r>
+              <a:rPr sz="1800" b="0" i="1" u="none">
+                <a:solidFill>
+                  <a:srgbClr val="000000"/>
+                </a:solidFill>
+                <a:latin typeface="ARial"/>
+                <a:ea typeface="ARial"/>
+                <a:cs typeface="ARial"/>
+              </a:rPr>
+              <a:t>Les risques </a:t>
+            </a:r>
+            <a:r>
+              <a:rPr sz="1800" b="0" i="1" u="none">
+                <a:solidFill>
+                  <a:srgbClr val="000000"/>
+                </a:solidFill>
+                <a:latin typeface="ARial"/>
+                <a:ea typeface="ARial"/>
+                <a:cs typeface="ARial"/>
+              </a:rPr>
+              <a:t>intermédiaires</a:t>
+            </a:r>
+            <a:r>
+              <a:rPr sz="1800" b="0" i="1" u="none">
+                <a:solidFill>
+                  <a:srgbClr val="000000"/>
+                </a:solidFill>
+                <a:latin typeface="ARial"/>
+                <a:ea typeface="ARial"/>
+                <a:cs typeface="ARial"/>
+              </a:rPr>
+              <a:t> </a:t>
+            </a:r>
+            <a:r>
+              <a:rPr sz="1800" b="0" i="1" u="none">
+                <a:solidFill>
+                  <a:srgbClr val="000000"/>
+                </a:solidFill>
+                <a:latin typeface="ARial"/>
+                <a:ea typeface="ARial"/>
+                <a:cs typeface="ARial"/>
+              </a:rPr>
+              <a:t>:</a:t>
+            </a:r>
+            <a:endParaRPr sz="1800" b="0" i="1" u="none">
+              <a:solidFill>
+                <a:srgbClr val="000000"/>
+              </a:solidFill>
+              <a:latin typeface="ARial"/>
+              <a:ea typeface="ARial"/>
+              <a:cs typeface="ARial"/>
+            </a:endParaRPr>
+          </a:p>
+          <a:p>
+            <a:pPr>
+              <a:defRPr/>
+            </a:pPr>
+            <a:r>
+              <a:rPr sz="1800" b="0" i="1" u="none">
+                <a:solidFill>
+                  <a:srgbClr val="000000"/>
+                </a:solidFill>
+                <a:latin typeface="ARial"/>
+                <a:ea typeface="ARial"/>
+                <a:cs typeface="ARial"/>
+              </a:rPr>
+              <a:t>	</a:t>
+            </a:r>
+            <a:r>
+              <a:rPr sz="1800" b="0" i="0" u="none">
+                <a:solidFill>
+                  <a:srgbClr val="000000"/>
+                </a:solidFill>
+                <a:latin typeface="ARial"/>
+                <a:ea typeface="ARial"/>
+                <a:cs typeface="ARial"/>
+              </a:rPr>
+              <a:t>Concurrents pouvant étudier/imiter la console (2/3) et communautés d’émulation (2/3).</a:t>
+            </a:r>
+            <a:endParaRPr sz="2400">
+              <a:latin typeface="ARial"/>
+              <a:cs typeface="ARial"/>
+            </a:endParaRPr>
+          </a:p>
+          <a:p>
+            <a:pPr>
+              <a:defRPr/>
+            </a:pPr>
+            <a:r>
+              <a:rPr sz="1800" b="0" i="1" u="none">
+                <a:solidFill>
+                  <a:srgbClr val="000000"/>
+                </a:solidFill>
+                <a:latin typeface="ARial"/>
+                <a:ea typeface="ARial"/>
+                <a:cs typeface="ARial"/>
+              </a:rPr>
+              <a:t>Le risque </a:t>
+            </a:r>
+            <a:r>
+              <a:rPr sz="1800" b="0" i="1" u="none">
+                <a:solidFill>
+                  <a:srgbClr val="000000"/>
+                </a:solidFill>
+                <a:latin typeface="ARial"/>
+                <a:ea typeface="ARial"/>
+                <a:cs typeface="ARial"/>
+              </a:rPr>
+              <a:t>le moins plausible</a:t>
+            </a:r>
+            <a:r>
+              <a:rPr sz="1800" b="0" i="1" u="none">
+                <a:solidFill>
+                  <a:srgbClr val="000000"/>
+                </a:solidFill>
+                <a:latin typeface="ARial"/>
+                <a:ea typeface="ARial"/>
+                <a:cs typeface="ARial"/>
+              </a:rPr>
+              <a:t> :</a:t>
+            </a:r>
+            <a:r>
+              <a:rPr sz="1800" b="0" i="0" u="none">
+                <a:solidFill>
+                  <a:srgbClr val="000000"/>
+                </a:solidFill>
+                <a:latin typeface="ARial"/>
+                <a:ea typeface="ARial"/>
+                <a:cs typeface="ARial"/>
+              </a:rPr>
+              <a:t> sabotage industriel direct (1/3).</a:t>
+            </a:r>
+            <a:endParaRPr sz="2400">
+              <a:latin typeface="ARial"/>
+              <a:cs typeface="ARial"/>
+            </a:endParaRPr>
           </a:p>
         </p:txBody>
       </p:sp>
@@ -6960,241 +8505,9 @@
           <a:chExt cx="0" cy="0"/>
         </a:xfrm>
       </p:grpSpPr>
-      <p:graphicFrame>
-        <p:nvGraphicFramePr>
-          <p:cNvPr id="944102969" name=""/>
-          <p:cNvGraphicFramePr>
-            <a:graphicFrameLocks xmlns:a="http://schemas.openxmlformats.org/drawingml/2006/main"/>
-          </p:cNvGraphicFramePr>
-          <p:nvPr>
-            <p:ph sz="quarter" idx="4"/>
-          </p:nvPr>
-        </p:nvGraphicFramePr>
-        <p:xfrm>
-          <a:off x="3659649" y="1625724"/>
-          <a:ext cx="4872699" cy="3853179"/>
-        </p:xfrm>
-        <a:graphic>
-          <a:graphicData uri="http://schemas.openxmlformats.org/drawingml/2006/table">
-            <a:tbl>
-              <a:tblPr firstRow="1" firstCol="0" lastRow="0" lastCol="0" bandRow="1" bandCol="0">
-                <a:tableStyleId>{5940675A-B579-460E-94D1-54222C63F5DA}</a:tableStyleId>
-              </a:tblPr>
-              <a:tblGrid>
-                <a:gridCol w="1890000"/>
-                <a:gridCol w="2970000"/>
-              </a:tblGrid>
-              <a:tr h="365760">
-                <a:tc>
-                  <a:txBody>
-                    <a:bodyPr/>
-                    <a:p>
-                      <a:pPr algn="ctr">
-                        <a:defRPr/>
-                      </a:pPr>
-                      <a:r>
-                        <a:rPr/>
-                        <a:t>Sources de risque</a:t>
-                      </a:r>
-                      <a:endParaRPr/>
-                    </a:p>
-                  </a:txBody>
-                  <a:tcPr/>
-                </a:tc>
-                <a:tc>
-                  <a:txBody>
-                    <a:bodyPr/>
-                    <a:p>
-                      <a:pPr algn="ctr">
-                        <a:defRPr/>
-                      </a:pPr>
-                      <a:r>
-                        <a:rPr/>
-                        <a:t>Objectifs visés</a:t>
-                      </a:r>
-                      <a:endParaRPr/>
-                    </a:p>
-                  </a:txBody>
-                  <a:tcPr/>
-                </a:tc>
-              </a:tr>
-              <a:tr h="365760">
-                <a:tc>
-                  <a:txBody>
-                    <a:bodyPr/>
-                    <a:p>
-                      <a:pPr algn="ctr">
-                        <a:defRPr/>
-                      </a:pPr>
-                      <a:r>
-                        <a:rPr/>
-                        <a:t>Joueurs</a:t>
-                      </a:r>
-                      <a:endParaRPr/>
-                    </a:p>
-                  </a:txBody>
-                  <a:tcPr/>
-                </a:tc>
-                <a:tc>
-                  <a:txBody>
-                    <a:bodyPr/>
-                    <a:p>
-                      <a:pPr algn="ctr">
-                        <a:defRPr/>
-                      </a:pPr>
-                      <a:r>
-                        <a:rPr/>
-                        <a:t>Jouer à des jeux non authentiques</a:t>
-                      </a:r>
-                      <a:endParaRPr/>
-                    </a:p>
-                  </a:txBody>
-                  <a:tcPr/>
-                </a:tc>
-              </a:tr>
-              <a:tr h="365760">
-                <a:tc>
-                  <a:txBody>
-                    <a:bodyPr/>
-                    <a:p>
-                      <a:pPr algn="ctr">
-                        <a:defRPr/>
-                      </a:pPr>
-                      <a:r>
-                        <a:rPr/>
-                        <a:t>Concurrents</a:t>
-                      </a:r>
-                      <a:endParaRPr/>
-                    </a:p>
-                  </a:txBody>
-                  <a:tcPr/>
-                </a:tc>
-                <a:tc>
-                  <a:txBody>
-                    <a:bodyPr/>
-                    <a:p>
-                      <a:pPr algn="ctr">
-                        <a:defRPr/>
-                      </a:pPr>
-                      <a:r>
-                        <a:rPr/>
-                        <a:t>Cloner la console</a:t>
-                      </a:r>
-                      <a:endParaRPr/>
-                    </a:p>
-                  </a:txBody>
-                  <a:tcPr/>
-                </a:tc>
-              </a:tr>
-              <a:tr h="365760">
-                <a:tc>
-                  <a:txBody>
-                    <a:bodyPr/>
-                    <a:p>
-                      <a:pPr algn="ctr">
-                        <a:defRPr/>
-                      </a:pPr>
-                      <a:r>
-                        <a:rPr/>
-                        <a:t>Joueurs</a:t>
-                      </a:r>
-                      <a:endParaRPr/>
-                    </a:p>
-                  </a:txBody>
-                  <a:tcPr/>
-                </a:tc>
-                <a:tc>
-                  <a:txBody>
-                    <a:bodyPr/>
-                    <a:p>
-                      <a:pPr algn="ctr">
-                        <a:defRPr/>
-                      </a:pPr>
-                      <a:r>
-                        <a:rPr/>
-                        <a:t>Émuler la console originelle</a:t>
-                      </a:r>
-                      <a:endParaRPr/>
-                    </a:p>
-                  </a:txBody>
-                  <a:tcPr/>
-                </a:tc>
-              </a:tr>
-              <a:tr h="365760">
-                <a:tc>
-                  <a:txBody>
-                    <a:bodyPr/>
-                    <a:p>
-                      <a:pPr algn="ctr">
-                        <a:defRPr/>
-                      </a:pPr>
-                      <a:r>
-                        <a:rPr/>
-                        <a:t>Escrocs et autres filous</a:t>
-                      </a:r>
-                      <a:endParaRPr/>
-                    </a:p>
-                  </a:txBody>
-                  <a:tcPr/>
-                </a:tc>
-                <a:tc>
-                  <a:txBody>
-                    <a:bodyPr/>
-                    <a:p>
-                      <a:pPr algn="ctr">
-                        <a:defRPr/>
-                      </a:pPr>
-                      <a:r>
-                        <a:rPr/>
-                        <a:t>Vol de coordonnées bancaires</a:t>
-                      </a:r>
-                      <a:endParaRPr/>
-                    </a:p>
-                  </a:txBody>
-                  <a:tcPr/>
-                </a:tc>
-              </a:tr>
-              <a:tr h="365760">
-                <a:tc>
-                  <a:txBody>
-                    <a:bodyPr/>
-                    <a:p>
-                      <a:pPr algn="ctr">
-                        <a:defRPr/>
-                      </a:pPr>
-                      <a:r>
-                        <a:rPr/>
-                        <a:t>Concurrents</a:t>
-                      </a:r>
-                      <a:endParaRPr/>
-                    </a:p>
-                  </a:txBody>
-                  <a:tcPr/>
-                </a:tc>
-                <a:tc>
-                  <a:txBody>
-                    <a:bodyPr/>
-                    <a:p>
-                      <a:pPr algn="ctr">
-                        <a:defRPr/>
-                      </a:pPr>
-                      <a:r>
-                        <a:rPr/>
-                        <a:t>Rendre la console injouable afin de nuire à l’image de marque</a:t>
-                      </a:r>
-                      <a:endParaRPr/>
-                    </a:p>
-                  </a:txBody>
-                  <a:tcPr/>
-                </a:tc>
-              </a:tr>
-            </a:tbl>
-          </a:graphicData>
-        </a:graphic>
-      </p:graphicFrame>
       <p:sp>
         <p:nvSpPr>
-          <p:cNvPr id="926787297" name="Titre 1"/>
+          <p:cNvPr id="401956153" name="Titre 1"/>
           <p:cNvSpPr>
             <a:spLocks noGrp="1"/>
           </p:cNvSpPr>
@@ -7204,7 +8517,7 @@
         </p:nvSpPr>
         <p:spPr bwMode="auto">
           <a:xfrm>
-            <a:off x="838199" y="14941"/>
+            <a:off x="838198" y="14941"/>
             <a:ext cx="10515600" cy="1325562"/>
           </a:xfrm>
         </p:spPr>
@@ -7217,12 +8530,5924 @@
             </a:pPr>
             <a:r>
               <a:rPr/>
-              <a:t>Chapitre 3 : Scénarios stratégiques</a:t>
+              <a:t>Chapitre 2 : Événements redoutés</a:t>
             </a:r>
             <a:endParaRPr/>
           </a:p>
         </p:txBody>
       </p:sp>
+      <p:graphicFrame>
+        <p:nvGraphicFramePr>
+          <p:cNvPr id="460004255" name=""/>
+          <p:cNvGraphicFramePr>
+            <a:graphicFrameLocks xmlns:a="http://schemas.openxmlformats.org/drawingml/2006/main"/>
+          </p:cNvGraphicFramePr>
+          <p:nvPr/>
+        </p:nvGraphicFramePr>
+        <p:xfrm rot="0">
+          <a:off x="280146" y="1136395"/>
+          <a:ext cx="11532699" cy="5681979"/>
+        </p:xfrm>
+        <a:graphic>
+          <a:graphicData uri="http://schemas.openxmlformats.org/drawingml/2006/table">
+            <a:tbl>
+              <a:tblPr firstRow="1" firstCol="1" lastRow="0" lastCol="0" bandRow="1" bandCol="0">
+                <a:tableStyleId>{5940675A-B579-460E-94D1-54222C63F5DA}</a:tableStyleId>
+              </a:tblPr>
+              <a:tblGrid>
+                <a:gridCol w="630000"/>
+                <a:gridCol w="1980000"/>
+                <a:gridCol w="2520000"/>
+                <a:gridCol w="2520000"/>
+                <a:gridCol w="1350000"/>
+                <a:gridCol w="2520000"/>
+              </a:tblGrid>
+              <a:tr h="384810">
+                <a:tc>
+                  <a:txBody>
+                    <a:bodyPr/>
+                    <a:p>
+                      <a:pPr algn="ctr">
+                        <a:defRPr/>
+                      </a:pPr>
+                      <a:r>
+                        <a:rPr sz="1200" b="1" i="0" u="none">
+                          <a:solidFill>
+                            <a:srgbClr val="000000"/>
+                          </a:solidFill>
+                          <a:latin typeface="Arial"/>
+                          <a:ea typeface="Arial"/>
+                          <a:cs typeface="Arial"/>
+                        </a:rPr>
+                        <a:t>ID ER</a:t>
+                      </a:r>
+                      <a:endParaRPr>
+                        <a:latin typeface="Arial"/>
+                        <a:cs typeface="Arial"/>
+                      </a:endParaRPr>
+                    </a:p>
+                  </a:txBody>
+                  <a:tcPr anchor="ctr"/>
+                </a:tc>
+                <a:tc>
+                  <a:txBody>
+                    <a:bodyPr/>
+                    <a:p>
+                      <a:pPr algn="ctr">
+                        <a:defRPr/>
+                      </a:pPr>
+                      <a:r>
+                        <a:rPr sz="1200" b="1" i="0" u="none">
+                          <a:solidFill>
+                            <a:srgbClr val="000000"/>
+                          </a:solidFill>
+                          <a:latin typeface="Arial"/>
+                          <a:ea typeface="Arial"/>
+                          <a:cs typeface="Arial"/>
+                        </a:rPr>
+                        <a:t>Événement redouté (description)</a:t>
+                      </a:r>
+                      <a:endParaRPr>
+                        <a:latin typeface="Arial"/>
+                        <a:cs typeface="Arial"/>
+                      </a:endParaRPr>
+                    </a:p>
+                  </a:txBody>
+                  <a:tcPr anchor="ctr"/>
+                </a:tc>
+                <a:tc>
+                  <a:txBody>
+                    <a:bodyPr/>
+                    <a:p>
+                      <a:pPr algn="ctr">
+                        <a:defRPr/>
+                      </a:pPr>
+                      <a:r>
+                        <a:rPr sz="1200" b="1" i="0" u="none">
+                          <a:solidFill>
+                            <a:srgbClr val="000000"/>
+                          </a:solidFill>
+                          <a:latin typeface="Arial"/>
+                          <a:ea typeface="Arial"/>
+                          <a:cs typeface="Arial"/>
+                        </a:rPr>
+                        <a:t>VM / Services concernés</a:t>
+                      </a:r>
+                      <a:endParaRPr>
+                        <a:latin typeface="Arial"/>
+                        <a:cs typeface="Arial"/>
+                      </a:endParaRPr>
+                    </a:p>
+                  </a:txBody>
+                  <a:tcPr anchor="ctr"/>
+                </a:tc>
+                <a:tc>
+                  <a:txBody>
+                    <a:bodyPr/>
+                    <a:p>
+                      <a:pPr algn="ctr">
+                        <a:defRPr/>
+                      </a:pPr>
+                      <a:r>
+                        <a:rPr sz="1200" b="1" i="0" u="none">
+                          <a:solidFill>
+                            <a:srgbClr val="000000"/>
+                          </a:solidFill>
+                          <a:latin typeface="Arial"/>
+                          <a:ea typeface="Arial"/>
+                          <a:cs typeface="Arial"/>
+                        </a:rPr>
+                        <a:t>Biens impactés (exemples)</a:t>
+                      </a:r>
+                      <a:endParaRPr>
+                        <a:latin typeface="Arial"/>
+                        <a:cs typeface="Arial"/>
+                      </a:endParaRPr>
+                    </a:p>
+                  </a:txBody>
+                  <a:tcPr anchor="ctr"/>
+                </a:tc>
+                <a:tc>
+                  <a:txBody>
+                    <a:bodyPr/>
+                    <a:p>
+                      <a:pPr algn="ctr">
+                        <a:defRPr/>
+                      </a:pPr>
+                      <a:r>
+                        <a:rPr sz="1200" b="1" i="0" u="none">
+                          <a:solidFill>
+                            <a:srgbClr val="000000"/>
+                          </a:solidFill>
+                          <a:latin typeface="Arial"/>
+                          <a:ea typeface="Arial"/>
+                          <a:cs typeface="Arial"/>
+                        </a:rPr>
+                        <a:t>Gravité (1–4)</a:t>
+                      </a:r>
+                      <a:endParaRPr>
+                        <a:latin typeface="Arial"/>
+                        <a:cs typeface="Arial"/>
+                      </a:endParaRPr>
+                    </a:p>
+                  </a:txBody>
+                  <a:tcPr anchor="ctr"/>
+                </a:tc>
+                <a:tc>
+                  <a:txBody>
+                    <a:bodyPr/>
+                    <a:p>
+                      <a:pPr algn="ctr">
+                        <a:defRPr/>
+                      </a:pPr>
+                      <a:r>
+                        <a:rPr sz="1200" b="1" i="0" u="none">
+                          <a:solidFill>
+                            <a:srgbClr val="000000"/>
+                          </a:solidFill>
+                          <a:latin typeface="Arial"/>
+                          <a:ea typeface="Arial"/>
+                          <a:cs typeface="Arial"/>
+                        </a:rPr>
+                        <a:t>Types d’impact</a:t>
+                      </a:r>
+                      <a:endParaRPr>
+                        <a:latin typeface="Arial"/>
+                        <a:cs typeface="Arial"/>
+                      </a:endParaRPr>
+                    </a:p>
+                  </a:txBody>
+                  <a:tcPr anchor="ctr"/>
+                </a:tc>
+              </a:tr>
+              <a:tr h="384810">
+                <a:tc>
+                  <a:txBody>
+                    <a:bodyPr/>
+                    <a:p>
+                      <a:pPr>
+                        <a:defRPr/>
+                      </a:pPr>
+                      <a:r>
+                        <a:rPr sz="1200" b="0" i="0" u="none">
+                          <a:solidFill>
+                            <a:srgbClr val="000000"/>
+                          </a:solidFill>
+                          <a:latin typeface="Arial"/>
+                          <a:ea typeface="Arial"/>
+                          <a:cs typeface="Arial"/>
+                        </a:rPr>
+                        <a:t>ER1</a:t>
+                      </a:r>
+                      <a:endParaRPr>
+                        <a:latin typeface="Arial"/>
+                        <a:cs typeface="Arial"/>
+                      </a:endParaRPr>
+                    </a:p>
+                  </a:txBody>
+                  <a:tcPr anchor="ctr"/>
+                </a:tc>
+                <a:tc>
+                  <a:txBody>
+                    <a:bodyPr/>
+                    <a:p>
+                      <a:pPr>
+                        <a:defRPr/>
+                      </a:pPr>
+                      <a:r>
+                        <a:rPr sz="1200" b="0" i="0" u="none">
+                          <a:solidFill>
+                            <a:srgbClr val="000000"/>
+                          </a:solidFill>
+                          <a:latin typeface="Arial"/>
+                          <a:ea typeface="Arial"/>
+                          <a:cs typeface="Arial"/>
+                        </a:rPr>
+                        <a:t>Piratage massif des jeux PS4 (possibilité de jouer à des jeux non authentiques)</a:t>
+                      </a:r>
+                      <a:endParaRPr>
+                        <a:latin typeface="Arial"/>
+                        <a:cs typeface="Arial"/>
+                      </a:endParaRPr>
+                    </a:p>
+                  </a:txBody>
+                  <a:tcPr anchor="ctr"/>
+                </a:tc>
+                <a:tc>
+                  <a:txBody>
+                    <a:bodyPr/>
+                    <a:p>
+                      <a:pPr>
+                        <a:defRPr/>
+                      </a:pPr>
+                      <a:r>
+                        <a:rPr sz="1200" b="0" i="0" u="none">
+                          <a:solidFill>
+                            <a:srgbClr val="000000"/>
+                          </a:solidFill>
+                          <a:latin typeface="Arial"/>
+                          <a:ea typeface="Arial"/>
+                          <a:cs typeface="Arial"/>
+                        </a:rPr>
+                        <a:t>VM1 Jouer en ligne, VM2 Jouer à des jeux physiques</a:t>
+                      </a:r>
+                      <a:endParaRPr>
+                        <a:latin typeface="Arial"/>
+                        <a:cs typeface="Arial"/>
+                      </a:endParaRPr>
+                    </a:p>
+                  </a:txBody>
+                  <a:tcPr anchor="ctr"/>
+                </a:tc>
+                <a:tc>
+                  <a:txBody>
+                    <a:bodyPr/>
+                    <a:p>
+                      <a:pPr>
+                        <a:defRPr/>
+                      </a:pPr>
+                      <a:r>
+                        <a:rPr sz="1200" b="0" i="0" u="none">
+                          <a:solidFill>
+                            <a:srgbClr val="000000"/>
+                          </a:solidFill>
+                          <a:latin typeface="Arial"/>
+                          <a:ea typeface="Arial"/>
+                          <a:cs typeface="Arial"/>
+                        </a:rPr>
+                        <a:t>Binaire des jeux (4/4), Firmware/OS (4/4)</a:t>
+                      </a:r>
+                      <a:endParaRPr>
+                        <a:latin typeface="Arial"/>
+                        <a:cs typeface="Arial"/>
+                      </a:endParaRPr>
+                    </a:p>
+                  </a:txBody>
+                  <a:tcPr anchor="ctr"/>
+                </a:tc>
+                <a:tc>
+                  <a:txBody>
+                    <a:bodyPr/>
+                    <a:p>
+                      <a:pPr algn="ctr">
+                        <a:defRPr/>
+                      </a:pPr>
+                      <a:r>
+                        <a:rPr sz="1200" b="1" i="0" u="none">
+                          <a:solidFill>
+                            <a:srgbClr val="000000"/>
+                          </a:solidFill>
+                          <a:latin typeface="Arial"/>
+                          <a:ea typeface="Arial"/>
+                          <a:cs typeface="Arial"/>
+                        </a:rPr>
+                        <a:t>4/4</a:t>
+                      </a:r>
+                      <a:endParaRPr>
+                        <a:latin typeface="Arial"/>
+                        <a:cs typeface="Arial"/>
+                      </a:endParaRPr>
+                    </a:p>
+                  </a:txBody>
+                  <a:tcPr anchor="ctr">
+                    <a:solidFill>
+                      <a:srgbClr val="FF0000"/>
+                    </a:solidFill>
+                  </a:tcPr>
+                </a:tc>
+                <a:tc>
+                  <a:txBody>
+                    <a:bodyPr/>
+                    <a:p>
+                      <a:pPr>
+                        <a:defRPr/>
+                      </a:pPr>
+                      <a:r>
+                        <a:rPr sz="1200" b="0" i="0" u="none">
+                          <a:solidFill>
+                            <a:srgbClr val="000000"/>
+                          </a:solidFill>
+                          <a:latin typeface="Arial"/>
+                          <a:ea typeface="Arial"/>
+                          <a:cs typeface="Arial"/>
+                        </a:rPr>
+                        <a:t>Financier (perte de ventes), Image (perte de confiance éditeurs/joueurs)</a:t>
+                      </a:r>
+                      <a:endParaRPr>
+                        <a:latin typeface="Arial"/>
+                        <a:cs typeface="Arial"/>
+                      </a:endParaRPr>
+                    </a:p>
+                  </a:txBody>
+                  <a:tcPr anchor="ctr"/>
+                </a:tc>
+              </a:tr>
+              <a:tr h="384810">
+                <a:tc>
+                  <a:txBody>
+                    <a:bodyPr/>
+                    <a:p>
+                      <a:pPr>
+                        <a:defRPr/>
+                      </a:pPr>
+                      <a:r>
+                        <a:rPr sz="1200" b="0" i="0" u="none">
+                          <a:solidFill>
+                            <a:srgbClr val="000000"/>
+                          </a:solidFill>
+                          <a:latin typeface="Arial"/>
+                          <a:ea typeface="Arial"/>
+                          <a:cs typeface="Arial"/>
+                        </a:rPr>
+                        <a:t>ER2</a:t>
+                      </a:r>
+                      <a:endParaRPr>
+                        <a:latin typeface="Arial"/>
+                        <a:cs typeface="Arial"/>
+                      </a:endParaRPr>
+                    </a:p>
+                  </a:txBody>
+                  <a:tcPr anchor="ctr"/>
+                </a:tc>
+                <a:tc>
+                  <a:txBody>
+                    <a:bodyPr/>
+                    <a:p>
+                      <a:pPr>
+                        <a:defRPr/>
+                      </a:pPr>
+                      <a:r>
+                        <a:rPr sz="1200" b="0" i="0" u="none">
+                          <a:solidFill>
+                            <a:srgbClr val="000000"/>
+                          </a:solidFill>
+                          <a:latin typeface="Arial"/>
+                          <a:ea typeface="Arial"/>
+                          <a:cs typeface="Arial"/>
+                        </a:rPr>
+                        <a:t>Altération du firmware / OS rendant la console instable ou injouable</a:t>
+                      </a:r>
+                      <a:endParaRPr>
+                        <a:latin typeface="Arial"/>
+                        <a:cs typeface="Arial"/>
+                      </a:endParaRPr>
+                    </a:p>
+                  </a:txBody>
+                  <a:tcPr anchor="ctr"/>
+                </a:tc>
+                <a:tc>
+                  <a:txBody>
+                    <a:bodyPr/>
+                    <a:p>
+                      <a:pPr>
+                        <a:defRPr/>
+                      </a:pPr>
+                      <a:r>
+                        <a:rPr sz="1200" b="0" i="0" u="none">
+                          <a:solidFill>
+                            <a:srgbClr val="000000"/>
+                          </a:solidFill>
+                          <a:latin typeface="Arial"/>
+                          <a:ea typeface="Arial"/>
+                          <a:cs typeface="Arial"/>
+                        </a:rPr>
+                        <a:t>VM2 Jouer à des jeux physiques, VM1/VM7 si la console ne peut plus se connecter</a:t>
+                      </a:r>
+                      <a:endParaRPr>
+                        <a:latin typeface="Arial"/>
+                        <a:cs typeface="Arial"/>
+                      </a:endParaRPr>
+                    </a:p>
+                  </a:txBody>
+                  <a:tcPr anchor="ctr"/>
+                </a:tc>
+                <a:tc>
+                  <a:txBody>
+                    <a:bodyPr/>
+                    <a:p>
+                      <a:pPr>
+                        <a:defRPr/>
+                      </a:pPr>
+                      <a:r>
+                        <a:rPr sz="1200" b="0" i="0" u="none">
+                          <a:solidFill>
+                            <a:srgbClr val="000000"/>
+                          </a:solidFill>
+                          <a:latin typeface="Arial"/>
+                          <a:ea typeface="Arial"/>
+                          <a:cs typeface="Arial"/>
+                        </a:rPr>
+                        <a:t>Firmware/OS console (4/4)</a:t>
+                      </a:r>
+                      <a:endParaRPr>
+                        <a:latin typeface="Arial"/>
+                        <a:cs typeface="Arial"/>
+                      </a:endParaRPr>
+                    </a:p>
+                  </a:txBody>
+                  <a:tcPr anchor="ctr"/>
+                </a:tc>
+                <a:tc>
+                  <a:txBody>
+                    <a:bodyPr/>
+                    <a:p>
+                      <a:pPr algn="ctr">
+                        <a:defRPr/>
+                      </a:pPr>
+                      <a:r>
+                        <a:rPr sz="1200" b="1" i="0" u="none">
+                          <a:solidFill>
+                            <a:srgbClr val="000000"/>
+                          </a:solidFill>
+                          <a:latin typeface="Arial"/>
+                          <a:ea typeface="Arial"/>
+                          <a:cs typeface="Arial"/>
+                        </a:rPr>
+                        <a:t>4/4</a:t>
+                      </a:r>
+                      <a:endParaRPr>
+                        <a:latin typeface="Arial"/>
+                        <a:cs typeface="Arial"/>
+                      </a:endParaRPr>
+                    </a:p>
+                  </a:txBody>
+                  <a:tcPr anchor="ctr">
+                    <a:solidFill>
+                      <a:srgbClr val="FF0000"/>
+                    </a:solidFill>
+                  </a:tcPr>
+                </a:tc>
+                <a:tc>
+                  <a:txBody>
+                    <a:bodyPr/>
+                    <a:p>
+                      <a:pPr>
+                        <a:defRPr/>
+                      </a:pPr>
+                      <a:r>
+                        <a:rPr sz="1200" b="0" i="0" u="none">
+                          <a:solidFill>
+                            <a:srgbClr val="000000"/>
+                          </a:solidFill>
+                          <a:latin typeface="Arial"/>
+                          <a:ea typeface="Arial"/>
+                          <a:cs typeface="Arial"/>
+                        </a:rPr>
+                        <a:t>Opérationnel (console inutilisable), Image, Support SAV</a:t>
+                      </a:r>
+                      <a:endParaRPr>
+                        <a:latin typeface="Arial"/>
+                        <a:cs typeface="Arial"/>
+                      </a:endParaRPr>
+                    </a:p>
+                  </a:txBody>
+                  <a:tcPr anchor="ctr"/>
+                </a:tc>
+              </a:tr>
+              <a:tr h="384810">
+                <a:tc>
+                  <a:txBody>
+                    <a:bodyPr/>
+                    <a:p>
+                      <a:pPr>
+                        <a:defRPr/>
+                      </a:pPr>
+                      <a:r>
+                        <a:rPr sz="1200" b="0" i="0" u="none">
+                          <a:solidFill>
+                            <a:srgbClr val="000000"/>
+                          </a:solidFill>
+                          <a:latin typeface="Arial"/>
+                          <a:ea typeface="Arial"/>
+                          <a:cs typeface="Arial"/>
+                        </a:rPr>
+                        <a:t>ER3</a:t>
+                      </a:r>
+                      <a:endParaRPr>
+                        <a:latin typeface="Arial"/>
+                        <a:cs typeface="Arial"/>
+                      </a:endParaRPr>
+                    </a:p>
+                  </a:txBody>
+                  <a:tcPr anchor="ctr"/>
+                </a:tc>
+                <a:tc>
+                  <a:txBody>
+                    <a:bodyPr/>
+                    <a:p>
+                      <a:pPr>
+                        <a:defRPr/>
+                      </a:pPr>
+                      <a:r>
+                        <a:rPr sz="1200" b="0" i="0" u="none">
+                          <a:solidFill>
+                            <a:srgbClr val="000000"/>
+                          </a:solidFill>
+                          <a:latin typeface="Arial"/>
+                          <a:ea typeface="Arial"/>
+                          <a:cs typeface="Arial"/>
+                        </a:rPr>
+                        <a:t>Compromission des données bancaires des utilisateurs</a:t>
+                      </a:r>
+                      <a:endParaRPr>
+                        <a:latin typeface="Arial"/>
+                        <a:cs typeface="Arial"/>
+                      </a:endParaRPr>
+                    </a:p>
+                  </a:txBody>
+                  <a:tcPr anchor="ctr"/>
+                </a:tc>
+                <a:tc>
+                  <a:txBody>
+                    <a:bodyPr/>
+                    <a:p>
+                      <a:pPr>
+                        <a:defRPr/>
+                      </a:pPr>
+                      <a:r>
+                        <a:rPr sz="1200" b="0" i="0" u="none">
+                          <a:solidFill>
+                            <a:srgbClr val="000000"/>
+                          </a:solidFill>
+                          <a:latin typeface="Arial"/>
+                          <a:ea typeface="Arial"/>
+                          <a:cs typeface="Arial"/>
+                        </a:rPr>
+                        <a:t>VM4 Acheter des jeux/films</a:t>
+                      </a:r>
+                      <a:endParaRPr>
+                        <a:latin typeface="Arial"/>
+                        <a:cs typeface="Arial"/>
+                      </a:endParaRPr>
+                    </a:p>
+                  </a:txBody>
+                  <a:tcPr anchor="ctr"/>
+                </a:tc>
+                <a:tc>
+                  <a:txBody>
+                    <a:bodyPr/>
+                    <a:p>
+                      <a:pPr>
+                        <a:defRPr/>
+                      </a:pPr>
+                      <a:r>
+                        <a:rPr sz="1200" b="0" i="0" u="none">
+                          <a:solidFill>
+                            <a:srgbClr val="000000"/>
+                          </a:solidFill>
+                          <a:latin typeface="Arial"/>
+                          <a:ea typeface="Arial"/>
+                          <a:cs typeface="Arial"/>
+                        </a:rPr>
+                        <a:t>Données bancaires (2/4)</a:t>
+                      </a:r>
+                      <a:endParaRPr>
+                        <a:latin typeface="Arial"/>
+                        <a:cs typeface="Arial"/>
+                      </a:endParaRPr>
+                    </a:p>
+                  </a:txBody>
+                  <a:tcPr anchor="ctr"/>
+                </a:tc>
+                <a:tc>
+                  <a:txBody>
+                    <a:bodyPr/>
+                    <a:p>
+                      <a:pPr algn="ctr">
+                        <a:defRPr/>
+                      </a:pPr>
+                      <a:r>
+                        <a:rPr sz="1200" b="1" i="0" u="none">
+                          <a:solidFill>
+                            <a:srgbClr val="000000"/>
+                          </a:solidFill>
+                          <a:latin typeface="Arial"/>
+                          <a:ea typeface="Arial"/>
+                          <a:cs typeface="Arial"/>
+                        </a:rPr>
+                        <a:t>2/4</a:t>
+                      </a:r>
+                      <a:endParaRPr>
+                        <a:latin typeface="Arial"/>
+                        <a:cs typeface="Arial"/>
+                      </a:endParaRPr>
+                    </a:p>
+                  </a:txBody>
+                  <a:tcPr anchor="ctr">
+                    <a:solidFill>
+                      <a:srgbClr val="FFFF00"/>
+                    </a:solidFill>
+                  </a:tcPr>
+                </a:tc>
+                <a:tc>
+                  <a:txBody>
+                    <a:bodyPr/>
+                    <a:p>
+                      <a:pPr>
+                        <a:defRPr/>
+                      </a:pPr>
+                      <a:r>
+                        <a:rPr sz="1200" b="0" i="0" u="none">
+                          <a:solidFill>
+                            <a:srgbClr val="000000"/>
+                          </a:solidFill>
+                          <a:latin typeface="Arial"/>
+                          <a:ea typeface="Arial"/>
+                          <a:cs typeface="Arial"/>
+                        </a:rPr>
+                        <a:t>Financier, Juridique, Image</a:t>
+                      </a:r>
+                      <a:endParaRPr>
+                        <a:latin typeface="Arial"/>
+                        <a:cs typeface="Arial"/>
+                      </a:endParaRPr>
+                    </a:p>
+                  </a:txBody>
+                  <a:tcPr anchor="ctr"/>
+                </a:tc>
+              </a:tr>
+              <a:tr h="201930">
+                <a:tc>
+                  <a:txBody>
+                    <a:bodyPr/>
+                    <a:p>
+                      <a:pPr>
+                        <a:defRPr/>
+                      </a:pPr>
+                      <a:r>
+                        <a:rPr sz="1200" b="0" i="0" u="none">
+                          <a:solidFill>
+                            <a:srgbClr val="000000"/>
+                          </a:solidFill>
+                          <a:latin typeface="Arial"/>
+                          <a:ea typeface="Arial"/>
+                          <a:cs typeface="Arial"/>
+                        </a:rPr>
+                        <a:t>ER4</a:t>
+                      </a:r>
+                      <a:endParaRPr>
+                        <a:latin typeface="Arial"/>
+                        <a:cs typeface="Arial"/>
+                      </a:endParaRPr>
+                    </a:p>
+                  </a:txBody>
+                  <a:tcPr anchor="ctr"/>
+                </a:tc>
+                <a:tc>
+                  <a:txBody>
+                    <a:bodyPr/>
+                    <a:p>
+                      <a:pPr>
+                        <a:defRPr/>
+                      </a:pPr>
+                      <a:r>
+                        <a:rPr sz="1200" b="0" i="0" u="none">
+                          <a:solidFill>
+                            <a:srgbClr val="000000"/>
+                          </a:solidFill>
+                          <a:latin typeface="Arial"/>
+                          <a:ea typeface="Arial"/>
+                          <a:cs typeface="Arial"/>
+                        </a:rPr>
+                        <a:t>Perte ou corruption des sauvegardes locales de jeux</a:t>
+                      </a:r>
+                      <a:endParaRPr>
+                        <a:latin typeface="Arial"/>
+                        <a:cs typeface="Arial"/>
+                      </a:endParaRPr>
+                    </a:p>
+                  </a:txBody>
+                  <a:tcPr anchor="ctr"/>
+                </a:tc>
+                <a:tc>
+                  <a:txBody>
+                    <a:bodyPr/>
+                    <a:p>
+                      <a:pPr>
+                        <a:defRPr/>
+                      </a:pPr>
+                      <a:r>
+                        <a:rPr sz="1200" b="0" i="0" u="none">
+                          <a:solidFill>
+                            <a:srgbClr val="000000"/>
+                          </a:solidFill>
+                          <a:latin typeface="Arial"/>
+                          <a:ea typeface="Arial"/>
+                          <a:cs typeface="Arial"/>
+                        </a:rPr>
+                        <a:t>VM5 Sauvegarde locale</a:t>
+                      </a:r>
+                      <a:endParaRPr>
+                        <a:latin typeface="Arial"/>
+                        <a:cs typeface="Arial"/>
+                      </a:endParaRPr>
+                    </a:p>
+                  </a:txBody>
+                  <a:tcPr anchor="ctr"/>
+                </a:tc>
+                <a:tc>
+                  <a:txBody>
+                    <a:bodyPr/>
+                    <a:p>
+                      <a:pPr>
+                        <a:defRPr/>
+                      </a:pPr>
+                      <a:r>
+                        <a:rPr sz="1200" b="0" i="0" u="none">
+                          <a:solidFill>
+                            <a:srgbClr val="000000"/>
+                          </a:solidFill>
+                          <a:latin typeface="Arial"/>
+                          <a:ea typeface="Arial"/>
+                          <a:cs typeface="Arial"/>
+                        </a:rPr>
+                        <a:t>Avancement (conf locale) (3/4)</a:t>
+                      </a:r>
+                      <a:endParaRPr>
+                        <a:latin typeface="Arial"/>
+                        <a:cs typeface="Arial"/>
+                      </a:endParaRPr>
+                    </a:p>
+                  </a:txBody>
+                  <a:tcPr anchor="ctr"/>
+                </a:tc>
+                <a:tc>
+                  <a:txBody>
+                    <a:bodyPr/>
+                    <a:p>
+                      <a:pPr algn="ctr">
+                        <a:defRPr/>
+                      </a:pPr>
+                      <a:r>
+                        <a:rPr sz="1200" b="1" i="0" u="none">
+                          <a:solidFill>
+                            <a:srgbClr val="000000"/>
+                          </a:solidFill>
+                          <a:latin typeface="Arial"/>
+                          <a:ea typeface="Arial"/>
+                          <a:cs typeface="Arial"/>
+                        </a:rPr>
+                        <a:t>3/4</a:t>
+                      </a:r>
+                      <a:endParaRPr>
+                        <a:latin typeface="Arial"/>
+                        <a:cs typeface="Arial"/>
+                      </a:endParaRPr>
+                    </a:p>
+                  </a:txBody>
+                  <a:tcPr anchor="ctr">
+                    <a:solidFill>
+                      <a:srgbClr val="FFC000"/>
+                    </a:solidFill>
+                  </a:tcPr>
+                </a:tc>
+                <a:tc>
+                  <a:txBody>
+                    <a:bodyPr/>
+                    <a:p>
+                      <a:pPr>
+                        <a:defRPr/>
+                      </a:pPr>
+                      <a:r>
+                        <a:rPr sz="1200" b="0" i="0" u="none">
+                          <a:solidFill>
+                            <a:srgbClr val="000000"/>
+                          </a:solidFill>
+                          <a:latin typeface="Arial"/>
+                          <a:ea typeface="Arial"/>
+                          <a:cs typeface="Arial"/>
+                        </a:rPr>
+                        <a:t>Satisfaction client, Support, Fidélité</a:t>
+                      </a:r>
+                      <a:endParaRPr>
+                        <a:latin typeface="Arial"/>
+                        <a:cs typeface="Arial"/>
+                      </a:endParaRPr>
+                    </a:p>
+                  </a:txBody>
+                  <a:tcPr anchor="ctr"/>
+                </a:tc>
+              </a:tr>
+              <a:tr h="384810">
+                <a:tc>
+                  <a:txBody>
+                    <a:bodyPr/>
+                    <a:p>
+                      <a:pPr>
+                        <a:defRPr/>
+                      </a:pPr>
+                      <a:r>
+                        <a:rPr sz="1200" b="0" i="0" u="none">
+                          <a:solidFill>
+                            <a:srgbClr val="000000"/>
+                          </a:solidFill>
+                          <a:latin typeface="Arial"/>
+                          <a:ea typeface="Arial"/>
+                          <a:cs typeface="Arial"/>
+                        </a:rPr>
+                        <a:t>ER5</a:t>
+                      </a:r>
+                      <a:endParaRPr>
+                        <a:latin typeface="Arial"/>
+                        <a:cs typeface="Arial"/>
+                      </a:endParaRPr>
+                    </a:p>
+                  </a:txBody>
+                  <a:tcPr anchor="ctr"/>
+                </a:tc>
+                <a:tc>
+                  <a:txBody>
+                    <a:bodyPr/>
+                    <a:p>
+                      <a:pPr>
+                        <a:defRPr/>
+                      </a:pPr>
+                      <a:r>
+                        <a:rPr sz="1200" b="0" i="0" u="none">
+                          <a:solidFill>
+                            <a:srgbClr val="000000"/>
+                          </a:solidFill>
+                          <a:latin typeface="Arial"/>
+                          <a:ea typeface="Arial"/>
+                          <a:cs typeface="Arial"/>
+                        </a:rPr>
+                        <a:t>Compromission des comptes et données utilisateurs (email, mots de passe, historique, profil)</a:t>
+                      </a:r>
+                      <a:endParaRPr>
+                        <a:latin typeface="Arial"/>
+                        <a:cs typeface="Arial"/>
+                      </a:endParaRPr>
+                    </a:p>
+                  </a:txBody>
+                  <a:tcPr anchor="ctr"/>
+                </a:tc>
+                <a:tc>
+                  <a:txBody>
+                    <a:bodyPr/>
+                    <a:p>
+                      <a:pPr>
+                        <a:defRPr/>
+                      </a:pPr>
+                      <a:r>
+                        <a:rPr sz="1200" b="0" i="0" u="none">
+                          <a:solidFill>
+                            <a:srgbClr val="000000"/>
+                          </a:solidFill>
+                          <a:latin typeface="Arial"/>
+                          <a:ea typeface="Arial"/>
+                          <a:cs typeface="Arial"/>
+                        </a:rPr>
+                        <a:t>VM6 VM7 VM9 VM10</a:t>
+                      </a:r>
+                      <a:endParaRPr>
+                        <a:latin typeface="Arial"/>
+                        <a:cs typeface="Arial"/>
+                      </a:endParaRPr>
+                    </a:p>
+                  </a:txBody>
+                  <a:tcPr anchor="ctr"/>
+                </a:tc>
+                <a:tc>
+                  <a:txBody>
+                    <a:bodyPr/>
+                    <a:p>
+                      <a:pPr>
+                        <a:defRPr/>
+                      </a:pPr>
+                      <a:r>
+                        <a:rPr sz="1200" b="0" i="0" u="none">
+                          <a:solidFill>
+                            <a:srgbClr val="000000"/>
+                          </a:solidFill>
+                          <a:latin typeface="Arial"/>
+                          <a:ea typeface="Arial"/>
+                          <a:cs typeface="Arial"/>
+                        </a:rPr>
+                        <a:t>email/mdp + données utilisateurs (2/4), mdp compte distant (2/4), historique + infos confidentielles (2/4)</a:t>
+                      </a:r>
+                      <a:endParaRPr>
+                        <a:latin typeface="Arial"/>
+                        <a:cs typeface="Arial"/>
+                      </a:endParaRPr>
+                    </a:p>
+                  </a:txBody>
+                  <a:tcPr anchor="ctr"/>
+                </a:tc>
+                <a:tc>
+                  <a:txBody>
+                    <a:bodyPr/>
+                    <a:p>
+                      <a:pPr algn="ctr">
+                        <a:defRPr/>
+                      </a:pPr>
+                      <a:r>
+                        <a:rPr sz="1200" b="1" i="0" u="none">
+                          <a:solidFill>
+                            <a:srgbClr val="000000"/>
+                          </a:solidFill>
+                          <a:latin typeface="Arial"/>
+                          <a:ea typeface="Arial"/>
+                          <a:cs typeface="Arial"/>
+                        </a:rPr>
+                        <a:t>3/4</a:t>
+                      </a:r>
+                      <a:r>
+                        <a:rPr sz="1200" b="0" i="0" u="none">
+                          <a:solidFill>
+                            <a:srgbClr val="000000"/>
+                          </a:solidFill>
+                          <a:latin typeface="Arial"/>
+                          <a:ea typeface="Arial"/>
+                          <a:cs typeface="Arial"/>
+                        </a:rPr>
+                        <a:t> (cumul des biens à 2/4)</a:t>
+                      </a:r>
+                      <a:endParaRPr>
+                        <a:latin typeface="Arial"/>
+                        <a:cs typeface="Arial"/>
+                      </a:endParaRPr>
+                    </a:p>
+                  </a:txBody>
+                  <a:tcPr anchor="ctr">
+                    <a:solidFill>
+                      <a:srgbClr val="FFC000"/>
+                    </a:solidFill>
+                  </a:tcPr>
+                </a:tc>
+                <a:tc>
+                  <a:txBody>
+                    <a:bodyPr/>
+                    <a:p>
+                      <a:pPr>
+                        <a:defRPr/>
+                      </a:pPr>
+                      <a:r>
+                        <a:rPr sz="1200" b="0" i="0" u="none">
+                          <a:solidFill>
+                            <a:srgbClr val="000000"/>
+                          </a:solidFill>
+                          <a:latin typeface="Arial"/>
+                          <a:ea typeface="Arial"/>
+                          <a:cs typeface="Arial"/>
+                        </a:rPr>
+                        <a:t>Image, Vie privée, Juridique</a:t>
+                      </a:r>
+                      <a:endParaRPr>
+                        <a:latin typeface="Arial"/>
+                        <a:cs typeface="Arial"/>
+                      </a:endParaRPr>
+                    </a:p>
+                  </a:txBody>
+                  <a:tcPr anchor="ctr"/>
+                </a:tc>
+              </a:tr>
+              <a:tr h="201930">
+                <a:tc>
+                  <a:txBody>
+                    <a:bodyPr/>
+                    <a:p>
+                      <a:pPr>
+                        <a:defRPr/>
+                      </a:pPr>
+                      <a:r>
+                        <a:rPr sz="1200" b="0" i="0" u="none">
+                          <a:solidFill>
+                            <a:srgbClr val="000000"/>
+                          </a:solidFill>
+                          <a:latin typeface="Arial"/>
+                          <a:ea typeface="Arial"/>
+                          <a:cs typeface="Arial"/>
+                        </a:rPr>
+                        <a:t>ER6</a:t>
+                      </a:r>
+                      <a:endParaRPr>
+                        <a:latin typeface="Arial"/>
+                        <a:cs typeface="Arial"/>
+                      </a:endParaRPr>
+                    </a:p>
+                  </a:txBody>
+                  <a:tcPr anchor="ctr"/>
+                </a:tc>
+                <a:tc>
+                  <a:txBody>
+                    <a:bodyPr/>
+                    <a:p>
+                      <a:pPr>
+                        <a:defRPr/>
+                      </a:pPr>
+                      <a:r>
+                        <a:rPr sz="1200" b="0" i="0" u="none">
+                          <a:solidFill>
+                            <a:srgbClr val="000000"/>
+                          </a:solidFill>
+                          <a:latin typeface="Arial"/>
+                          <a:ea typeface="Arial"/>
+                          <a:cs typeface="Arial"/>
+                        </a:rPr>
+                        <a:t>Atteinte à la confidentialité des communications (chat vocal, liste de participants)</a:t>
+                      </a:r>
+                      <a:endParaRPr>
+                        <a:latin typeface="Arial"/>
+                        <a:cs typeface="Arial"/>
+                      </a:endParaRPr>
+                    </a:p>
+                  </a:txBody>
+                  <a:tcPr anchor="ctr"/>
+                </a:tc>
+                <a:tc>
+                  <a:txBody>
+                    <a:bodyPr/>
+                    <a:p>
+                      <a:pPr>
+                        <a:defRPr/>
+                      </a:pPr>
+                      <a:r>
+                        <a:rPr sz="1200" b="0" i="0" u="none">
+                          <a:solidFill>
+                            <a:srgbClr val="000000"/>
+                          </a:solidFill>
+                          <a:latin typeface="Arial"/>
+                          <a:ea typeface="Arial"/>
+                          <a:cs typeface="Arial"/>
+                        </a:rPr>
+                        <a:t>VM8 Chat vocal, VM9 Partage exploits</a:t>
+                      </a:r>
+                      <a:endParaRPr>
+                        <a:latin typeface="Arial"/>
+                        <a:cs typeface="Arial"/>
+                      </a:endParaRPr>
+                    </a:p>
+                  </a:txBody>
+                  <a:tcPr anchor="ctr"/>
+                </a:tc>
+                <a:tc>
+                  <a:txBody>
+                    <a:bodyPr/>
+                    <a:p>
+                      <a:pPr>
+                        <a:defRPr/>
+                      </a:pPr>
+                      <a:r>
+                        <a:rPr sz="1200" b="0" i="0" u="none">
+                          <a:solidFill>
+                            <a:srgbClr val="000000"/>
+                          </a:solidFill>
+                          <a:latin typeface="Arial"/>
+                          <a:ea typeface="Arial"/>
+                          <a:cs typeface="Arial"/>
+                        </a:rPr>
+                        <a:t>Liste des participants + voix (2/4), ce que je fais et à quelle heure (2/4)</a:t>
+                      </a:r>
+                      <a:endParaRPr>
+                        <a:latin typeface="Arial"/>
+                        <a:cs typeface="Arial"/>
+                      </a:endParaRPr>
+                    </a:p>
+                  </a:txBody>
+                  <a:tcPr anchor="ctr"/>
+                </a:tc>
+                <a:tc>
+                  <a:txBody>
+                    <a:bodyPr/>
+                    <a:p>
+                      <a:pPr algn="ctr">
+                        <a:defRPr/>
+                      </a:pPr>
+                      <a:r>
+                        <a:rPr sz="1200" b="1" i="0" u="none">
+                          <a:solidFill>
+                            <a:srgbClr val="000000"/>
+                          </a:solidFill>
+                          <a:latin typeface="Arial"/>
+                          <a:ea typeface="Arial"/>
+                          <a:cs typeface="Arial"/>
+                        </a:rPr>
+                        <a:t>2/4</a:t>
+                      </a:r>
+                      <a:endParaRPr>
+                        <a:latin typeface="Arial"/>
+                        <a:cs typeface="Arial"/>
+                      </a:endParaRPr>
+                    </a:p>
+                  </a:txBody>
+                  <a:tcPr anchor="ctr">
+                    <a:solidFill>
+                      <a:srgbClr val="FFFF00"/>
+                    </a:solidFill>
+                  </a:tcPr>
+                </a:tc>
+                <a:tc>
+                  <a:txBody>
+                    <a:bodyPr/>
+                    <a:p>
+                      <a:pPr>
+                        <a:defRPr/>
+                      </a:pPr>
+                      <a:r>
+                        <a:rPr sz="1200" b="0" i="0" u="none">
+                          <a:solidFill>
+                            <a:srgbClr val="000000"/>
+                          </a:solidFill>
+                          <a:latin typeface="Arial"/>
+                          <a:ea typeface="Arial"/>
+                          <a:cs typeface="Arial"/>
+                        </a:rPr>
+                        <a:t>Vie privée, Confiance dans le service</a:t>
+                      </a:r>
+                      <a:endParaRPr>
+                        <a:latin typeface="Arial"/>
+                        <a:cs typeface="Arial"/>
+                      </a:endParaRPr>
+                    </a:p>
+                  </a:txBody>
+                  <a:tcPr anchor="ctr"/>
+                </a:tc>
+              </a:tr>
+              <a:tr h="201930">
+                <a:tc>
+                  <a:txBody>
+                    <a:bodyPr/>
+                    <a:p>
+                      <a:pPr>
+                        <a:defRPr/>
+                      </a:pPr>
+                      <a:r>
+                        <a:rPr sz="1200" b="0" i="0" u="none">
+                          <a:solidFill>
+                            <a:srgbClr val="000000"/>
+                          </a:solidFill>
+                          <a:latin typeface="Arial"/>
+                          <a:ea typeface="Arial"/>
+                          <a:cs typeface="Arial"/>
+                        </a:rPr>
+                        <a:t>ER7</a:t>
+                      </a:r>
+                      <a:endParaRPr>
+                        <a:latin typeface="Arial"/>
+                        <a:cs typeface="Arial"/>
+                      </a:endParaRPr>
+                    </a:p>
+                  </a:txBody>
+                  <a:tcPr anchor="ctr"/>
+                </a:tc>
+                <a:tc>
+                  <a:txBody>
+                    <a:bodyPr/>
+                    <a:p>
+                      <a:pPr>
+                        <a:defRPr/>
+                      </a:pPr>
+                      <a:r>
+                        <a:rPr sz="1200" b="0" i="0" u="none">
+                          <a:solidFill>
+                            <a:srgbClr val="000000"/>
+                          </a:solidFill>
+                          <a:latin typeface="Arial"/>
+                          <a:ea typeface="Arial"/>
+                          <a:cs typeface="Arial"/>
+                        </a:rPr>
+                        <a:t>Indisponibilité significative des services en ligne (PSN, jeu en ligne, achats)</a:t>
+                      </a:r>
+                      <a:endParaRPr>
+                        <a:latin typeface="Arial"/>
+                        <a:cs typeface="Arial"/>
+                      </a:endParaRPr>
+                    </a:p>
+                  </a:txBody>
+                  <a:tcPr anchor="ctr"/>
+                </a:tc>
+                <a:tc>
+                  <a:txBody>
+                    <a:bodyPr/>
+                    <a:p>
+                      <a:pPr>
+                        <a:defRPr/>
+                      </a:pPr>
+                      <a:r>
+                        <a:rPr sz="1200" b="0" i="0" u="none">
+                          <a:solidFill>
+                            <a:srgbClr val="000000"/>
+                          </a:solidFill>
+                          <a:latin typeface="Arial"/>
+                          <a:ea typeface="Arial"/>
+                          <a:cs typeface="Arial"/>
+                        </a:rPr>
+                        <a:t>VM1 Jouer en ligne, VM3 Streaming, VM4 Achat, VM7 Connexion PSN</a:t>
+                      </a:r>
+                      <a:endParaRPr>
+                        <a:latin typeface="Arial"/>
+                        <a:cs typeface="Arial"/>
+                      </a:endParaRPr>
+                    </a:p>
+                  </a:txBody>
+                  <a:tcPr anchor="ctr"/>
+                </a:tc>
+                <a:tc>
+                  <a:txBody>
+                    <a:bodyPr/>
+                    <a:p>
+                      <a:pPr>
+                        <a:defRPr/>
+                      </a:pPr>
+                      <a:r>
+                        <a:rPr sz="1200" b="0" i="0" u="none">
+                          <a:solidFill>
+                            <a:srgbClr val="000000"/>
+                          </a:solidFill>
+                          <a:latin typeface="Arial"/>
+                          <a:ea typeface="Arial"/>
+                          <a:cs typeface="Arial"/>
+                        </a:rPr>
+                        <a:t>Services PSN, Store (gravité 3/4 côté services)</a:t>
+                      </a:r>
+                      <a:endParaRPr>
+                        <a:latin typeface="Arial"/>
+                        <a:cs typeface="Arial"/>
+                      </a:endParaRPr>
+                    </a:p>
+                  </a:txBody>
+                  <a:tcPr anchor="ctr"/>
+                </a:tc>
+                <a:tc>
+                  <a:txBody>
+                    <a:bodyPr/>
+                    <a:p>
+                      <a:pPr algn="ctr">
+                        <a:defRPr/>
+                      </a:pPr>
+                      <a:r>
+                        <a:rPr sz="1200" b="1" i="0" u="none">
+                          <a:solidFill>
+                            <a:srgbClr val="000000"/>
+                          </a:solidFill>
+                          <a:latin typeface="Arial"/>
+                          <a:ea typeface="Arial"/>
+                          <a:cs typeface="Arial"/>
+                        </a:rPr>
+                        <a:t>3/4</a:t>
+                      </a:r>
+                      <a:endParaRPr>
+                        <a:latin typeface="Arial"/>
+                        <a:cs typeface="Arial"/>
+                      </a:endParaRPr>
+                    </a:p>
+                  </a:txBody>
+                  <a:tcPr anchor="ctr">
+                    <a:solidFill>
+                      <a:srgbClr val="FFC000"/>
+                    </a:solidFill>
+                  </a:tcPr>
+                </a:tc>
+                <a:tc>
+                  <a:txBody>
+                    <a:bodyPr/>
+                    <a:p>
+                      <a:pPr>
+                        <a:defRPr/>
+                      </a:pPr>
+                      <a:r>
+                        <a:rPr sz="1200" b="0" i="0" u="none">
+                          <a:solidFill>
+                            <a:srgbClr val="000000"/>
+                          </a:solidFill>
+                          <a:latin typeface="Arial"/>
+                          <a:ea typeface="Arial"/>
+                          <a:cs typeface="Arial"/>
+                        </a:rPr>
+                        <a:t>Financier, Image, Satisfaction client</a:t>
+                      </a:r>
+                      <a:endParaRPr>
+                        <a:latin typeface="Arial"/>
+                        <a:cs typeface="Arial"/>
+                      </a:endParaRPr>
+                    </a:p>
+                  </a:txBody>
+                  <a:tcPr anchor="ctr"/>
+                </a:tc>
+              </a:tr>
+            </a:tbl>
+          </a:graphicData>
+        </a:graphic>
+      </p:graphicFrame>
+    </p:spTree>
+  </p:cSld>
+  <p:clrMapOvr>
+    <a:masterClrMapping/>
+  </p:clrMapOvr>
+  <mc:AlternateContent xmlns:mc="http://schemas.openxmlformats.org/markup-compatibility/2006">
+    <mc:Choice xmlns:p159="http://schemas.microsoft.com/office/powerpoint/2015/09/main" xmlns:p14="http://schemas.microsoft.com/office/powerpoint/2010/main" Requires="p159">
+      <p:transition p14:dur="2000" advClick="1"/>
+    </mc:Choice>
+    <mc:Fallback>
+      <p:transition advClick="1"/>
+    </mc:Fallback>
+  </mc:AlternateContent>
+</p:sld>
+</file>
+
+<file path=ppt/slides/slide6.xml><?xml version="1.0" encoding="utf-8"?>
+<p:sld xmlns:a="http://schemas.openxmlformats.org/drawingml/2006/main" xmlns:r="http://schemas.openxmlformats.org/officeDocument/2006/relationships" xmlns:p="http://schemas.openxmlformats.org/presentationml/2006/main" xmlns:m="http://schemas.openxmlformats.org/officeDocument/2006/math" xmlns:w="http://schemas.openxmlformats.org/wordprocessingml/2006/main" xmlns:mc="http://schemas.openxmlformats.org/markup-compatibility/2006" showMasterPhAnim="0" showMasterSp="1" show="1">
+  <p:cSld name="">
+    <p:spTree>
+      <p:nvGrpSpPr>
+        <p:cNvPr id="1" name=""/>
+        <p:cNvGrpSpPr/>
+        <p:nvPr/>
+      </p:nvGrpSpPr>
+      <p:grpSpPr bwMode="auto">
+        <a:xfrm>
+          <a:off x="0" y="0"/>
+          <a:ext cx="0" cy="0"/>
+          <a:chOff x="0" y="0"/>
+          <a:chExt cx="0" cy="0"/>
+        </a:xfrm>
+      </p:grpSpPr>
+      <p:sp>
+        <p:nvSpPr>
+          <p:cNvPr id="540901651" name="Titre 1"/>
+          <p:cNvSpPr>
+            <a:spLocks noGrp="1"/>
+          </p:cNvSpPr>
+          <p:nvPr>
+            <p:ph type="title"/>
+          </p:nvPr>
+        </p:nvSpPr>
+        <p:spPr bwMode="auto">
+          <a:xfrm>
+            <a:off x="839787" y="365124"/>
+            <a:ext cx="10515600" cy="1325562"/>
+          </a:xfrm>
+        </p:spPr>
+        <p:txBody>
+          <a:bodyPr/>
+          <a:lstStyle/>
+          <a:p>
+            <a:pPr>
+              <a:defRPr/>
+            </a:pPr>
+            <a:r>
+              <a:rPr/>
+              <a:t>Chapitre 3 : Scénarios de menace</a:t>
+            </a:r>
+            <a:endParaRPr/>
+          </a:p>
+        </p:txBody>
+      </p:sp>
+      <p:graphicFrame>
+        <p:nvGraphicFramePr>
+          <p:cNvPr id="1666065481" name=""/>
+          <p:cNvGraphicFramePr>
+            <a:graphicFrameLocks xmlns:a="http://schemas.openxmlformats.org/drawingml/2006/main"/>
+          </p:cNvGraphicFramePr>
+          <p:nvPr/>
+        </p:nvGraphicFramePr>
+        <p:xfrm rot="0">
+          <a:off x="518464" y="1469571"/>
+          <a:ext cx="10002699" cy="5224779"/>
+        </p:xfrm>
+        <a:graphic>
+          <a:graphicData uri="http://schemas.openxmlformats.org/drawingml/2006/table">
+            <a:tbl>
+              <a:tblPr firstRow="1" firstCol="1" lastRow="0" lastCol="0" bandRow="1" bandCol="0">
+                <a:tableStyleId>{5940675A-B579-460E-94D1-54222C63F5DA}</a:tableStyleId>
+              </a:tblPr>
+              <a:tblGrid>
+                <a:gridCol w="855782"/>
+                <a:gridCol w="1828722"/>
+                <a:gridCol w="1889096"/>
+                <a:gridCol w="3380488"/>
+                <a:gridCol w="1093687"/>
+                <a:gridCol w="1988522"/>
+              </a:tblGrid>
+              <a:tr h="384810">
+                <a:tc>
+                  <a:txBody>
+                    <a:bodyPr/>
+                    <a:p>
+                      <a:pPr algn="ctr">
+                        <a:defRPr/>
+                      </a:pPr>
+                      <a:r>
+                        <a:rPr sz="1200" b="1" i="0" u="none">
+                          <a:solidFill>
+                            <a:srgbClr val="000000"/>
+                          </a:solidFill>
+                          <a:latin typeface="Arial"/>
+                          <a:ea typeface="Arial"/>
+                          <a:cs typeface="Arial"/>
+                        </a:rPr>
+                        <a:t>ID Scénario</a:t>
+                      </a:r>
+                      <a:endParaRPr>
+                        <a:latin typeface="Arial"/>
+                        <a:cs typeface="Arial"/>
+                      </a:endParaRPr>
+                    </a:p>
+                  </a:txBody>
+                  <a:tcPr anchor="ctr"/>
+                </a:tc>
+                <a:tc>
+                  <a:txBody>
+                    <a:bodyPr/>
+                    <a:p>
+                      <a:pPr algn="ctr">
+                        <a:defRPr/>
+                      </a:pPr>
+                      <a:r>
+                        <a:rPr sz="1200" b="1" i="0" u="none">
+                          <a:solidFill>
+                            <a:srgbClr val="000000"/>
+                          </a:solidFill>
+                          <a:latin typeface="Arial"/>
+                          <a:ea typeface="Arial"/>
+                          <a:cs typeface="Arial"/>
+                        </a:rPr>
+                        <a:t>Source de risque</a:t>
+                      </a:r>
+                      <a:endParaRPr>
+                        <a:latin typeface="Arial"/>
+                        <a:cs typeface="Arial"/>
+                      </a:endParaRPr>
+                    </a:p>
+                  </a:txBody>
+                  <a:tcPr anchor="ctr"/>
+                </a:tc>
+                <a:tc>
+                  <a:txBody>
+                    <a:bodyPr/>
+                    <a:p>
+                      <a:pPr algn="ctr">
+                        <a:defRPr/>
+                      </a:pPr>
+                      <a:r>
+                        <a:rPr sz="1200" b="1" i="0" u="none">
+                          <a:solidFill>
+                            <a:srgbClr val="000000"/>
+                          </a:solidFill>
+                          <a:latin typeface="Arial"/>
+                          <a:ea typeface="Arial"/>
+                          <a:cs typeface="Arial"/>
+                        </a:rPr>
+                        <a:t>ER ciblé</a:t>
+                      </a:r>
+                      <a:endParaRPr>
+                        <a:latin typeface="Arial"/>
+                        <a:cs typeface="Arial"/>
+                      </a:endParaRPr>
+                    </a:p>
+                  </a:txBody>
+                  <a:tcPr anchor="ctr"/>
+                </a:tc>
+                <a:tc>
+                  <a:txBody>
+                    <a:bodyPr/>
+                    <a:p>
+                      <a:pPr algn="ctr">
+                        <a:defRPr/>
+                      </a:pPr>
+                      <a:r>
+                        <a:rPr sz="1200" b="1" i="0" u="none">
+                          <a:solidFill>
+                            <a:srgbClr val="000000"/>
+                          </a:solidFill>
+                          <a:latin typeface="Arial"/>
+                          <a:ea typeface="Arial"/>
+                          <a:cs typeface="Arial"/>
+                        </a:rPr>
+                        <a:t>Description du scénario</a:t>
+                      </a:r>
+                      <a:endParaRPr>
+                        <a:latin typeface="Arial"/>
+                        <a:cs typeface="Arial"/>
+                      </a:endParaRPr>
+                    </a:p>
+                  </a:txBody>
+                  <a:tcPr anchor="ctr"/>
+                </a:tc>
+                <a:tc>
+                  <a:txBody>
+                    <a:bodyPr/>
+                    <a:p>
+                      <a:pPr algn="ctr">
+                        <a:defRPr/>
+                      </a:pPr>
+                      <a:r>
+                        <a:rPr sz="1200" b="1" i="0" u="none">
+                          <a:solidFill>
+                            <a:srgbClr val="000000"/>
+                          </a:solidFill>
+                          <a:latin typeface="Arial"/>
+                          <a:ea typeface="Arial"/>
+                          <a:cs typeface="Arial"/>
+                        </a:rPr>
+                        <a:t>Probabilité</a:t>
+                      </a:r>
+                      <a:endParaRPr>
+                        <a:latin typeface="Arial"/>
+                        <a:cs typeface="Arial"/>
+                      </a:endParaRPr>
+                    </a:p>
+                  </a:txBody>
+                  <a:tcPr anchor="ctr"/>
+                </a:tc>
+                <a:tc>
+                  <a:txBody>
+                    <a:bodyPr/>
+                    <a:p>
+                      <a:pPr algn="ctr">
+                        <a:defRPr/>
+                      </a:pPr>
+                      <a:r>
+                        <a:rPr sz="1200" b="1" i="0" u="none">
+                          <a:solidFill>
+                            <a:srgbClr val="000000"/>
+                          </a:solidFill>
+                          <a:latin typeface="Arial"/>
+                          <a:ea typeface="Arial"/>
+                          <a:cs typeface="Arial"/>
+                        </a:rPr>
+                        <a:t>Justification (à l’oral ou en note)</a:t>
+                      </a:r>
+                      <a:endParaRPr>
+                        <a:latin typeface="Arial"/>
+                        <a:cs typeface="Arial"/>
+                      </a:endParaRPr>
+                    </a:p>
+                  </a:txBody>
+                  <a:tcPr anchor="ctr"/>
+                </a:tc>
+              </a:tr>
+              <a:tr h="201930">
+                <a:tc>
+                  <a:txBody>
+                    <a:bodyPr/>
+                    <a:p>
+                      <a:pPr>
+                        <a:defRPr/>
+                      </a:pPr>
+                      <a:r>
+                        <a:rPr sz="1200" b="0" i="0" u="none">
+                          <a:solidFill>
+                            <a:srgbClr val="000000"/>
+                          </a:solidFill>
+                          <a:latin typeface="Arial"/>
+                          <a:ea typeface="Arial"/>
+                          <a:cs typeface="Arial"/>
+                        </a:rPr>
+                        <a:t>SM1</a:t>
+                      </a:r>
+                      <a:endParaRPr>
+                        <a:latin typeface="Arial"/>
+                        <a:cs typeface="Arial"/>
+                      </a:endParaRPr>
+                    </a:p>
+                  </a:txBody>
+                  <a:tcPr anchor="ctr"/>
+                </a:tc>
+                <a:tc>
+                  <a:txBody>
+                    <a:bodyPr/>
+                    <a:p>
+                      <a:pPr>
+                        <a:defRPr/>
+                      </a:pPr>
+                      <a:r>
+                        <a:rPr sz="1200" b="0" i="0" u="none">
+                          <a:solidFill>
+                            <a:srgbClr val="000000"/>
+                          </a:solidFill>
+                          <a:latin typeface="Arial"/>
+                          <a:ea typeface="Arial"/>
+                          <a:cs typeface="Arial"/>
+                        </a:rPr>
+                        <a:t>Joueurs – jouer à des jeux non authentiques</a:t>
+                      </a:r>
+                      <a:endParaRPr>
+                        <a:latin typeface="Arial"/>
+                        <a:cs typeface="Arial"/>
+                      </a:endParaRPr>
+                    </a:p>
+                  </a:txBody>
+                  <a:tcPr anchor="ctr"/>
+                </a:tc>
+                <a:tc>
+                  <a:txBody>
+                    <a:bodyPr/>
+                    <a:p>
+                      <a:pPr>
+                        <a:defRPr/>
+                      </a:pPr>
+                      <a:r>
+                        <a:rPr sz="1200" b="0" i="0" u="none">
+                          <a:solidFill>
+                            <a:srgbClr val="000000"/>
+                          </a:solidFill>
+                          <a:latin typeface="Arial"/>
+                          <a:ea typeface="Arial"/>
+                          <a:cs typeface="Arial"/>
+                        </a:rPr>
+                        <a:t>ER1 (piratage des jeux)</a:t>
+                      </a:r>
+                      <a:endParaRPr>
+                        <a:latin typeface="Arial"/>
+                        <a:cs typeface="Arial"/>
+                      </a:endParaRPr>
+                    </a:p>
+                  </a:txBody>
+                  <a:tcPr anchor="ctr"/>
+                </a:tc>
+                <a:tc>
+                  <a:txBody>
+                    <a:bodyPr/>
+                    <a:p>
+                      <a:pPr>
+                        <a:defRPr/>
+                      </a:pPr>
+                      <a:r>
+                        <a:rPr sz="1200" b="0" i="0" u="none">
+                          <a:solidFill>
+                            <a:srgbClr val="000000"/>
+                          </a:solidFill>
+                          <a:latin typeface="Arial"/>
+                          <a:ea typeface="Arial"/>
+                          <a:cs typeface="Arial"/>
+                        </a:rPr>
+                        <a:t>Un joueur suit un tutoriel (forum / YouTube) pour exploiter une faille du firmware, installer un custom firmware et lancer des jeux non authentiques.</a:t>
+                      </a:r>
+                      <a:endParaRPr>
+                        <a:latin typeface="Arial"/>
+                        <a:cs typeface="Arial"/>
+                      </a:endParaRPr>
+                    </a:p>
+                  </a:txBody>
+                  <a:tcPr anchor="ctr"/>
+                </a:tc>
+                <a:tc>
+                  <a:txBody>
+                    <a:bodyPr/>
+                    <a:p>
+                      <a:pPr algn="ctr">
+                        <a:defRPr/>
+                      </a:pPr>
+                      <a:r>
+                        <a:rPr sz="1200" b="1" i="0" u="none">
+                          <a:solidFill>
+                            <a:srgbClr val="000000"/>
+                          </a:solidFill>
+                          <a:latin typeface="Arial"/>
+                          <a:ea typeface="Arial"/>
+                          <a:cs typeface="Arial"/>
+                        </a:rPr>
+                        <a:t>+++</a:t>
+                      </a:r>
+                      <a:endParaRPr sz="1200" b="1" i="0" u="none">
+                        <a:solidFill>
+                          <a:srgbClr val="000000"/>
+                        </a:solidFill>
+                        <a:latin typeface="Arial"/>
+                        <a:cs typeface="Arial"/>
+                      </a:endParaRPr>
+                    </a:p>
+                    <a:p>
+                      <a:pPr algn="ctr">
+                        <a:defRPr/>
+                      </a:pPr>
+                      <a:r>
+                        <a:rPr sz="1200" b="1" i="0" u="none">
+                          <a:solidFill>
+                            <a:srgbClr val="000000"/>
+                          </a:solidFill>
+                          <a:latin typeface="Arial"/>
+                          <a:ea typeface="Arial"/>
+                          <a:cs typeface="Arial"/>
+                        </a:rPr>
+                        <a:t>Élevée</a:t>
+                      </a:r>
+                      <a:endParaRPr b="1">
+                        <a:latin typeface="Arial"/>
+                        <a:cs typeface="Arial"/>
+                      </a:endParaRPr>
+                    </a:p>
+                  </a:txBody>
+                  <a:tcPr anchor="ctr">
+                    <a:solidFill>
+                      <a:srgbClr val="FF0000"/>
+                    </a:solidFill>
+                  </a:tcPr>
+                </a:tc>
+                <a:tc>
+                  <a:txBody>
+                    <a:bodyPr/>
+                    <a:p>
+                      <a:pPr>
+                        <a:defRPr/>
+                      </a:pPr>
+                      <a:r>
+                        <a:rPr sz="1200" b="0" i="0" u="none">
+                          <a:solidFill>
+                            <a:srgbClr val="000000"/>
+                          </a:solidFill>
+                          <a:latin typeface="Arial"/>
+                          <a:ea typeface="Arial"/>
+                          <a:cs typeface="Arial"/>
+                        </a:rPr>
+                        <a:t>Motivation +++ ; Activité ++ ; Pertinence élevée → probabilité forte</a:t>
+                      </a:r>
+                      <a:endParaRPr>
+                        <a:latin typeface="Arial"/>
+                        <a:cs typeface="Arial"/>
+                      </a:endParaRPr>
+                    </a:p>
+                  </a:txBody>
+                  <a:tcPr anchor="ctr"/>
+                </a:tc>
+              </a:tr>
+              <a:tr h="384810">
+                <a:tc>
+                  <a:txBody>
+                    <a:bodyPr/>
+                    <a:p>
+                      <a:pPr>
+                        <a:defRPr/>
+                      </a:pPr>
+                      <a:r>
+                        <a:rPr sz="1200" b="0" i="0" u="none">
+                          <a:solidFill>
+                            <a:srgbClr val="000000"/>
+                          </a:solidFill>
+                          <a:latin typeface="Arial"/>
+                          <a:ea typeface="Arial"/>
+                          <a:cs typeface="Arial"/>
+                        </a:rPr>
+                        <a:t>SM2</a:t>
+                      </a:r>
+                      <a:endParaRPr>
+                        <a:latin typeface="Arial"/>
+                        <a:cs typeface="Arial"/>
+                      </a:endParaRPr>
+                    </a:p>
+                  </a:txBody>
+                  <a:tcPr anchor="ctr"/>
+                </a:tc>
+                <a:tc>
+                  <a:txBody>
+                    <a:bodyPr/>
+                    <a:p>
+                      <a:pPr>
+                        <a:defRPr/>
+                      </a:pPr>
+                      <a:r>
+                        <a:rPr sz="1200" b="0" i="0" u="none">
+                          <a:solidFill>
+                            <a:srgbClr val="000000"/>
+                          </a:solidFill>
+                          <a:latin typeface="Arial"/>
+                          <a:ea typeface="Arial"/>
+                          <a:cs typeface="Arial"/>
+                        </a:rPr>
+                        <a:t>Joueurs – émuler la console originelle</a:t>
+                      </a:r>
+                      <a:endParaRPr>
+                        <a:latin typeface="Arial"/>
+                        <a:cs typeface="Arial"/>
+                      </a:endParaRPr>
+                    </a:p>
+                  </a:txBody>
+                  <a:tcPr anchor="ctr"/>
+                </a:tc>
+                <a:tc>
+                  <a:txBody>
+                    <a:bodyPr/>
+                    <a:p>
+                      <a:pPr>
+                        <a:defRPr/>
+                      </a:pPr>
+                      <a:r>
+                        <a:rPr sz="1200" b="0" i="0" u="none">
+                          <a:solidFill>
+                            <a:srgbClr val="000000"/>
+                          </a:solidFill>
+                          <a:latin typeface="Arial"/>
+                          <a:ea typeface="Arial"/>
+                          <a:cs typeface="Arial"/>
+                        </a:rPr>
+                        <a:t>ER1 / ER7</a:t>
+                      </a:r>
+                      <a:endParaRPr>
+                        <a:latin typeface="Arial"/>
+                        <a:cs typeface="Arial"/>
+                      </a:endParaRPr>
+                    </a:p>
+                  </a:txBody>
+                  <a:tcPr anchor="ctr"/>
+                </a:tc>
+                <a:tc>
+                  <a:txBody>
+                    <a:bodyPr/>
+                    <a:p>
+                      <a:pPr>
+                        <a:defRPr/>
+                      </a:pPr>
+                      <a:r>
+                        <a:rPr sz="1200" b="0" i="0" u="none">
+                          <a:solidFill>
+                            <a:srgbClr val="000000"/>
+                          </a:solidFill>
+                          <a:latin typeface="Arial"/>
+                          <a:ea typeface="Arial"/>
+                          <a:cs typeface="Arial"/>
+                        </a:rPr>
+                        <a:t>Des communautés d’émulation analysent les binaires et le firmware pour développer un émulateur PS4 sur PC, permettant de lancer des jeux sans console.</a:t>
+                      </a:r>
+                      <a:endParaRPr>
+                        <a:latin typeface="Arial"/>
+                        <a:cs typeface="Arial"/>
+                      </a:endParaRPr>
+                    </a:p>
+                  </a:txBody>
+                  <a:tcPr anchor="ctr"/>
+                </a:tc>
+                <a:tc>
+                  <a:txBody>
+                    <a:bodyPr/>
+                    <a:p>
+                      <a:pPr algn="ctr">
+                        <a:defRPr/>
+                      </a:pPr>
+                      <a:r>
+                        <a:rPr sz="1200" b="1" i="0" u="none">
+                          <a:solidFill>
+                            <a:srgbClr val="000000"/>
+                          </a:solidFill>
+                          <a:latin typeface="Arial"/>
+                          <a:ea typeface="Arial"/>
+                          <a:cs typeface="Arial"/>
+                        </a:rPr>
+                        <a:t>++</a:t>
+                      </a:r>
+                      <a:endParaRPr sz="1200" b="1" i="0" u="none">
+                        <a:solidFill>
+                          <a:srgbClr val="000000"/>
+                        </a:solidFill>
+                        <a:latin typeface="Arial"/>
+                        <a:cs typeface="Arial"/>
+                      </a:endParaRPr>
+                    </a:p>
+                    <a:p>
+                      <a:pPr algn="ctr">
+                        <a:defRPr/>
+                      </a:pPr>
+                      <a:r>
+                        <a:rPr sz="1200" b="1" i="0" u="none">
+                          <a:solidFill>
+                            <a:srgbClr val="000000"/>
+                          </a:solidFill>
+                          <a:latin typeface="Arial"/>
+                          <a:ea typeface="Arial"/>
+                          <a:cs typeface="Arial"/>
+                        </a:rPr>
+                        <a:t>Moyenne</a:t>
+                      </a:r>
+                      <a:endParaRPr b="1">
+                        <a:latin typeface="Arial"/>
+                        <a:cs typeface="Arial"/>
+                      </a:endParaRPr>
+                    </a:p>
+                  </a:txBody>
+                  <a:tcPr anchor="ctr">
+                    <a:solidFill>
+                      <a:srgbClr val="FFFF00"/>
+                    </a:solidFill>
+                  </a:tcPr>
+                </a:tc>
+                <a:tc>
+                  <a:txBody>
+                    <a:bodyPr/>
+                    <a:p>
+                      <a:pPr>
+                        <a:defRPr/>
+                      </a:pPr>
+                      <a:r>
+                        <a:rPr sz="1200" b="0" i="0" u="none">
+                          <a:solidFill>
+                            <a:srgbClr val="000000"/>
+                          </a:solidFill>
+                          <a:latin typeface="Arial"/>
+                          <a:ea typeface="Arial"/>
+                          <a:cs typeface="Arial"/>
+                        </a:rPr>
+                        <a:t>Motivation ++ ; Ressources + ; Activité +++ → probabilité moyenne à forte</a:t>
+                      </a:r>
+                      <a:endParaRPr>
+                        <a:latin typeface="Arial"/>
+                        <a:cs typeface="Arial"/>
+                      </a:endParaRPr>
+                    </a:p>
+                  </a:txBody>
+                  <a:tcPr anchor="ctr"/>
+                </a:tc>
+              </a:tr>
+              <a:tr h="201930">
+                <a:tc>
+                  <a:txBody>
+                    <a:bodyPr/>
+                    <a:p>
+                      <a:pPr>
+                        <a:defRPr/>
+                      </a:pPr>
+                      <a:r>
+                        <a:rPr sz="1200" b="0" i="0" u="none">
+                          <a:solidFill>
+                            <a:srgbClr val="000000"/>
+                          </a:solidFill>
+                          <a:latin typeface="Arial"/>
+                          <a:ea typeface="Arial"/>
+                          <a:cs typeface="Arial"/>
+                        </a:rPr>
+                        <a:t>SM3</a:t>
+                      </a:r>
+                      <a:endParaRPr>
+                        <a:latin typeface="Arial"/>
+                        <a:cs typeface="Arial"/>
+                      </a:endParaRPr>
+                    </a:p>
+                  </a:txBody>
+                  <a:tcPr anchor="ctr"/>
+                </a:tc>
+                <a:tc>
+                  <a:txBody>
+                    <a:bodyPr/>
+                    <a:p>
+                      <a:pPr>
+                        <a:defRPr/>
+                      </a:pPr>
+                      <a:r>
+                        <a:rPr sz="1200" b="0" i="0" u="none">
+                          <a:solidFill>
+                            <a:srgbClr val="000000"/>
+                          </a:solidFill>
+                          <a:latin typeface="Arial"/>
+                          <a:ea typeface="Arial"/>
+                          <a:cs typeface="Arial"/>
+                        </a:rPr>
+                        <a:t>Escrocs – vol de coordonnées bancaires</a:t>
+                      </a:r>
+                      <a:endParaRPr>
+                        <a:latin typeface="Arial"/>
+                        <a:cs typeface="Arial"/>
+                      </a:endParaRPr>
+                    </a:p>
+                  </a:txBody>
+                  <a:tcPr anchor="ctr"/>
+                </a:tc>
+                <a:tc>
+                  <a:txBody>
+                    <a:bodyPr/>
+                    <a:p>
+                      <a:pPr>
+                        <a:defRPr/>
+                      </a:pPr>
+                      <a:r>
+                        <a:rPr sz="1200" b="0" i="0" u="none">
+                          <a:solidFill>
+                            <a:srgbClr val="000000"/>
+                          </a:solidFill>
+                          <a:latin typeface="Arial"/>
+                          <a:ea typeface="Arial"/>
+                          <a:cs typeface="Arial"/>
+                        </a:rPr>
+                        <a:t>ER3 (données bancaires)</a:t>
+                      </a:r>
+                      <a:endParaRPr>
+                        <a:latin typeface="Arial"/>
+                        <a:cs typeface="Arial"/>
+                      </a:endParaRPr>
+                    </a:p>
+                  </a:txBody>
+                  <a:tcPr anchor="ctr"/>
+                </a:tc>
+                <a:tc>
+                  <a:txBody>
+                    <a:bodyPr/>
+                    <a:p>
+                      <a:pPr>
+                        <a:defRPr/>
+                      </a:pPr>
+                      <a:r>
+                        <a:rPr sz="1200" b="0" i="0" u="none">
+                          <a:solidFill>
+                            <a:srgbClr val="000000"/>
+                          </a:solidFill>
+                          <a:latin typeface="Arial"/>
+                          <a:ea typeface="Arial"/>
+                          <a:cs typeface="Arial"/>
+                        </a:rPr>
+                        <a:t>Des cybercriminels mettent en place des pages de phishing imitant le PS Store / PSN pour récupérer les identifiants et données CB des joueurs.</a:t>
+                      </a:r>
+                      <a:endParaRPr>
+                        <a:latin typeface="Arial"/>
+                        <a:cs typeface="Arial"/>
+                      </a:endParaRPr>
+                    </a:p>
+                  </a:txBody>
+                  <a:tcPr anchor="ctr"/>
+                </a:tc>
+                <a:tc>
+                  <a:txBody>
+                    <a:bodyPr/>
+                    <a:p>
+                      <a:pPr algn="ctr">
+                        <a:defRPr/>
+                      </a:pPr>
+                      <a:r>
+                        <a:rPr sz="1200" b="1" i="0" u="none">
+                          <a:solidFill>
+                            <a:srgbClr val="000000"/>
+                          </a:solidFill>
+                          <a:latin typeface="Arial"/>
+                          <a:ea typeface="Arial"/>
+                          <a:cs typeface="Arial"/>
+                        </a:rPr>
+                        <a:t>+++</a:t>
+                      </a:r>
+                      <a:endParaRPr sz="1200" b="1" i="0" u="none">
+                        <a:solidFill>
+                          <a:srgbClr val="000000"/>
+                        </a:solidFill>
+                        <a:latin typeface="Arial"/>
+                        <a:cs typeface="Arial"/>
+                      </a:endParaRPr>
+                    </a:p>
+                    <a:p>
+                      <a:pPr algn="ctr">
+                        <a:defRPr/>
+                      </a:pPr>
+                      <a:r>
+                        <a:rPr sz="1200" b="1" i="0" u="none">
+                          <a:solidFill>
+                            <a:srgbClr val="000000"/>
+                          </a:solidFill>
+                          <a:latin typeface="Arial"/>
+                          <a:ea typeface="Arial"/>
+                          <a:cs typeface="Arial"/>
+                        </a:rPr>
+                        <a:t>Élevée</a:t>
+                      </a:r>
+                      <a:endParaRPr b="1">
+                        <a:latin typeface="Arial"/>
+                        <a:cs typeface="Arial"/>
+                      </a:endParaRPr>
+                    </a:p>
+                  </a:txBody>
+                  <a:tcPr anchor="ctr">
+                    <a:solidFill>
+                      <a:srgbClr val="FF0000"/>
+                    </a:solidFill>
+                  </a:tcPr>
+                </a:tc>
+                <a:tc>
+                  <a:txBody>
+                    <a:bodyPr/>
+                    <a:p>
+                      <a:pPr>
+                        <a:defRPr/>
+                      </a:pPr>
+                      <a:r>
+                        <a:rPr sz="1200" b="0" i="0" u="none">
+                          <a:solidFill>
+                            <a:srgbClr val="000000"/>
+                          </a:solidFill>
+                          <a:latin typeface="Arial"/>
+                          <a:ea typeface="Arial"/>
+                          <a:cs typeface="Arial"/>
+                        </a:rPr>
+                        <a:t>Motivation +++ ; Ressources +++ ; Activité +++ ; Pertinence élevée</a:t>
+                      </a:r>
+                      <a:endParaRPr>
+                        <a:latin typeface="Arial"/>
+                        <a:cs typeface="Arial"/>
+                      </a:endParaRPr>
+                    </a:p>
+                  </a:txBody>
+                  <a:tcPr anchor="ctr"/>
+                </a:tc>
+              </a:tr>
+              <a:tr h="384810">
+                <a:tc>
+                  <a:txBody>
+                    <a:bodyPr/>
+                    <a:p>
+                      <a:pPr>
+                        <a:defRPr/>
+                      </a:pPr>
+                      <a:r>
+                        <a:rPr sz="1200" b="0" i="0" u="none">
+                          <a:solidFill>
+                            <a:srgbClr val="000000"/>
+                          </a:solidFill>
+                          <a:latin typeface="Arial"/>
+                          <a:ea typeface="Arial"/>
+                          <a:cs typeface="Arial"/>
+                        </a:rPr>
+                        <a:t>SM4</a:t>
+                      </a:r>
+                      <a:endParaRPr>
+                        <a:latin typeface="Arial"/>
+                        <a:cs typeface="Arial"/>
+                      </a:endParaRPr>
+                    </a:p>
+                  </a:txBody>
+                  <a:tcPr anchor="ctr"/>
+                </a:tc>
+                <a:tc>
+                  <a:txBody>
+                    <a:bodyPr/>
+                    <a:p>
+                      <a:pPr>
+                        <a:defRPr/>
+                      </a:pPr>
+                      <a:r>
+                        <a:rPr sz="1200" b="0" i="0" u="none">
+                          <a:solidFill>
+                            <a:srgbClr val="000000"/>
+                          </a:solidFill>
+                          <a:latin typeface="Arial"/>
+                          <a:ea typeface="Arial"/>
+                          <a:cs typeface="Arial"/>
+                        </a:rPr>
+                        <a:t>Escrocs – vol de comptes PSN / données utilisateur</a:t>
+                      </a:r>
+                      <a:endParaRPr>
+                        <a:latin typeface="Arial"/>
+                        <a:cs typeface="Arial"/>
+                      </a:endParaRPr>
+                    </a:p>
+                  </a:txBody>
+                  <a:tcPr anchor="ctr"/>
+                </a:tc>
+                <a:tc>
+                  <a:txBody>
+                    <a:bodyPr/>
+                    <a:p>
+                      <a:pPr>
+                        <a:defRPr/>
+                      </a:pPr>
+                      <a:r>
+                        <a:rPr sz="1200" b="0" i="0" u="none">
+                          <a:solidFill>
+                            <a:srgbClr val="000000"/>
+                          </a:solidFill>
+                          <a:latin typeface="Arial"/>
+                          <a:ea typeface="Arial"/>
+                          <a:cs typeface="Arial"/>
+                        </a:rPr>
+                        <a:t>ER5 (compte et données)</a:t>
+                      </a:r>
+                      <a:endParaRPr>
+                        <a:latin typeface="Arial"/>
+                        <a:cs typeface="Arial"/>
+                      </a:endParaRPr>
+                    </a:p>
+                  </a:txBody>
+                  <a:tcPr anchor="ctr"/>
+                </a:tc>
+                <a:tc>
+                  <a:txBody>
+                    <a:bodyPr/>
+                    <a:p>
+                      <a:pPr>
+                        <a:defRPr/>
+                      </a:pPr>
+                      <a:r>
+                        <a:rPr sz="1200" b="0" i="0" u="none">
+                          <a:solidFill>
+                            <a:srgbClr val="000000"/>
+                          </a:solidFill>
+                          <a:latin typeface="Arial"/>
+                          <a:ea typeface="Arial"/>
+                          <a:cs typeface="Arial"/>
+                        </a:rPr>
+                        <a:t>Attaques par phishing, récupération de mots de passe réutilisés, puis accès aux comptes PSN (e-mail/mdp) et historique.</a:t>
+                      </a:r>
+                      <a:endParaRPr>
+                        <a:latin typeface="Arial"/>
+                        <a:cs typeface="Arial"/>
+                      </a:endParaRPr>
+                    </a:p>
+                  </a:txBody>
+                  <a:tcPr anchor="ctr"/>
+                </a:tc>
+                <a:tc>
+                  <a:txBody>
+                    <a:bodyPr/>
+                    <a:p>
+                      <a:pPr algn="ctr">
+                        <a:defRPr/>
+                      </a:pPr>
+                      <a:r>
+                        <a:rPr sz="1200" b="1" i="0" u="none">
+                          <a:solidFill>
+                            <a:srgbClr val="000000"/>
+                          </a:solidFill>
+                          <a:latin typeface="Arial"/>
+                          <a:ea typeface="Arial"/>
+                          <a:cs typeface="Arial"/>
+                        </a:rPr>
+                        <a:t>++</a:t>
+                      </a:r>
+                      <a:endParaRPr sz="1200" b="1" i="0" u="none">
+                        <a:solidFill>
+                          <a:srgbClr val="000000"/>
+                        </a:solidFill>
+                        <a:latin typeface="Arial"/>
+                        <a:cs typeface="Arial"/>
+                      </a:endParaRPr>
+                    </a:p>
+                    <a:p>
+                      <a:pPr algn="ctr">
+                        <a:defRPr/>
+                      </a:pPr>
+                      <a:r>
+                        <a:rPr sz="1200" b="1" i="0" u="none">
+                          <a:solidFill>
+                            <a:srgbClr val="000000"/>
+                          </a:solidFill>
+                          <a:latin typeface="Arial"/>
+                          <a:ea typeface="Arial"/>
+                          <a:cs typeface="Arial"/>
+                        </a:rPr>
+                        <a:t>Moyenne</a:t>
+                      </a:r>
+                      <a:endParaRPr b="1">
+                        <a:latin typeface="Arial"/>
+                        <a:cs typeface="Arial"/>
+                      </a:endParaRPr>
+                    </a:p>
+                  </a:txBody>
+                  <a:tcPr anchor="ctr">
+                    <a:solidFill>
+                      <a:srgbClr val="FFFF00"/>
+                    </a:solidFill>
+                  </a:tcPr>
+                </a:tc>
+                <a:tc>
+                  <a:txBody>
+                    <a:bodyPr/>
+                    <a:p>
+                      <a:pPr>
+                        <a:defRPr/>
+                      </a:pPr>
+                      <a:r>
+                        <a:rPr sz="1200" b="0" i="0" u="none">
+                          <a:solidFill>
+                            <a:srgbClr val="000000"/>
+                          </a:solidFill>
+                          <a:latin typeface="Arial"/>
+                          <a:ea typeface="Arial"/>
+                          <a:cs typeface="Arial"/>
+                        </a:rPr>
+                        <a:t>Même profil que SM3, mais cible les comptes plutôt que la CB</a:t>
+                      </a:r>
+                      <a:endParaRPr>
+                        <a:latin typeface="Arial"/>
+                        <a:cs typeface="Arial"/>
+                      </a:endParaRPr>
+                    </a:p>
+                  </a:txBody>
+                  <a:tcPr anchor="ctr"/>
+                </a:tc>
+              </a:tr>
+              <a:tr h="384810">
+                <a:tc>
+                  <a:txBody>
+                    <a:bodyPr/>
+                    <a:p>
+                      <a:pPr>
+                        <a:defRPr/>
+                      </a:pPr>
+                      <a:r>
+                        <a:rPr sz="1200" b="0" i="0" u="none">
+                          <a:solidFill>
+                            <a:srgbClr val="000000"/>
+                          </a:solidFill>
+                          <a:latin typeface="Arial"/>
+                          <a:ea typeface="Arial"/>
+                          <a:cs typeface="Arial"/>
+                        </a:rPr>
+                        <a:t>SM5</a:t>
+                      </a:r>
+                      <a:endParaRPr>
+                        <a:latin typeface="Arial"/>
+                        <a:cs typeface="Arial"/>
+                      </a:endParaRPr>
+                    </a:p>
+                  </a:txBody>
+                  <a:tcPr anchor="ctr"/>
+                </a:tc>
+                <a:tc>
+                  <a:txBody>
+                    <a:bodyPr/>
+                    <a:p>
+                      <a:pPr>
+                        <a:defRPr/>
+                      </a:pPr>
+                      <a:r>
+                        <a:rPr sz="1200" b="0" i="0" u="none">
+                          <a:solidFill>
+                            <a:srgbClr val="000000"/>
+                          </a:solidFill>
+                          <a:latin typeface="Arial"/>
+                          <a:ea typeface="Arial"/>
+                          <a:cs typeface="Arial"/>
+                        </a:rPr>
+                        <a:t>Concurrents – cloner partiellement la console</a:t>
+                      </a:r>
+                      <a:endParaRPr>
+                        <a:latin typeface="Arial"/>
+                        <a:cs typeface="Arial"/>
+                      </a:endParaRPr>
+                    </a:p>
+                  </a:txBody>
+                  <a:tcPr anchor="ctr"/>
+                </a:tc>
+                <a:tc>
+                  <a:txBody>
+                    <a:bodyPr/>
+                    <a:p>
+                      <a:pPr>
+                        <a:defRPr/>
+                      </a:pPr>
+                      <a:r>
+                        <a:rPr sz="1200" b="0" i="0" u="none">
+                          <a:solidFill>
+                            <a:srgbClr val="000000"/>
+                          </a:solidFill>
+                          <a:latin typeface="Arial"/>
+                          <a:ea typeface="Arial"/>
+                          <a:cs typeface="Arial"/>
+                        </a:rPr>
+                        <a:t>ER1 / ER2</a:t>
+                      </a:r>
+                      <a:endParaRPr>
+                        <a:latin typeface="Arial"/>
+                        <a:cs typeface="Arial"/>
+                      </a:endParaRPr>
+                    </a:p>
+                  </a:txBody>
+                  <a:tcPr anchor="ctr"/>
+                </a:tc>
+                <a:tc>
+                  <a:txBody>
+                    <a:bodyPr/>
+                    <a:p>
+                      <a:pPr>
+                        <a:defRPr/>
+                      </a:pPr>
+                      <a:r>
+                        <a:rPr sz="1200" b="0" i="0" u="none">
+                          <a:solidFill>
+                            <a:srgbClr val="000000"/>
+                          </a:solidFill>
+                          <a:latin typeface="Arial"/>
+                          <a:ea typeface="Arial"/>
+                          <a:cs typeface="Arial"/>
+                        </a:rPr>
+                        <a:t>Un concurrent analyse la console (reverse engineering) pour reproduire certaines fonctions matérielles/logicielles ou contourner des protections.</a:t>
+                      </a:r>
+                      <a:endParaRPr>
+                        <a:latin typeface="Arial"/>
+                        <a:cs typeface="Arial"/>
+                      </a:endParaRPr>
+                    </a:p>
+                  </a:txBody>
+                  <a:tcPr anchor="ctr"/>
+                </a:tc>
+                <a:tc>
+                  <a:txBody>
+                    <a:bodyPr/>
+                    <a:p>
+                      <a:pPr algn="ctr">
+                        <a:defRPr/>
+                      </a:pPr>
+                      <a:r>
+                        <a:rPr sz="1200" b="1" i="0" u="none">
+                          <a:solidFill>
+                            <a:srgbClr val="000000"/>
+                          </a:solidFill>
+                          <a:latin typeface="Arial"/>
+                          <a:ea typeface="Arial"/>
+                          <a:cs typeface="Arial"/>
+                        </a:rPr>
+                        <a:t>+</a:t>
+                      </a:r>
+                      <a:endParaRPr sz="1200" b="1" i="0" u="none">
+                        <a:solidFill>
+                          <a:srgbClr val="000000"/>
+                        </a:solidFill>
+                        <a:latin typeface="Arial"/>
+                        <a:cs typeface="Arial"/>
+                      </a:endParaRPr>
+                    </a:p>
+                    <a:p>
+                      <a:pPr algn="ctr">
+                        <a:defRPr/>
+                      </a:pPr>
+                      <a:r>
+                        <a:rPr sz="1200" b="1" i="0" u="none">
+                          <a:solidFill>
+                            <a:srgbClr val="000000"/>
+                          </a:solidFill>
+                          <a:latin typeface="Arial"/>
+                          <a:ea typeface="Arial"/>
+                          <a:cs typeface="Arial"/>
+                        </a:rPr>
+                        <a:t>Faible</a:t>
+                      </a:r>
+                      <a:endParaRPr b="1">
+                        <a:latin typeface="Arial"/>
+                        <a:cs typeface="Arial"/>
+                      </a:endParaRPr>
+                    </a:p>
+                  </a:txBody>
+                  <a:tcPr anchor="ctr">
+                    <a:solidFill>
+                      <a:srgbClr val="00B050"/>
+                    </a:solidFill>
+                  </a:tcPr>
+                </a:tc>
+                <a:tc>
+                  <a:txBody>
+                    <a:bodyPr/>
+                    <a:p>
+                      <a:pPr>
+                        <a:defRPr/>
+                      </a:pPr>
+                      <a:r>
+                        <a:rPr sz="1200" b="0" i="0" u="none">
+                          <a:solidFill>
+                            <a:srgbClr val="000000"/>
+                          </a:solidFill>
+                          <a:latin typeface="Arial"/>
+                          <a:ea typeface="Arial"/>
+                          <a:cs typeface="Arial"/>
+                        </a:rPr>
+                        <a:t>Motivation + ; Activité + ; Ressources +++ mais risque juridique → probabilité faible</a:t>
+                      </a:r>
+                      <a:endParaRPr>
+                        <a:latin typeface="Arial"/>
+                        <a:cs typeface="Arial"/>
+                      </a:endParaRPr>
+                    </a:p>
+                  </a:txBody>
+                  <a:tcPr anchor="ctr"/>
+                </a:tc>
+              </a:tr>
+              <a:tr h="384810">
+                <a:tc>
+                  <a:txBody>
+                    <a:bodyPr/>
+                    <a:p>
+                      <a:pPr>
+                        <a:defRPr/>
+                      </a:pPr>
+                      <a:r>
+                        <a:rPr sz="1200" b="0" i="0" u="none">
+                          <a:solidFill>
+                            <a:srgbClr val="000000"/>
+                          </a:solidFill>
+                          <a:latin typeface="Arial"/>
+                          <a:ea typeface="Arial"/>
+                          <a:cs typeface="Arial"/>
+                        </a:rPr>
+                        <a:t>SM6</a:t>
+                      </a:r>
+                      <a:endParaRPr>
+                        <a:latin typeface="Arial"/>
+                        <a:cs typeface="Arial"/>
+                      </a:endParaRPr>
+                    </a:p>
+                  </a:txBody>
+                  <a:tcPr anchor="ctr"/>
+                </a:tc>
+                <a:tc>
+                  <a:txBody>
+                    <a:bodyPr/>
+                    <a:p>
+                      <a:pPr>
+                        <a:defRPr/>
+                      </a:pPr>
+                      <a:r>
+                        <a:rPr sz="1200" b="0" i="0" u="none">
+                          <a:solidFill>
+                            <a:srgbClr val="000000"/>
+                          </a:solidFill>
+                          <a:latin typeface="Arial"/>
+                          <a:ea typeface="Arial"/>
+                          <a:cs typeface="Arial"/>
+                        </a:rPr>
+                        <a:t>Concurrents – rendre la console injouable pour nuire à l’image</a:t>
+                      </a:r>
+                      <a:endParaRPr>
+                        <a:latin typeface="Arial"/>
+                        <a:cs typeface="Arial"/>
+                      </a:endParaRPr>
+                    </a:p>
+                  </a:txBody>
+                  <a:tcPr anchor="ctr"/>
+                </a:tc>
+                <a:tc>
+                  <a:txBody>
+                    <a:bodyPr/>
+                    <a:p>
+                      <a:pPr>
+                        <a:defRPr/>
+                      </a:pPr>
+                      <a:r>
+                        <a:rPr sz="1200" b="0" i="0" u="none">
+                          <a:solidFill>
+                            <a:srgbClr val="000000"/>
+                          </a:solidFill>
+                          <a:latin typeface="Arial"/>
+                          <a:ea typeface="Arial"/>
+                          <a:cs typeface="Arial"/>
+                        </a:rPr>
+                        <a:t>ER2 / ER7</a:t>
+                      </a:r>
+                      <a:endParaRPr>
+                        <a:latin typeface="Arial"/>
+                        <a:cs typeface="Arial"/>
+                      </a:endParaRPr>
+                    </a:p>
+                  </a:txBody>
+                  <a:tcPr anchor="ctr"/>
+                </a:tc>
+                <a:tc>
+                  <a:txBody>
+                    <a:bodyPr/>
+                    <a:p>
+                      <a:pPr>
+                        <a:defRPr/>
+                      </a:pPr>
+                      <a:r>
+                        <a:rPr sz="1200" b="0" i="0" u="none">
+                          <a:solidFill>
+                            <a:srgbClr val="000000"/>
+                          </a:solidFill>
+                          <a:latin typeface="Arial"/>
+                          <a:ea typeface="Arial"/>
+                          <a:cs typeface="Arial"/>
+                        </a:rPr>
+                        <a:t>Hypothèse de sabotage (exemple théorique) via exploitation de vulnérabilités ou campagnes de désinformation sur la stabilité de la console.</a:t>
+                      </a:r>
+                      <a:endParaRPr>
+                        <a:latin typeface="Arial"/>
+                        <a:cs typeface="Arial"/>
+                      </a:endParaRPr>
+                    </a:p>
+                  </a:txBody>
+                  <a:tcPr anchor="ctr"/>
+                </a:tc>
+                <a:tc>
+                  <a:txBody>
+                    <a:bodyPr/>
+                    <a:p>
+                      <a:pPr algn="ctr">
+                        <a:defRPr/>
+                      </a:pPr>
+                      <a:r>
+                        <a:rPr sz="1200" b="1" i="0" u="none">
+                          <a:solidFill>
+                            <a:srgbClr val="000000"/>
+                          </a:solidFill>
+                          <a:latin typeface="Arial"/>
+                          <a:ea typeface="Arial"/>
+                          <a:cs typeface="Arial"/>
+                        </a:rPr>
+                        <a:t>+</a:t>
+                      </a:r>
+                      <a:endParaRPr sz="1200" b="1" i="0" u="none">
+                        <a:solidFill>
+                          <a:srgbClr val="000000"/>
+                        </a:solidFill>
+                        <a:latin typeface="Arial"/>
+                        <a:cs typeface="Arial"/>
+                      </a:endParaRPr>
+                    </a:p>
+                    <a:p>
+                      <a:pPr algn="ctr">
+                        <a:defRPr/>
+                      </a:pPr>
+                      <a:r>
+                        <a:rPr sz="1200" b="1" i="0" u="none">
+                          <a:solidFill>
+                            <a:srgbClr val="000000"/>
+                          </a:solidFill>
+                          <a:latin typeface="Arial"/>
+                          <a:ea typeface="Arial"/>
+                          <a:cs typeface="Arial"/>
+                        </a:rPr>
+                        <a:t>Faible</a:t>
+                      </a:r>
+                      <a:endParaRPr b="1">
+                        <a:latin typeface="Arial"/>
+                        <a:cs typeface="Arial"/>
+                      </a:endParaRPr>
+                    </a:p>
+                  </a:txBody>
+                  <a:tcPr anchor="ctr">
+                    <a:solidFill>
+                      <a:srgbClr val="00B050"/>
+                    </a:solidFill>
+                  </a:tcPr>
+                </a:tc>
+                <a:tc>
+                  <a:txBody>
+                    <a:bodyPr/>
+                    <a:p>
+                      <a:pPr>
+                        <a:defRPr/>
+                      </a:pPr>
+                      <a:r>
+                        <a:rPr sz="1200" b="0" i="0" u="none">
+                          <a:solidFill>
+                            <a:srgbClr val="000000"/>
+                          </a:solidFill>
+                          <a:latin typeface="Arial"/>
+                          <a:ea typeface="Arial"/>
+                          <a:cs typeface="Arial"/>
+                        </a:rPr>
+                        <a:t>Pertinence faible selon ton tableau ; scénario très spéculatif</a:t>
+                      </a:r>
+                      <a:endParaRPr>
+                        <a:latin typeface="Arial"/>
+                        <a:cs typeface="Arial"/>
+                      </a:endParaRPr>
+                    </a:p>
+                  </a:txBody>
+                  <a:tcPr anchor="ctr"/>
+                </a:tc>
+              </a:tr>
+            </a:tbl>
+          </a:graphicData>
+        </a:graphic>
+      </p:graphicFrame>
+    </p:spTree>
+  </p:cSld>
+  <p:clrMapOvr>
+    <a:masterClrMapping/>
+  </p:clrMapOvr>
+  <mc:AlternateContent xmlns:mc="http://schemas.openxmlformats.org/markup-compatibility/2006">
+    <mc:Choice xmlns:p159="http://schemas.microsoft.com/office/powerpoint/2015/09/main" xmlns:p14="http://schemas.microsoft.com/office/powerpoint/2010/main" Requires="p159">
+      <p:transition p14:dur="2000" advClick="1"/>
+    </mc:Choice>
+    <mc:Fallback>
+      <p:transition advClick="1"/>
+    </mc:Fallback>
+  </mc:AlternateContent>
+</p:sld>
+</file>
+
+<file path=ppt/slides/slide7.xml><?xml version="1.0" encoding="utf-8"?>
+<p:sld xmlns:a="http://schemas.openxmlformats.org/drawingml/2006/main" xmlns:r="http://schemas.openxmlformats.org/officeDocument/2006/relationships" xmlns:p="http://schemas.openxmlformats.org/presentationml/2006/main" xmlns:m="http://schemas.openxmlformats.org/officeDocument/2006/math" xmlns:w="http://schemas.openxmlformats.org/wordprocessingml/2006/main" xmlns:mc="http://schemas.openxmlformats.org/markup-compatibility/2006" showMasterPhAnim="0" showMasterSp="1" show="1">
+  <p:cSld name="">
+    <p:spTree>
+      <p:nvGrpSpPr>
+        <p:cNvPr id="1" name=""/>
+        <p:cNvGrpSpPr/>
+        <p:nvPr/>
+      </p:nvGrpSpPr>
+      <p:grpSpPr bwMode="auto">
+        <a:xfrm>
+          <a:off x="0" y="0"/>
+          <a:ext cx="0" cy="0"/>
+          <a:chOff x="0" y="0"/>
+          <a:chExt cx="0" cy="0"/>
+        </a:xfrm>
+      </p:grpSpPr>
+      <p:sp>
+        <p:nvSpPr>
+          <p:cNvPr id="1638261199" name="Titre 1"/>
+          <p:cNvSpPr>
+            <a:spLocks noGrp="1"/>
+          </p:cNvSpPr>
+          <p:nvPr>
+            <p:ph type="title"/>
+          </p:nvPr>
+        </p:nvSpPr>
+        <p:spPr bwMode="auto">
+          <a:xfrm>
+            <a:off x="839787" y="365124"/>
+            <a:ext cx="10515600" cy="1325562"/>
+          </a:xfrm>
+        </p:spPr>
+        <p:txBody>
+          <a:bodyPr/>
+          <a:lstStyle/>
+          <a:p>
+            <a:pPr>
+              <a:defRPr/>
+            </a:pPr>
+            <a:r>
+              <a:rPr/>
+              <a:t>Chapitre 4 : Risques (cotation)</a:t>
+            </a:r>
+            <a:endParaRPr/>
+          </a:p>
+        </p:txBody>
+      </p:sp>
+      <p:sp>
+        <p:nvSpPr>
+          <p:cNvPr id="1769376407" name="Espace réservé du contenu 3"/>
+          <p:cNvSpPr>
+            <a:spLocks noGrp="1"/>
+          </p:cNvSpPr>
+          <p:nvPr>
+            <p:ph sz="half" idx="2"/>
+          </p:nvPr>
+        </p:nvSpPr>
+        <p:spPr bwMode="auto">
+          <a:xfrm flipH="0" flipV="0">
+            <a:off x="839787" y="1690687"/>
+            <a:ext cx="6346176" cy="4498974"/>
+          </a:xfrm>
+        </p:spPr>
+        <p:txBody>
+          <a:bodyPr vertOverflow="overflow" horzOverflow="overflow" vert="horz" wrap="square" lIns="91440" tIns="45720" rIns="91440" bIns="45720" numCol="1" spcCol="0" rtlCol="0" fromWordArt="0" anchor="t" anchorCtr="0" forceAA="0" upright="0" compatLnSpc="0">
+            <a:normAutofit fontScale="85000" lnSpcReduction="3000"/>
+          </a:bodyPr>
+          <a:lstStyle/>
+          <a:p>
+            <a:pPr marL="0" indent="0">
+              <a:buFont typeface="Arial"/>
+              <a:buNone/>
+              <a:defRPr/>
+            </a:pPr>
+            <a:r>
+              <a:rPr lang="fr-FR" sz="1800" b="0" i="0" u="none" strike="noStrike" cap="none" spc="0">
+                <a:solidFill>
+                  <a:schemeClr val="tx1"/>
+                </a:solidFill>
+                <a:latin typeface="Arial"/>
+                <a:ea typeface="Arial"/>
+                <a:cs typeface="Arial"/>
+              </a:rPr>
+              <a:t>Ici on combine :</a:t>
+            </a:r>
+            <a:endParaRPr sz="1800" b="0" i="0" u="none" strike="noStrike" cap="none" spc="0">
+              <a:solidFill>
+                <a:schemeClr val="tx1"/>
+              </a:solidFill>
+              <a:latin typeface="Arial"/>
+              <a:cs typeface="Arial"/>
+            </a:endParaRPr>
+          </a:p>
+          <a:p>
+            <a:pPr marL="0" indent="0">
+              <a:buFont typeface="Arial"/>
+              <a:buNone/>
+              <a:defRPr/>
+            </a:pPr>
+            <a:endParaRPr sz="1800" b="0" i="0" u="none" strike="noStrike" cap="none" spc="0">
+              <a:solidFill>
+                <a:schemeClr val="tx1"/>
+              </a:solidFill>
+              <a:latin typeface="Arial"/>
+              <a:cs typeface="Arial"/>
+            </a:endParaRPr>
+          </a:p>
+          <a:p>
+            <a:pPr marL="0" indent="0">
+              <a:buFont typeface="Arial"/>
+              <a:buNone/>
+              <a:defRPr/>
+            </a:pPr>
+            <a:r>
+              <a:rPr lang="fr-FR" sz="1800" b="0" i="1" u="none" strike="noStrike" cap="none" spc="0">
+                <a:solidFill>
+                  <a:schemeClr val="tx1"/>
+                </a:solidFill>
+                <a:latin typeface="Arial"/>
+                <a:ea typeface="Arial"/>
+                <a:cs typeface="Arial"/>
+              </a:rPr>
+              <a:t>Impact</a:t>
+            </a:r>
+            <a:r>
+              <a:rPr lang="fr-FR" sz="1800" b="0" i="0" u="none" strike="noStrike" cap="none" spc="0">
+                <a:solidFill>
+                  <a:schemeClr val="tx1"/>
+                </a:solidFill>
+                <a:latin typeface="Arial"/>
+                <a:ea typeface="Arial"/>
+                <a:cs typeface="Arial"/>
+              </a:rPr>
+              <a:t> (gravité de l’ER) × </a:t>
+            </a:r>
+            <a:r>
+              <a:rPr lang="fr-FR" sz="1800" b="0" i="1" u="none" strike="noStrike" cap="none" spc="0">
+                <a:solidFill>
+                  <a:schemeClr val="tx1"/>
+                </a:solidFill>
+                <a:latin typeface="Arial"/>
+                <a:ea typeface="Arial"/>
+                <a:cs typeface="Arial"/>
+              </a:rPr>
+              <a:t>Probabilité </a:t>
+            </a:r>
+            <a:r>
+              <a:rPr lang="fr-FR" sz="1800" b="0" i="0" u="none" strike="noStrike" cap="none" spc="0">
+                <a:solidFill>
+                  <a:schemeClr val="tx1"/>
+                </a:solidFill>
+                <a:latin typeface="Arial"/>
+                <a:ea typeface="Arial"/>
+                <a:cs typeface="Arial"/>
+              </a:rPr>
+              <a:t>(scénario)</a:t>
+            </a:r>
+            <a:endParaRPr sz="1800" b="0" i="0" u="none" strike="noStrike" cap="none" spc="0">
+              <a:solidFill>
+                <a:schemeClr val="tx1"/>
+              </a:solidFill>
+              <a:latin typeface="Arial"/>
+              <a:cs typeface="Arial"/>
+            </a:endParaRPr>
+          </a:p>
+          <a:p>
+            <a:pPr marL="0" indent="0">
+              <a:buFont typeface="Arial"/>
+              <a:buNone/>
+              <a:defRPr/>
+            </a:pPr>
+            <a:r>
+              <a:rPr lang="fr-FR" sz="1800" b="0" i="0" u="none" strike="noStrike" cap="none" spc="0">
+                <a:solidFill>
+                  <a:schemeClr val="tx1"/>
+                </a:solidFill>
+                <a:latin typeface="Arial"/>
+                <a:ea typeface="Arial"/>
+                <a:cs typeface="Arial"/>
+              </a:rPr>
+              <a:t>et on classe en : Faible / Moyen / Élevé / Critique.</a:t>
+            </a:r>
+            <a:endParaRPr sz="1800" b="0" i="0" u="none" strike="noStrike" cap="none" spc="0">
+              <a:solidFill>
+                <a:schemeClr val="tx1"/>
+              </a:solidFill>
+              <a:latin typeface="Arial"/>
+              <a:cs typeface="Arial"/>
+            </a:endParaRPr>
+          </a:p>
+          <a:p>
+            <a:pPr marL="0" indent="0">
+              <a:buFont typeface="Arial"/>
+              <a:buNone/>
+              <a:defRPr/>
+            </a:pPr>
+            <a:endParaRPr sz="1800" b="0" i="0" u="none" strike="noStrike" cap="none" spc="0">
+              <a:solidFill>
+                <a:schemeClr val="tx1"/>
+              </a:solidFill>
+              <a:latin typeface="Arial"/>
+              <a:cs typeface="Arial"/>
+            </a:endParaRPr>
+          </a:p>
+          <a:p>
+            <a:pPr marL="0" indent="0">
+              <a:buFont typeface="Arial"/>
+              <a:buNone/>
+              <a:defRPr/>
+            </a:pPr>
+            <a:r>
+              <a:rPr lang="fr-FR" sz="1800" b="0" i="0" u="none" strike="noStrike" cap="none" spc="0">
+                <a:solidFill>
+                  <a:schemeClr val="tx1"/>
+                </a:solidFill>
+                <a:latin typeface="Arial"/>
+                <a:ea typeface="Arial"/>
+                <a:cs typeface="Arial"/>
+              </a:rPr>
+              <a:t>On définit l’échelle suivante :</a:t>
+            </a:r>
+            <a:endParaRPr sz="1800" b="0" i="0" u="none" strike="noStrike" cap="none" spc="0">
+              <a:solidFill>
+                <a:schemeClr val="tx1"/>
+              </a:solidFill>
+              <a:latin typeface="Arial"/>
+              <a:cs typeface="Arial"/>
+            </a:endParaRPr>
+          </a:p>
+          <a:p>
+            <a:pPr marL="0" indent="0">
+              <a:buFont typeface="Arial"/>
+              <a:buNone/>
+              <a:defRPr/>
+            </a:pPr>
+            <a:endParaRPr sz="1800" b="0" i="0" u="none" strike="noStrike" cap="none" spc="0">
+              <a:solidFill>
+                <a:schemeClr val="tx1"/>
+              </a:solidFill>
+              <a:latin typeface="Arial"/>
+              <a:cs typeface="Arial"/>
+            </a:endParaRPr>
+          </a:p>
+          <a:p>
+            <a:pPr marL="0" indent="0">
+              <a:buFont typeface="Arial"/>
+              <a:buNone/>
+              <a:defRPr/>
+            </a:pPr>
+            <a:r>
+              <a:rPr lang="fr-FR" sz="1800" b="0" i="0" u="none" strike="noStrike" cap="none" spc="0">
+                <a:solidFill>
+                  <a:schemeClr val="tx1"/>
+                </a:solidFill>
+                <a:latin typeface="Arial"/>
+                <a:ea typeface="Arial"/>
+                <a:cs typeface="Arial"/>
+              </a:rPr>
+              <a:t>1–3 : </a:t>
+            </a:r>
+            <a:r>
+              <a:rPr lang="fr-FR" sz="1800" b="0" i="0" u="none" strike="noStrike" cap="none" spc="0">
+                <a:solidFill>
+                  <a:schemeClr val="tx1"/>
+                </a:solidFill>
+                <a:highlight>
+                  <a:srgbClr val="00FF00"/>
+                </a:highlight>
+                <a:latin typeface="Arial"/>
+                <a:ea typeface="Arial"/>
+                <a:cs typeface="Arial"/>
+              </a:rPr>
+              <a:t>Faible</a:t>
+            </a:r>
+            <a:endParaRPr sz="1800" b="0" i="0" u="none" strike="noStrike" cap="none" spc="0">
+              <a:solidFill>
+                <a:schemeClr val="tx1"/>
+              </a:solidFill>
+              <a:latin typeface="Arial"/>
+              <a:cs typeface="Arial"/>
+            </a:endParaRPr>
+          </a:p>
+          <a:p>
+            <a:pPr marL="0" indent="0">
+              <a:buFont typeface="Arial"/>
+              <a:buNone/>
+              <a:defRPr/>
+            </a:pPr>
+            <a:endParaRPr sz="1800" b="0" i="0" u="none" strike="noStrike" cap="none" spc="0">
+              <a:solidFill>
+                <a:schemeClr val="tx1"/>
+              </a:solidFill>
+              <a:latin typeface="Arial"/>
+              <a:cs typeface="Arial"/>
+            </a:endParaRPr>
+          </a:p>
+          <a:p>
+            <a:pPr marL="0" indent="0">
+              <a:buFont typeface="Arial"/>
+              <a:buNone/>
+              <a:defRPr/>
+            </a:pPr>
+            <a:r>
+              <a:rPr lang="fr-FR" sz="1800" b="0" i="0" u="none" strike="noStrike" cap="none" spc="0">
+                <a:solidFill>
+                  <a:schemeClr val="tx1"/>
+                </a:solidFill>
+                <a:latin typeface="Arial"/>
+                <a:ea typeface="Arial"/>
+                <a:cs typeface="Arial"/>
+              </a:rPr>
+              <a:t>4–6 : </a:t>
+            </a:r>
+            <a:r>
+              <a:rPr lang="fr-FR" sz="1800" b="0" i="0" u="none" strike="noStrike" cap="none" spc="0">
+                <a:solidFill>
+                  <a:schemeClr val="tx1"/>
+                </a:solidFill>
+                <a:highlight>
+                  <a:srgbClr val="FFFF00"/>
+                </a:highlight>
+                <a:latin typeface="Arial"/>
+                <a:ea typeface="Arial"/>
+                <a:cs typeface="Arial"/>
+              </a:rPr>
+              <a:t>Moyen</a:t>
+            </a:r>
+            <a:endParaRPr sz="1800" b="0" i="0" u="none" strike="noStrike" cap="none" spc="0">
+              <a:solidFill>
+                <a:schemeClr val="tx1"/>
+              </a:solidFill>
+              <a:latin typeface="Arial"/>
+              <a:cs typeface="Arial"/>
+            </a:endParaRPr>
+          </a:p>
+          <a:p>
+            <a:pPr marL="0" indent="0">
+              <a:buFont typeface="Arial"/>
+              <a:buNone/>
+              <a:defRPr/>
+            </a:pPr>
+            <a:endParaRPr sz="1800" b="0" i="0" u="none" strike="noStrike" cap="none" spc="0">
+              <a:solidFill>
+                <a:schemeClr val="tx1"/>
+              </a:solidFill>
+              <a:latin typeface="Arial"/>
+              <a:cs typeface="Arial"/>
+            </a:endParaRPr>
+          </a:p>
+          <a:p>
+            <a:pPr marL="0" indent="0">
+              <a:buFont typeface="Arial"/>
+              <a:buNone/>
+              <a:defRPr/>
+            </a:pPr>
+            <a:r>
+              <a:rPr lang="fr-FR" sz="1800" b="0" i="0" u="none" strike="noStrike" cap="none" spc="0">
+                <a:solidFill>
+                  <a:schemeClr val="tx1"/>
+                </a:solidFill>
+                <a:latin typeface="Arial"/>
+                <a:ea typeface="Arial"/>
+                <a:cs typeface="Arial"/>
+              </a:rPr>
+              <a:t>7–9 : </a:t>
+            </a:r>
+            <a:r>
+              <a:rPr lang="fr-FR" sz="1800" b="0" i="0" u="none" strike="noStrike" cap="none" spc="0">
+                <a:solidFill>
+                  <a:schemeClr val="tx1"/>
+                </a:solidFill>
+                <a:highlight>
+                  <a:srgbClr val="FF0000"/>
+                </a:highlight>
+                <a:latin typeface="Arial"/>
+                <a:ea typeface="Arial"/>
+                <a:cs typeface="Arial"/>
+              </a:rPr>
+              <a:t>Élevé</a:t>
+            </a:r>
+            <a:endParaRPr sz="1800" b="0" i="0" u="none" strike="noStrike" cap="none" spc="0">
+              <a:solidFill>
+                <a:schemeClr val="tx1"/>
+              </a:solidFill>
+              <a:latin typeface="Arial"/>
+              <a:cs typeface="Arial"/>
+            </a:endParaRPr>
+          </a:p>
+          <a:p>
+            <a:pPr marL="0" indent="0">
+              <a:buFont typeface="Arial"/>
+              <a:buNone/>
+              <a:defRPr/>
+            </a:pPr>
+            <a:endParaRPr sz="1800" b="0" i="0" u="none" strike="noStrike" cap="none" spc="0">
+              <a:solidFill>
+                <a:schemeClr val="tx1"/>
+              </a:solidFill>
+              <a:latin typeface="Arial"/>
+              <a:cs typeface="Arial"/>
+            </a:endParaRPr>
+          </a:p>
+          <a:p>
+            <a:pPr marL="0" indent="0">
+              <a:buFont typeface="Arial"/>
+              <a:buNone/>
+              <a:defRPr/>
+            </a:pPr>
+            <a:r>
+              <a:rPr lang="fr-FR" sz="1800" b="0" i="0" u="none" strike="noStrike" cap="none" spc="0">
+                <a:solidFill>
+                  <a:schemeClr val="tx1"/>
+                </a:solidFill>
+                <a:latin typeface="Arial"/>
+                <a:ea typeface="Arial"/>
+                <a:cs typeface="Arial"/>
+              </a:rPr>
+              <a:t>10–12 : </a:t>
+            </a:r>
+            <a:r>
+              <a:rPr lang="fr-FR" sz="1800" b="0" i="0" u="none" strike="noStrike" cap="none" spc="0">
+                <a:solidFill>
+                  <a:schemeClr val="tx1"/>
+                </a:solidFill>
+                <a:highlight>
+                  <a:srgbClr val="8B0000"/>
+                </a:highlight>
+                <a:latin typeface="Arial"/>
+                <a:ea typeface="Arial"/>
+                <a:cs typeface="Arial"/>
+              </a:rPr>
+              <a:t>Critique </a:t>
+            </a:r>
+            <a:endParaRPr sz="1800"/>
+          </a:p>
+        </p:txBody>
+      </p:sp>
+      <p:graphicFrame>
+        <p:nvGraphicFramePr>
+          <p:cNvPr id="1068566569" name=""/>
+          <p:cNvGraphicFramePr>
+            <a:graphicFrameLocks xmlns:a="http://schemas.openxmlformats.org/drawingml/2006/main"/>
+          </p:cNvGraphicFramePr>
+          <p:nvPr/>
+        </p:nvGraphicFramePr>
+        <p:xfrm rot="0">
+          <a:off x="6900213" y="2491014"/>
+          <a:ext cx="4850357" cy="3602445"/>
+        </p:xfrm>
+        <a:graphic>
+          <a:graphicData uri="http://schemas.openxmlformats.org/drawingml/2006/table">
+            <a:tbl>
+              <a:tblPr firstRow="1" firstCol="0" lastRow="0" lastCol="0" bandRow="1" bandCol="0">
+                <a:tableStyleId>{5940675A-B579-460E-94D1-54222C63F5DA}</a:tableStyleId>
+              </a:tblPr>
+              <a:tblGrid>
+                <a:gridCol w="360000"/>
+                <a:gridCol w="1492552"/>
+                <a:gridCol w="1492552"/>
+                <a:gridCol w="1492552"/>
+              </a:tblGrid>
+              <a:tr h="805996">
+                <a:tc>
+                  <a:txBody>
+                    <a:bodyPr/>
+                    <a:p>
+                      <a:pPr algn="ctr">
+                        <a:defRPr/>
+                      </a:pPr>
+                      <a:r>
+                        <a:rPr b="0"/>
+                        <a:t>4</a:t>
+                      </a:r>
+                      <a:endParaRPr/>
+                    </a:p>
+                  </a:txBody>
+                  <a:tcPr anchor="ctr"/>
+                </a:tc>
+                <a:tc>
+                  <a:txBody>
+                    <a:bodyPr/>
+                    <a:p>
+                      <a:pPr algn="ctr">
+                        <a:defRPr/>
+                      </a:pPr>
+                      <a:r>
+                        <a:rPr b="1"/>
+                        <a:t>R5 – R6</a:t>
+                      </a:r>
+                      <a:endParaRPr b="1"/>
+                    </a:p>
+                  </a:txBody>
+                  <a:tcPr anchor="ctr">
+                    <a:solidFill>
+                      <a:srgbClr val="FFFF00"/>
+                    </a:solidFill>
+                  </a:tcPr>
+                </a:tc>
+                <a:tc>
+                  <a:txBody>
+                    <a:bodyPr/>
+                    <a:p>
+                      <a:pPr algn="ctr">
+                        <a:defRPr/>
+                      </a:pPr>
+                      <a:r>
+                        <a:rPr b="1"/>
+                        <a:t>R4</a:t>
+                      </a:r>
+                      <a:endParaRPr b="1"/>
+                    </a:p>
+                  </a:txBody>
+                  <a:tcPr anchor="ctr">
+                    <a:solidFill>
+                      <a:srgbClr val="FF0000"/>
+                    </a:solidFill>
+                  </a:tcPr>
+                </a:tc>
+                <a:tc>
+                  <a:txBody>
+                    <a:bodyPr/>
+                    <a:p>
+                      <a:pPr algn="ctr">
+                        <a:defRPr/>
+                      </a:pPr>
+                      <a:r>
+                        <a:rPr b="1"/>
+                        <a:t>R3</a:t>
+                      </a:r>
+                      <a:endParaRPr b="1"/>
+                    </a:p>
+                  </a:txBody>
+                  <a:tcPr anchor="ctr">
+                    <a:solidFill>
+                      <a:srgbClr val="C00000"/>
+                    </a:solidFill>
+                  </a:tcPr>
+                </a:tc>
+              </a:tr>
+              <a:tr h="805996">
+                <a:tc>
+                  <a:txBody>
+                    <a:bodyPr/>
+                    <a:p>
+                      <a:pPr algn="ctr">
+                        <a:defRPr/>
+                      </a:pPr>
+                      <a:r>
+                        <a:rPr/>
+                        <a:t>3</a:t>
+                      </a:r>
+                      <a:endParaRPr/>
+                    </a:p>
+                  </a:txBody>
+                  <a:tcPr anchor="ctr"/>
+                </a:tc>
+                <a:tc>
+                  <a:txBody>
+                    <a:bodyPr/>
+                    <a:p>
+                      <a:pPr algn="ctr">
+                        <a:defRPr/>
+                      </a:pPr>
+                      <a:endParaRPr b="1"/>
+                    </a:p>
+                  </a:txBody>
+                  <a:tcPr anchor="ctr">
+                    <a:solidFill>
+                      <a:srgbClr val="00B050"/>
+                    </a:solidFill>
+                  </a:tcPr>
+                </a:tc>
+                <a:tc>
+                  <a:txBody>
+                    <a:bodyPr/>
+                    <a:p>
+                      <a:pPr algn="ctr">
+                        <a:defRPr/>
+                      </a:pPr>
+                      <a:endParaRPr b="1"/>
+                    </a:p>
+                  </a:txBody>
+                  <a:tcPr anchor="ctr">
+                    <a:solidFill>
+                      <a:srgbClr val="FFFF00"/>
+                    </a:solidFill>
+                  </a:tcPr>
+                </a:tc>
+                <a:tc>
+                  <a:txBody>
+                    <a:bodyPr/>
+                    <a:p>
+                      <a:pPr algn="ctr">
+                        <a:defRPr/>
+                      </a:pPr>
+                      <a:r>
+                        <a:rPr b="1"/>
+                        <a:t>R2</a:t>
+                      </a:r>
+                      <a:endParaRPr b="1"/>
+                    </a:p>
+                  </a:txBody>
+                  <a:tcPr anchor="ctr">
+                    <a:solidFill>
+                      <a:srgbClr val="FF0000"/>
+                    </a:solidFill>
+                  </a:tcPr>
+                </a:tc>
+              </a:tr>
+              <a:tr h="805996">
+                <a:tc>
+                  <a:txBody>
+                    <a:bodyPr/>
+                    <a:p>
+                      <a:pPr algn="ctr">
+                        <a:defRPr/>
+                      </a:pPr>
+                      <a:r>
+                        <a:rPr/>
+                        <a:t>2</a:t>
+                      </a:r>
+                      <a:endParaRPr/>
+                    </a:p>
+                  </a:txBody>
+                  <a:tcPr anchor="ctr"/>
+                </a:tc>
+                <a:tc>
+                  <a:txBody>
+                    <a:bodyPr/>
+                    <a:p>
+                      <a:pPr algn="ctr">
+                        <a:defRPr/>
+                      </a:pPr>
+                      <a:endParaRPr b="1"/>
+                    </a:p>
+                  </a:txBody>
+                  <a:tcPr anchor="ctr">
+                    <a:solidFill>
+                      <a:srgbClr val="00B050"/>
+                    </a:solidFill>
+                  </a:tcPr>
+                </a:tc>
+                <a:tc>
+                  <a:txBody>
+                    <a:bodyPr/>
+                    <a:p>
+                      <a:pPr algn="ctr">
+                        <a:defRPr/>
+                      </a:pPr>
+                      <a:endParaRPr b="1"/>
+                    </a:p>
+                  </a:txBody>
+                  <a:tcPr anchor="ctr">
+                    <a:solidFill>
+                      <a:srgbClr val="FFFF00"/>
+                    </a:solidFill>
+                  </a:tcPr>
+                </a:tc>
+                <a:tc>
+                  <a:txBody>
+                    <a:bodyPr/>
+                    <a:p>
+                      <a:pPr algn="ctr">
+                        <a:defRPr/>
+                      </a:pPr>
+                      <a:r>
+                        <a:rPr b="1"/>
+                        <a:t>R1</a:t>
+                      </a:r>
+                      <a:endParaRPr b="1"/>
+                    </a:p>
+                  </a:txBody>
+                  <a:tcPr anchor="ctr">
+                    <a:solidFill>
+                      <a:srgbClr val="FFFF00"/>
+                    </a:solidFill>
+                  </a:tcPr>
+                </a:tc>
+              </a:tr>
+              <a:tr h="805996">
+                <a:tc>
+                  <a:txBody>
+                    <a:bodyPr/>
+                    <a:p>
+                      <a:pPr algn="ctr">
+                        <a:defRPr/>
+                      </a:pPr>
+                      <a:r>
+                        <a:rPr/>
+                        <a:t>1</a:t>
+                      </a:r>
+                      <a:endParaRPr/>
+                    </a:p>
+                  </a:txBody>
+                  <a:tcPr anchor="ctr"/>
+                </a:tc>
+                <a:tc>
+                  <a:txBody>
+                    <a:bodyPr/>
+                    <a:p>
+                      <a:pPr algn="ctr">
+                        <a:defRPr/>
+                      </a:pPr>
+                      <a:endParaRPr b="1"/>
+                    </a:p>
+                  </a:txBody>
+                  <a:tcPr anchor="ctr">
+                    <a:solidFill>
+                      <a:srgbClr val="00B050"/>
+                    </a:solidFill>
+                  </a:tcPr>
+                </a:tc>
+                <a:tc>
+                  <a:txBody>
+                    <a:bodyPr/>
+                    <a:p>
+                      <a:pPr algn="ctr">
+                        <a:defRPr/>
+                      </a:pPr>
+                      <a:endParaRPr b="1"/>
+                    </a:p>
+                  </a:txBody>
+                  <a:tcPr anchor="ctr">
+                    <a:solidFill>
+                      <a:srgbClr val="00B050"/>
+                    </a:solidFill>
+                  </a:tcPr>
+                </a:tc>
+                <a:tc>
+                  <a:txBody>
+                    <a:bodyPr/>
+                    <a:p>
+                      <a:pPr algn="ctr">
+                        <a:defRPr/>
+                      </a:pPr>
+                      <a:endParaRPr b="1"/>
+                    </a:p>
+                  </a:txBody>
+                  <a:tcPr anchor="ctr">
+                    <a:solidFill>
+                      <a:srgbClr val="00B050"/>
+                    </a:solidFill>
+                  </a:tcPr>
+                </a:tc>
+              </a:tr>
+              <a:tr h="90000">
+                <a:tc>
+                  <a:txBody>
+                    <a:bodyPr/>
+                    <a:p>
+                      <a:pPr algn="ctr">
+                        <a:defRPr/>
+                      </a:pPr>
+                      <a:endParaRPr/>
+                    </a:p>
+                  </a:txBody>
+                  <a:tcPr anchor="ctr"/>
+                </a:tc>
+                <a:tc>
+                  <a:txBody>
+                    <a:bodyPr/>
+                    <a:p>
+                      <a:pPr algn="ctr">
+                        <a:defRPr/>
+                      </a:pPr>
+                      <a:r>
+                        <a:rPr/>
+                        <a:t>1</a:t>
+                      </a:r>
+                      <a:endParaRPr/>
+                    </a:p>
+                  </a:txBody>
+                  <a:tcPr anchor="ctr"/>
+                </a:tc>
+                <a:tc>
+                  <a:txBody>
+                    <a:bodyPr/>
+                    <a:p>
+                      <a:pPr algn="ctr">
+                        <a:defRPr/>
+                      </a:pPr>
+                      <a:r>
+                        <a:rPr/>
+                        <a:t>2</a:t>
+                      </a:r>
+                      <a:endParaRPr/>
+                    </a:p>
+                  </a:txBody>
+                  <a:tcPr anchor="ctr"/>
+                </a:tc>
+                <a:tc>
+                  <a:txBody>
+                    <a:bodyPr/>
+                    <a:p>
+                      <a:pPr algn="ctr">
+                        <a:defRPr/>
+                      </a:pPr>
+                      <a:r>
+                        <a:rPr/>
+                        <a:t>3</a:t>
+                      </a:r>
+                      <a:endParaRPr/>
+                    </a:p>
+                  </a:txBody>
+                  <a:tcPr anchor="ctr"/>
+                </a:tc>
+              </a:tr>
+            </a:tbl>
+          </a:graphicData>
+        </a:graphic>
+      </p:graphicFrame>
+      <p:sp>
+        <p:nvSpPr>
+          <p:cNvPr id="1542760954" name=""/>
+          <p:cNvSpPr txBox="1"/>
+          <p:nvPr/>
+        </p:nvSpPr>
+        <p:spPr bwMode="auto">
+          <a:xfrm rot="0" flipH="0" flipV="0">
+            <a:off x="8693516" y="6093459"/>
+            <a:ext cx="1263751" cy="366119"/>
+          </a:xfrm>
+          <a:prstGeom prst="rect">
+            <a:avLst/>
+          </a:prstGeom>
+          <a:noFill/>
+        </p:spPr>
+        <p:txBody>
+          <a:bodyPr vertOverflow="overflow" horzOverflow="overflow" vert="horz" wrap="none" lIns="91440" tIns="45720" rIns="91440" bIns="45720" numCol="1" spcCol="0" rtlCol="0" fromWordArt="0" anchor="t" anchorCtr="0" forceAA="0" upright="0" compatLnSpc="0">
+            <a:spAutoFit/>
+          </a:bodyPr>
+          <a:p>
+            <a:pPr>
+              <a:defRPr/>
+            </a:pPr>
+            <a:r>
+              <a:rPr/>
+              <a:t>Probabilité</a:t>
+            </a:r>
+            <a:endParaRPr/>
+          </a:p>
+        </p:txBody>
+      </p:sp>
+      <p:sp>
+        <p:nvSpPr>
+          <p:cNvPr id="1346496852" name=""/>
+          <p:cNvSpPr txBox="1"/>
+          <p:nvPr/>
+        </p:nvSpPr>
+        <p:spPr bwMode="auto">
+          <a:xfrm rot="16199969" flipH="0" flipV="0">
+            <a:off x="6282344" y="4109175"/>
+            <a:ext cx="869619" cy="366119"/>
+          </a:xfrm>
+          <a:prstGeom prst="rect">
+            <a:avLst/>
+          </a:prstGeom>
+          <a:noFill/>
+        </p:spPr>
+        <p:txBody>
+          <a:bodyPr vertOverflow="overflow" horzOverflow="overflow" vert="horz" wrap="none" lIns="91440" tIns="45720" rIns="91440" bIns="45720" numCol="1" spcCol="0" rtlCol="0" fromWordArt="0" anchor="t" anchorCtr="0" forceAA="0" upright="0" compatLnSpc="0">
+            <a:spAutoFit/>
+          </a:bodyPr>
+          <a:p>
+            <a:pPr>
+              <a:defRPr/>
+            </a:pPr>
+            <a:r>
+              <a:rPr/>
+              <a:t>Impact</a:t>
+            </a:r>
+            <a:endParaRPr/>
+          </a:p>
+        </p:txBody>
+      </p:sp>
+    </p:spTree>
+  </p:cSld>
+  <p:clrMapOvr>
+    <a:masterClrMapping/>
+  </p:clrMapOvr>
+  <mc:AlternateContent xmlns:mc="http://schemas.openxmlformats.org/markup-compatibility/2006">
+    <mc:Choice xmlns:p159="http://schemas.microsoft.com/office/powerpoint/2015/09/main" xmlns:p14="http://schemas.microsoft.com/office/powerpoint/2010/main" Requires="p159">
+      <p:transition p14:dur="2000" advClick="1"/>
+    </mc:Choice>
+    <mc:Fallback>
+      <p:transition advClick="1"/>
+    </mc:Fallback>
+  </mc:AlternateContent>
+</p:sld>
+</file>
+
+<file path=ppt/slides/slide8.xml><?xml version="1.0" encoding="utf-8"?>
+<p:sld xmlns:a="http://schemas.openxmlformats.org/drawingml/2006/main" xmlns:r="http://schemas.openxmlformats.org/officeDocument/2006/relationships" xmlns:p="http://schemas.openxmlformats.org/presentationml/2006/main" xmlns:m="http://schemas.openxmlformats.org/officeDocument/2006/math" xmlns:w="http://schemas.openxmlformats.org/wordprocessingml/2006/main" xmlns:mc="http://schemas.openxmlformats.org/markup-compatibility/2006" showMasterPhAnim="0" showMasterSp="1" show="1">
+  <p:cSld name="">
+    <p:spTree>
+      <p:nvGrpSpPr>
+        <p:cNvPr id="1" name=""/>
+        <p:cNvGrpSpPr/>
+        <p:nvPr/>
+      </p:nvGrpSpPr>
+      <p:grpSpPr bwMode="auto">
+        <a:xfrm>
+          <a:off x="0" y="0"/>
+          <a:ext cx="0" cy="0"/>
+          <a:chOff x="0" y="0"/>
+          <a:chExt cx="0" cy="0"/>
+        </a:xfrm>
+      </p:grpSpPr>
+      <p:sp>
+        <p:nvSpPr>
+          <p:cNvPr id="1570705739" name="Titre 1"/>
+          <p:cNvSpPr>
+            <a:spLocks noGrp="1"/>
+          </p:cNvSpPr>
+          <p:nvPr>
+            <p:ph type="title"/>
+          </p:nvPr>
+        </p:nvSpPr>
+        <p:spPr bwMode="auto">
+          <a:xfrm flipH="0" flipV="0">
+            <a:off x="839787" y="365124"/>
+            <a:ext cx="11326390" cy="1325562"/>
+          </a:xfrm>
+        </p:spPr>
+        <p:txBody>
+          <a:bodyPr/>
+          <a:lstStyle/>
+          <a:p>
+            <a:pPr>
+              <a:defRPr/>
+            </a:pPr>
+            <a:r>
+              <a:rPr/>
+              <a:t>Chapitre 4 : Risques – Cotation des risques</a:t>
+            </a:r>
+            <a:endParaRPr/>
+          </a:p>
+        </p:txBody>
+      </p:sp>
+      <p:graphicFrame>
+        <p:nvGraphicFramePr>
+          <p:cNvPr id="662088260" name=""/>
+          <p:cNvGraphicFramePr>
+            <a:graphicFrameLocks xmlns:a="http://schemas.openxmlformats.org/drawingml/2006/main"/>
+          </p:cNvGraphicFramePr>
+          <p:nvPr/>
+        </p:nvGraphicFramePr>
+        <p:xfrm rot="0">
+          <a:off x="54428" y="1455964"/>
+          <a:ext cx="12284030" cy="5316219"/>
+        </p:xfrm>
+        <a:graphic>
+          <a:graphicData uri="http://schemas.openxmlformats.org/drawingml/2006/table">
+            <a:tbl>
+              <a:tblPr firstRow="1" firstCol="1" lastRow="0" lastCol="0" bandRow="1" bandCol="0">
+                <a:tableStyleId>{5940675A-B579-460E-94D1-54222C63F5DA}</a:tableStyleId>
+              </a:tblPr>
+              <a:tblGrid>
+                <a:gridCol w="990000"/>
+                <a:gridCol w="2641998"/>
+                <a:gridCol w="2628680"/>
+                <a:gridCol w="1029320"/>
+                <a:gridCol w="1440000"/>
+                <a:gridCol w="900000"/>
+                <a:gridCol w="2426399"/>
+              </a:tblGrid>
+              <a:tr h="384810">
+                <a:tc>
+                  <a:txBody>
+                    <a:bodyPr/>
+                    <a:p>
+                      <a:pPr algn="ctr">
+                        <a:defRPr/>
+                      </a:pPr>
+                      <a:r>
+                        <a:rPr sz="1800" b="1" i="0" u="none">
+                          <a:solidFill>
+                            <a:srgbClr val="000000"/>
+                          </a:solidFill>
+                          <a:latin typeface="Arial"/>
+                          <a:ea typeface="Arial"/>
+                          <a:cs typeface="Arial"/>
+                        </a:rPr>
+                        <a:t>ID Risque</a:t>
+                      </a:r>
+                      <a:endParaRPr sz="1800">
+                        <a:latin typeface="Arial"/>
+                        <a:cs typeface="Arial"/>
+                      </a:endParaRPr>
+                    </a:p>
+                  </a:txBody>
+                  <a:tcPr anchor="ctr"/>
+                </a:tc>
+                <a:tc>
+                  <a:txBody>
+                    <a:bodyPr/>
+                    <a:p>
+                      <a:pPr algn="ctr">
+                        <a:defRPr/>
+                      </a:pPr>
+                      <a:r>
+                        <a:rPr sz="1800" b="1" i="0" u="none">
+                          <a:solidFill>
+                            <a:srgbClr val="000000"/>
+                          </a:solidFill>
+                          <a:latin typeface="Arial"/>
+                          <a:ea typeface="Arial"/>
+                          <a:cs typeface="Arial"/>
+                        </a:rPr>
+                        <a:t>Scénario</a:t>
+                      </a:r>
+                      <a:endParaRPr sz="1800">
+                        <a:latin typeface="Arial"/>
+                        <a:cs typeface="Arial"/>
+                      </a:endParaRPr>
+                    </a:p>
+                  </a:txBody>
+                  <a:tcPr anchor="ctr"/>
+                </a:tc>
+                <a:tc>
+                  <a:txBody>
+                    <a:bodyPr/>
+                    <a:p>
+                      <a:pPr algn="ctr">
+                        <a:defRPr/>
+                      </a:pPr>
+                      <a:r>
+                        <a:rPr sz="1800" b="1" i="0" u="none">
+                          <a:solidFill>
+                            <a:srgbClr val="000000"/>
+                          </a:solidFill>
+                          <a:latin typeface="Arial"/>
+                          <a:ea typeface="Arial"/>
+                          <a:cs typeface="Arial"/>
+                        </a:rPr>
+                        <a:t>ER associé</a:t>
+                      </a:r>
+                      <a:endParaRPr sz="1800">
+                        <a:latin typeface="Arial"/>
+                        <a:cs typeface="Arial"/>
+                      </a:endParaRPr>
+                    </a:p>
+                  </a:txBody>
+                  <a:tcPr anchor="ctr"/>
+                </a:tc>
+                <a:tc>
+                  <a:txBody>
+                    <a:bodyPr/>
+                    <a:p>
+                      <a:pPr algn="ctr">
+                        <a:defRPr/>
+                      </a:pPr>
+                      <a:r>
+                        <a:rPr sz="1800" b="1" i="0" u="none">
+                          <a:solidFill>
+                            <a:srgbClr val="000000"/>
+                          </a:solidFill>
+                          <a:latin typeface="Arial"/>
+                          <a:ea typeface="Arial"/>
+                          <a:cs typeface="Arial"/>
+                        </a:rPr>
+                        <a:t>Impact (1–4)</a:t>
+                      </a:r>
+                      <a:endParaRPr sz="1800">
+                        <a:latin typeface="Arial"/>
+                        <a:cs typeface="Arial"/>
+                      </a:endParaRPr>
+                    </a:p>
+                  </a:txBody>
+                  <a:tcPr anchor="ctr"/>
+                </a:tc>
+                <a:tc>
+                  <a:txBody>
+                    <a:bodyPr/>
+                    <a:p>
+                      <a:pPr algn="ctr">
+                        <a:defRPr/>
+                      </a:pPr>
+                      <a:r>
+                        <a:rPr sz="1800" b="1" i="0" u="none">
+                          <a:solidFill>
+                            <a:srgbClr val="000000"/>
+                          </a:solidFill>
+                          <a:latin typeface="Arial"/>
+                          <a:ea typeface="Arial"/>
+                          <a:cs typeface="Arial"/>
+                        </a:rPr>
+                        <a:t>Probabilité (1–3)</a:t>
+                      </a:r>
+                      <a:endParaRPr sz="1800">
+                        <a:latin typeface="Arial"/>
+                        <a:cs typeface="Arial"/>
+                      </a:endParaRPr>
+                    </a:p>
+                  </a:txBody>
+                  <a:tcPr anchor="ctr"/>
+                </a:tc>
+                <a:tc>
+                  <a:txBody>
+                    <a:bodyPr/>
+                    <a:p>
+                      <a:pPr algn="ctr">
+                        <a:defRPr/>
+                      </a:pPr>
+                      <a:r>
+                        <a:rPr sz="1800" b="1" i="0" u="none">
+                          <a:solidFill>
+                            <a:srgbClr val="000000"/>
+                          </a:solidFill>
+                          <a:latin typeface="Arial"/>
+                          <a:ea typeface="Arial"/>
+                          <a:cs typeface="Arial"/>
+                        </a:rPr>
+                        <a:t>Score (I×P)</a:t>
+                      </a:r>
+                      <a:endParaRPr sz="1800">
+                        <a:latin typeface="Arial"/>
+                        <a:cs typeface="Arial"/>
+                      </a:endParaRPr>
+                    </a:p>
+                  </a:txBody>
+                  <a:tcPr anchor="ctr"/>
+                </a:tc>
+                <a:tc>
+                  <a:txBody>
+                    <a:bodyPr/>
+                    <a:p>
+                      <a:pPr algn="ctr">
+                        <a:defRPr/>
+                      </a:pPr>
+                      <a:r>
+                        <a:rPr sz="1800" b="1" i="0" u="none">
+                          <a:solidFill>
+                            <a:srgbClr val="000000"/>
+                          </a:solidFill>
+                          <a:latin typeface="Arial"/>
+                          <a:ea typeface="Arial"/>
+                          <a:cs typeface="Arial"/>
+                        </a:rPr>
+                        <a:t>Niveau</a:t>
+                      </a:r>
+                      <a:endParaRPr sz="1800">
+                        <a:latin typeface="Arial"/>
+                        <a:cs typeface="Arial"/>
+                      </a:endParaRPr>
+                    </a:p>
+                  </a:txBody>
+                  <a:tcPr anchor="ctr"/>
+                </a:tc>
+              </a:tr>
+              <a:tr h="201930">
+                <a:tc>
+                  <a:txBody>
+                    <a:bodyPr/>
+                    <a:p>
+                      <a:pPr>
+                        <a:defRPr/>
+                      </a:pPr>
+                      <a:r>
+                        <a:rPr sz="1800" b="0" i="0" u="none">
+                          <a:solidFill>
+                            <a:srgbClr val="000000"/>
+                          </a:solidFill>
+                          <a:latin typeface="Arial"/>
+                          <a:ea typeface="Arial"/>
+                          <a:cs typeface="Arial"/>
+                        </a:rPr>
+                        <a:t>R1</a:t>
+                      </a:r>
+                      <a:endParaRPr sz="1800">
+                        <a:latin typeface="Arial"/>
+                        <a:cs typeface="Arial"/>
+                      </a:endParaRPr>
+                    </a:p>
+                  </a:txBody>
+                  <a:tcPr anchor="ctr"/>
+                </a:tc>
+                <a:tc>
+                  <a:txBody>
+                    <a:bodyPr/>
+                    <a:p>
+                      <a:pPr>
+                        <a:defRPr/>
+                      </a:pPr>
+                      <a:r>
+                        <a:rPr sz="1800" b="0" i="0" u="none">
+                          <a:solidFill>
+                            <a:srgbClr val="000000"/>
+                          </a:solidFill>
+                          <a:latin typeface="Arial"/>
+                          <a:ea typeface="Arial"/>
+                          <a:cs typeface="Arial"/>
+                        </a:rPr>
+                        <a:t>SM3 – Phishing CB</a:t>
+                      </a:r>
+                      <a:endParaRPr sz="1800">
+                        <a:latin typeface="Arial"/>
+                        <a:cs typeface="Arial"/>
+                      </a:endParaRPr>
+                    </a:p>
+                  </a:txBody>
+                  <a:tcPr anchor="ctr"/>
+                </a:tc>
+                <a:tc>
+                  <a:txBody>
+                    <a:bodyPr/>
+                    <a:p>
+                      <a:pPr>
+                        <a:defRPr/>
+                      </a:pPr>
+                      <a:r>
+                        <a:rPr sz="1800" b="0" i="0" u="none">
+                          <a:solidFill>
+                            <a:srgbClr val="000000"/>
+                          </a:solidFill>
+                          <a:latin typeface="Arial"/>
+                          <a:ea typeface="Arial"/>
+                          <a:cs typeface="Arial"/>
+                        </a:rPr>
+                        <a:t>ER3 – Compromission données bancaires</a:t>
+                      </a:r>
+                      <a:endParaRPr sz="1800">
+                        <a:latin typeface="Arial"/>
+                        <a:cs typeface="Arial"/>
+                      </a:endParaRPr>
+                    </a:p>
+                  </a:txBody>
+                  <a:tcPr anchor="ctr"/>
+                </a:tc>
+                <a:tc>
+                  <a:txBody>
+                    <a:bodyPr/>
+                    <a:p>
+                      <a:pPr algn="ctr">
+                        <a:defRPr/>
+                      </a:pPr>
+                      <a:r>
+                        <a:rPr sz="1800" b="0" i="0" u="none">
+                          <a:solidFill>
+                            <a:srgbClr val="000000"/>
+                          </a:solidFill>
+                          <a:latin typeface="Arial"/>
+                          <a:ea typeface="Arial"/>
+                          <a:cs typeface="Arial"/>
+                        </a:rPr>
+                        <a:t>2</a:t>
+                      </a:r>
+                      <a:endParaRPr sz="1800">
+                        <a:latin typeface="Arial"/>
+                        <a:cs typeface="Arial"/>
+                      </a:endParaRPr>
+                    </a:p>
+                  </a:txBody>
+                  <a:tcPr anchor="ctr"/>
+                </a:tc>
+                <a:tc>
+                  <a:txBody>
+                    <a:bodyPr/>
+                    <a:p>
+                      <a:pPr algn="ctr">
+                        <a:defRPr/>
+                      </a:pPr>
+                      <a:r>
+                        <a:rPr sz="1800" b="0" i="0" u="none">
+                          <a:solidFill>
+                            <a:srgbClr val="000000"/>
+                          </a:solidFill>
+                          <a:latin typeface="Arial"/>
+                          <a:ea typeface="Arial"/>
+                          <a:cs typeface="Arial"/>
+                        </a:rPr>
+                        <a:t>3</a:t>
+                      </a:r>
+                      <a:endParaRPr sz="1800">
+                        <a:latin typeface="Arial"/>
+                        <a:cs typeface="Arial"/>
+                      </a:endParaRPr>
+                    </a:p>
+                  </a:txBody>
+                  <a:tcPr anchor="ctr"/>
+                </a:tc>
+                <a:tc>
+                  <a:txBody>
+                    <a:bodyPr/>
+                    <a:p>
+                      <a:pPr algn="ctr">
+                        <a:defRPr/>
+                      </a:pPr>
+                      <a:r>
+                        <a:rPr sz="1800" b="0" i="0" u="none">
+                          <a:solidFill>
+                            <a:srgbClr val="000000"/>
+                          </a:solidFill>
+                          <a:latin typeface="Arial"/>
+                          <a:ea typeface="Arial"/>
+                          <a:cs typeface="Arial"/>
+                        </a:rPr>
+                        <a:t>6</a:t>
+                      </a:r>
+                      <a:endParaRPr sz="1800">
+                        <a:latin typeface="Arial"/>
+                        <a:cs typeface="Arial"/>
+                      </a:endParaRPr>
+                    </a:p>
+                  </a:txBody>
+                  <a:tcPr anchor="ctr">
+                    <a:solidFill>
+                      <a:srgbClr val="FFFF00"/>
+                    </a:solidFill>
+                  </a:tcPr>
+                </a:tc>
+                <a:tc>
+                  <a:txBody>
+                    <a:bodyPr/>
+                    <a:p>
+                      <a:pPr>
+                        <a:defRPr/>
+                      </a:pPr>
+                      <a:r>
+                        <a:rPr sz="1800" b="1" i="0" u="none">
+                          <a:solidFill>
+                            <a:srgbClr val="000000"/>
+                          </a:solidFill>
+                          <a:latin typeface="Arial"/>
+                          <a:ea typeface="Arial"/>
+                          <a:cs typeface="Arial"/>
+                        </a:rPr>
+                        <a:t>Moyen à élevé</a:t>
+                      </a:r>
+                      <a:r>
+                        <a:rPr sz="1800" b="0" i="0" u="none">
+                          <a:solidFill>
+                            <a:srgbClr val="000000"/>
+                          </a:solidFill>
+                          <a:latin typeface="Arial"/>
+                          <a:ea typeface="Arial"/>
+                          <a:cs typeface="Arial"/>
+                        </a:rPr>
+                        <a:t> (surtout sensible image/juridique)</a:t>
+                      </a:r>
+                      <a:endParaRPr sz="1800">
+                        <a:latin typeface="Arial"/>
+                        <a:cs typeface="Arial"/>
+                      </a:endParaRPr>
+                    </a:p>
+                  </a:txBody>
+                  <a:tcPr anchor="ctr"/>
+                </a:tc>
+              </a:tr>
+              <a:tr h="384810">
+                <a:tc>
+                  <a:txBody>
+                    <a:bodyPr/>
+                    <a:p>
+                      <a:pPr>
+                        <a:defRPr/>
+                      </a:pPr>
+                      <a:r>
+                        <a:rPr sz="1800" b="0" i="0" u="none">
+                          <a:solidFill>
+                            <a:srgbClr val="000000"/>
+                          </a:solidFill>
+                          <a:latin typeface="Arial"/>
+                          <a:ea typeface="Arial"/>
+                          <a:cs typeface="Arial"/>
+                        </a:rPr>
+                        <a:t>R2</a:t>
+                      </a:r>
+                      <a:endParaRPr sz="1800">
+                        <a:latin typeface="Arial"/>
+                        <a:cs typeface="Arial"/>
+                      </a:endParaRPr>
+                    </a:p>
+                  </a:txBody>
+                  <a:tcPr anchor="ctr"/>
+                </a:tc>
+                <a:tc>
+                  <a:txBody>
+                    <a:bodyPr/>
+                    <a:p>
+                      <a:pPr>
+                        <a:defRPr/>
+                      </a:pPr>
+                      <a:r>
+                        <a:rPr sz="1800" b="0" i="0" u="none">
+                          <a:solidFill>
+                            <a:srgbClr val="000000"/>
+                          </a:solidFill>
+                          <a:latin typeface="Arial"/>
+                          <a:ea typeface="Arial"/>
+                          <a:cs typeface="Arial"/>
+                        </a:rPr>
+                        <a:t>SM4 – Vol de comptes PSN</a:t>
+                      </a:r>
+                      <a:endParaRPr sz="1800">
+                        <a:latin typeface="Arial"/>
+                        <a:cs typeface="Arial"/>
+                      </a:endParaRPr>
+                    </a:p>
+                  </a:txBody>
+                  <a:tcPr anchor="ctr"/>
+                </a:tc>
+                <a:tc>
+                  <a:txBody>
+                    <a:bodyPr/>
+                    <a:p>
+                      <a:pPr>
+                        <a:defRPr/>
+                      </a:pPr>
+                      <a:r>
+                        <a:rPr sz="1800" b="0" i="0" u="none">
+                          <a:solidFill>
+                            <a:srgbClr val="000000"/>
+                          </a:solidFill>
+                          <a:latin typeface="Arial"/>
+                          <a:ea typeface="Arial"/>
+                          <a:cs typeface="Arial"/>
+                        </a:rPr>
+                        <a:t>ER5 – Compromission comptes et données</a:t>
+                      </a:r>
+                      <a:endParaRPr sz="1800">
+                        <a:latin typeface="Arial"/>
+                        <a:cs typeface="Arial"/>
+                      </a:endParaRPr>
+                    </a:p>
+                  </a:txBody>
+                  <a:tcPr anchor="ctr"/>
+                </a:tc>
+                <a:tc>
+                  <a:txBody>
+                    <a:bodyPr/>
+                    <a:p>
+                      <a:pPr algn="ctr">
+                        <a:defRPr/>
+                      </a:pPr>
+                      <a:r>
+                        <a:rPr sz="1800" b="0" i="0" u="none">
+                          <a:solidFill>
+                            <a:srgbClr val="000000"/>
+                          </a:solidFill>
+                          <a:latin typeface="Arial"/>
+                          <a:ea typeface="Arial"/>
+                          <a:cs typeface="Arial"/>
+                        </a:rPr>
+                        <a:t>3</a:t>
+                      </a:r>
+                      <a:endParaRPr sz="1800">
+                        <a:latin typeface="Arial"/>
+                        <a:cs typeface="Arial"/>
+                      </a:endParaRPr>
+                    </a:p>
+                  </a:txBody>
+                  <a:tcPr anchor="ctr"/>
+                </a:tc>
+                <a:tc>
+                  <a:txBody>
+                    <a:bodyPr/>
+                    <a:p>
+                      <a:pPr algn="ctr">
+                        <a:defRPr/>
+                      </a:pPr>
+                      <a:r>
+                        <a:rPr sz="1800" b="0" i="0" u="none">
+                          <a:solidFill>
+                            <a:srgbClr val="000000"/>
+                          </a:solidFill>
+                          <a:latin typeface="Arial"/>
+                          <a:ea typeface="Arial"/>
+                          <a:cs typeface="Arial"/>
+                        </a:rPr>
+                        <a:t>3</a:t>
+                      </a:r>
+                      <a:endParaRPr sz="1800">
+                        <a:latin typeface="Arial"/>
+                        <a:cs typeface="Arial"/>
+                      </a:endParaRPr>
+                    </a:p>
+                  </a:txBody>
+                  <a:tcPr anchor="ctr"/>
+                </a:tc>
+                <a:tc>
+                  <a:txBody>
+                    <a:bodyPr/>
+                    <a:p>
+                      <a:pPr algn="ctr">
+                        <a:defRPr/>
+                      </a:pPr>
+                      <a:r>
+                        <a:rPr sz="1800" b="0" i="0" u="none">
+                          <a:solidFill>
+                            <a:srgbClr val="000000"/>
+                          </a:solidFill>
+                          <a:latin typeface="Arial"/>
+                          <a:ea typeface="Arial"/>
+                          <a:cs typeface="Arial"/>
+                        </a:rPr>
+                        <a:t>9</a:t>
+                      </a:r>
+                      <a:endParaRPr sz="1800">
+                        <a:latin typeface="Arial"/>
+                        <a:cs typeface="Arial"/>
+                      </a:endParaRPr>
+                    </a:p>
+                  </a:txBody>
+                  <a:tcPr anchor="ctr">
+                    <a:solidFill>
+                      <a:srgbClr val="FF0000"/>
+                    </a:solidFill>
+                  </a:tcPr>
+                </a:tc>
+                <a:tc>
+                  <a:txBody>
+                    <a:bodyPr/>
+                    <a:p>
+                      <a:pPr>
+                        <a:defRPr/>
+                      </a:pPr>
+                      <a:r>
+                        <a:rPr sz="1800" b="1" i="0" u="none">
+                          <a:solidFill>
+                            <a:srgbClr val="000000"/>
+                          </a:solidFill>
+                          <a:latin typeface="Arial"/>
+                          <a:ea typeface="Arial"/>
+                          <a:cs typeface="Arial"/>
+                        </a:rPr>
+                        <a:t>Élevé</a:t>
+                      </a:r>
+                      <a:endParaRPr sz="1800">
+                        <a:latin typeface="Arial"/>
+                        <a:cs typeface="Arial"/>
+                      </a:endParaRPr>
+                    </a:p>
+                  </a:txBody>
+                  <a:tcPr anchor="ctr"/>
+                </a:tc>
+              </a:tr>
+              <a:tr h="384810">
+                <a:tc>
+                  <a:txBody>
+                    <a:bodyPr/>
+                    <a:p>
+                      <a:pPr>
+                        <a:defRPr/>
+                      </a:pPr>
+                      <a:r>
+                        <a:rPr sz="1800" b="0" i="0" u="none">
+                          <a:solidFill>
+                            <a:srgbClr val="000000"/>
+                          </a:solidFill>
+                          <a:latin typeface="Arial"/>
+                          <a:ea typeface="Arial"/>
+                          <a:cs typeface="Arial"/>
+                        </a:rPr>
+                        <a:t>R3</a:t>
+                      </a:r>
+                      <a:endParaRPr sz="1800">
+                        <a:latin typeface="Arial"/>
+                        <a:cs typeface="Arial"/>
+                      </a:endParaRPr>
+                    </a:p>
+                  </a:txBody>
+                  <a:tcPr anchor="ctr"/>
+                </a:tc>
+                <a:tc>
+                  <a:txBody>
+                    <a:bodyPr/>
+                    <a:p>
+                      <a:pPr>
+                        <a:defRPr/>
+                      </a:pPr>
+                      <a:r>
+                        <a:rPr sz="1800" b="0" i="0" u="none">
+                          <a:solidFill>
+                            <a:srgbClr val="000000"/>
+                          </a:solidFill>
+                          <a:latin typeface="Arial"/>
+                          <a:ea typeface="Arial"/>
+                          <a:cs typeface="Arial"/>
+                        </a:rPr>
+                        <a:t>SM1 – Custom firmware / jeux non authentiques</a:t>
+                      </a:r>
+                      <a:endParaRPr sz="1800">
+                        <a:latin typeface="Arial"/>
+                        <a:cs typeface="Arial"/>
+                      </a:endParaRPr>
+                    </a:p>
+                  </a:txBody>
+                  <a:tcPr anchor="ctr"/>
+                </a:tc>
+                <a:tc>
+                  <a:txBody>
+                    <a:bodyPr/>
+                    <a:p>
+                      <a:pPr>
+                        <a:defRPr/>
+                      </a:pPr>
+                      <a:r>
+                        <a:rPr sz="1800" b="0" i="0" u="none">
+                          <a:solidFill>
+                            <a:srgbClr val="000000"/>
+                          </a:solidFill>
+                          <a:latin typeface="Arial"/>
+                          <a:ea typeface="Arial"/>
+                          <a:cs typeface="Arial"/>
+                        </a:rPr>
+                        <a:t>ER1 – Piratage massif des jeux</a:t>
+                      </a:r>
+                      <a:endParaRPr sz="1800">
+                        <a:latin typeface="Arial"/>
+                        <a:cs typeface="Arial"/>
+                      </a:endParaRPr>
+                    </a:p>
+                  </a:txBody>
+                  <a:tcPr anchor="ctr"/>
+                </a:tc>
+                <a:tc>
+                  <a:txBody>
+                    <a:bodyPr/>
+                    <a:p>
+                      <a:pPr algn="ctr">
+                        <a:defRPr/>
+                      </a:pPr>
+                      <a:r>
+                        <a:rPr sz="1800" b="0" i="0" u="none">
+                          <a:solidFill>
+                            <a:srgbClr val="000000"/>
+                          </a:solidFill>
+                          <a:latin typeface="Arial"/>
+                          <a:ea typeface="Arial"/>
+                          <a:cs typeface="Arial"/>
+                        </a:rPr>
+                        <a:t>4</a:t>
+                      </a:r>
+                      <a:endParaRPr sz="1800">
+                        <a:latin typeface="Arial"/>
+                        <a:cs typeface="Arial"/>
+                      </a:endParaRPr>
+                    </a:p>
+                  </a:txBody>
+                  <a:tcPr anchor="ctr"/>
+                </a:tc>
+                <a:tc>
+                  <a:txBody>
+                    <a:bodyPr/>
+                    <a:p>
+                      <a:pPr algn="ctr">
+                        <a:defRPr/>
+                      </a:pPr>
+                      <a:r>
+                        <a:rPr sz="1800" b="0" i="0" u="none">
+                          <a:solidFill>
+                            <a:srgbClr val="000000"/>
+                          </a:solidFill>
+                          <a:latin typeface="Arial"/>
+                          <a:ea typeface="Arial"/>
+                          <a:cs typeface="Arial"/>
+                        </a:rPr>
+                        <a:t>3</a:t>
+                      </a:r>
+                      <a:endParaRPr sz="1800">
+                        <a:latin typeface="Arial"/>
+                        <a:cs typeface="Arial"/>
+                      </a:endParaRPr>
+                    </a:p>
+                  </a:txBody>
+                  <a:tcPr anchor="ctr"/>
+                </a:tc>
+                <a:tc>
+                  <a:txBody>
+                    <a:bodyPr/>
+                    <a:p>
+                      <a:pPr algn="ctr">
+                        <a:defRPr/>
+                      </a:pPr>
+                      <a:r>
+                        <a:rPr sz="1800" b="0" i="0" u="none">
+                          <a:solidFill>
+                            <a:srgbClr val="000000"/>
+                          </a:solidFill>
+                          <a:latin typeface="Arial"/>
+                          <a:ea typeface="Arial"/>
+                          <a:cs typeface="Arial"/>
+                        </a:rPr>
+                        <a:t>12</a:t>
+                      </a:r>
+                      <a:endParaRPr sz="1800">
+                        <a:latin typeface="Arial"/>
+                        <a:cs typeface="Arial"/>
+                      </a:endParaRPr>
+                    </a:p>
+                  </a:txBody>
+                  <a:tcPr anchor="ctr">
+                    <a:solidFill>
+                      <a:srgbClr val="C00000"/>
+                    </a:solidFill>
+                  </a:tcPr>
+                </a:tc>
+                <a:tc>
+                  <a:txBody>
+                    <a:bodyPr/>
+                    <a:p>
+                      <a:pPr>
+                        <a:defRPr/>
+                      </a:pPr>
+                      <a:r>
+                        <a:rPr sz="1800" b="1" i="0" u="none">
+                          <a:solidFill>
+                            <a:srgbClr val="000000"/>
+                          </a:solidFill>
+                          <a:latin typeface="Arial"/>
+                          <a:ea typeface="Arial"/>
+                          <a:cs typeface="Arial"/>
+                        </a:rPr>
+                        <a:t>Critique</a:t>
+                      </a:r>
+                      <a:r>
+                        <a:rPr sz="1800" b="0" i="0" u="none">
+                          <a:solidFill>
+                            <a:srgbClr val="000000"/>
+                          </a:solidFill>
+                          <a:latin typeface="Arial"/>
+                          <a:ea typeface="Arial"/>
+                          <a:cs typeface="Arial"/>
+                        </a:rPr>
+                        <a:t> (risque économique majeur)</a:t>
+                      </a:r>
+                      <a:endParaRPr sz="1800">
+                        <a:latin typeface="Arial"/>
+                        <a:cs typeface="Arial"/>
+                      </a:endParaRPr>
+                    </a:p>
+                  </a:txBody>
+                  <a:tcPr anchor="ctr"/>
+                </a:tc>
+              </a:tr>
+              <a:tr h="384810">
+                <a:tc>
+                  <a:txBody>
+                    <a:bodyPr/>
+                    <a:p>
+                      <a:pPr>
+                        <a:defRPr/>
+                      </a:pPr>
+                      <a:r>
+                        <a:rPr sz="1800" b="0" i="0" u="none">
+                          <a:solidFill>
+                            <a:srgbClr val="000000"/>
+                          </a:solidFill>
+                          <a:latin typeface="Arial"/>
+                          <a:ea typeface="Arial"/>
+                          <a:cs typeface="Arial"/>
+                        </a:rPr>
+                        <a:t>R4</a:t>
+                      </a:r>
+                      <a:endParaRPr sz="1800">
+                        <a:latin typeface="Arial"/>
+                        <a:cs typeface="Arial"/>
+                      </a:endParaRPr>
+                    </a:p>
+                  </a:txBody>
+                  <a:tcPr anchor="ctr"/>
+                </a:tc>
+                <a:tc>
+                  <a:txBody>
+                    <a:bodyPr/>
+                    <a:p>
+                      <a:pPr>
+                        <a:defRPr/>
+                      </a:pPr>
+                      <a:r>
+                        <a:rPr sz="1800" b="0" i="0" u="none">
+                          <a:solidFill>
+                            <a:srgbClr val="000000"/>
+                          </a:solidFill>
+                          <a:latin typeface="Arial"/>
+                          <a:ea typeface="Arial"/>
+                          <a:cs typeface="Arial"/>
+                        </a:rPr>
+                        <a:t>SM2 – Émulation PS4</a:t>
+                      </a:r>
+                      <a:endParaRPr sz="1800">
+                        <a:latin typeface="Arial"/>
+                        <a:cs typeface="Arial"/>
+                      </a:endParaRPr>
+                    </a:p>
+                  </a:txBody>
+                  <a:tcPr anchor="ctr"/>
+                </a:tc>
+                <a:tc>
+                  <a:txBody>
+                    <a:bodyPr/>
+                    <a:p>
+                      <a:pPr>
+                        <a:defRPr/>
+                      </a:pPr>
+                      <a:r>
+                        <a:rPr sz="1800" b="0" i="0" u="none">
+                          <a:solidFill>
+                            <a:srgbClr val="000000"/>
+                          </a:solidFill>
+                          <a:latin typeface="Arial"/>
+                          <a:ea typeface="Arial"/>
+                          <a:cs typeface="Arial"/>
+                        </a:rPr>
+                        <a:t>ER1 / ER7</a:t>
+                      </a:r>
+                      <a:endParaRPr sz="1800">
+                        <a:latin typeface="Arial"/>
+                        <a:cs typeface="Arial"/>
+                      </a:endParaRPr>
+                    </a:p>
+                  </a:txBody>
+                  <a:tcPr anchor="ctr"/>
+                </a:tc>
+                <a:tc>
+                  <a:txBody>
+                    <a:bodyPr/>
+                    <a:p>
+                      <a:pPr algn="ctr">
+                        <a:defRPr/>
+                      </a:pPr>
+                      <a:r>
+                        <a:rPr sz="1800" b="0" i="0" u="none">
+                          <a:solidFill>
+                            <a:srgbClr val="000000"/>
+                          </a:solidFill>
+                          <a:latin typeface="Arial"/>
+                          <a:ea typeface="Arial"/>
+                          <a:cs typeface="Arial"/>
+                        </a:rPr>
+                        <a:t>4</a:t>
+                      </a:r>
+                      <a:endParaRPr sz="1800">
+                        <a:latin typeface="Arial"/>
+                        <a:cs typeface="Arial"/>
+                      </a:endParaRPr>
+                    </a:p>
+                  </a:txBody>
+                  <a:tcPr anchor="ctr"/>
+                </a:tc>
+                <a:tc>
+                  <a:txBody>
+                    <a:bodyPr/>
+                    <a:p>
+                      <a:pPr algn="ctr">
+                        <a:defRPr/>
+                      </a:pPr>
+                      <a:r>
+                        <a:rPr sz="1800" b="0" i="0" u="none">
+                          <a:solidFill>
+                            <a:srgbClr val="000000"/>
+                          </a:solidFill>
+                          <a:latin typeface="Arial"/>
+                          <a:ea typeface="Arial"/>
+                          <a:cs typeface="Arial"/>
+                        </a:rPr>
+                        <a:t>2</a:t>
+                      </a:r>
+                      <a:endParaRPr sz="1800">
+                        <a:latin typeface="Arial"/>
+                        <a:cs typeface="Arial"/>
+                      </a:endParaRPr>
+                    </a:p>
+                  </a:txBody>
+                  <a:tcPr anchor="ctr"/>
+                </a:tc>
+                <a:tc>
+                  <a:txBody>
+                    <a:bodyPr/>
+                    <a:p>
+                      <a:pPr algn="ctr">
+                        <a:defRPr/>
+                      </a:pPr>
+                      <a:r>
+                        <a:rPr sz="1800" b="0" i="0" u="none">
+                          <a:solidFill>
+                            <a:srgbClr val="000000"/>
+                          </a:solidFill>
+                          <a:latin typeface="Arial"/>
+                          <a:ea typeface="Arial"/>
+                          <a:cs typeface="Arial"/>
+                        </a:rPr>
+                        <a:t>8</a:t>
+                      </a:r>
+                      <a:endParaRPr sz="1800">
+                        <a:latin typeface="Arial"/>
+                        <a:cs typeface="Arial"/>
+                      </a:endParaRPr>
+                    </a:p>
+                  </a:txBody>
+                  <a:tcPr anchor="ctr">
+                    <a:solidFill>
+                      <a:srgbClr val="FF0000"/>
+                    </a:solidFill>
+                  </a:tcPr>
+                </a:tc>
+                <a:tc>
+                  <a:txBody>
+                    <a:bodyPr/>
+                    <a:p>
+                      <a:pPr>
+                        <a:defRPr/>
+                      </a:pPr>
+                      <a:r>
+                        <a:rPr sz="1800" b="1" i="0" u="none">
+                          <a:solidFill>
+                            <a:srgbClr val="000000"/>
+                          </a:solidFill>
+                          <a:latin typeface="Arial"/>
+                          <a:ea typeface="Arial"/>
+                          <a:cs typeface="Arial"/>
+                        </a:rPr>
+                        <a:t>Élevé</a:t>
+                      </a:r>
+                      <a:r>
+                        <a:rPr sz="1800" b="0" i="0" u="none">
+                          <a:solidFill>
+                            <a:srgbClr val="000000"/>
+                          </a:solidFill>
+                          <a:latin typeface="Arial"/>
+                          <a:ea typeface="Arial"/>
+                          <a:cs typeface="Arial"/>
+                        </a:rPr>
+                        <a:t> (impact fort mais mise en œuvre plus complexe)</a:t>
+                      </a:r>
+                      <a:endParaRPr sz="1800">
+                        <a:latin typeface="Arial"/>
+                        <a:cs typeface="Arial"/>
+                      </a:endParaRPr>
+                    </a:p>
+                  </a:txBody>
+                  <a:tcPr anchor="ctr"/>
+                </a:tc>
+              </a:tr>
+              <a:tr h="201930">
+                <a:tc>
+                  <a:txBody>
+                    <a:bodyPr/>
+                    <a:p>
+                      <a:pPr>
+                        <a:defRPr/>
+                      </a:pPr>
+                      <a:r>
+                        <a:rPr sz="1800" b="0" i="0" u="none">
+                          <a:solidFill>
+                            <a:srgbClr val="000000"/>
+                          </a:solidFill>
+                          <a:latin typeface="Arial"/>
+                          <a:ea typeface="Arial"/>
+                          <a:cs typeface="Arial"/>
+                        </a:rPr>
+                        <a:t>R5</a:t>
+                      </a:r>
+                      <a:endParaRPr sz="1800">
+                        <a:latin typeface="Arial"/>
+                        <a:cs typeface="Arial"/>
+                      </a:endParaRPr>
+                    </a:p>
+                  </a:txBody>
+                  <a:tcPr anchor="ctr"/>
+                </a:tc>
+                <a:tc>
+                  <a:txBody>
+                    <a:bodyPr/>
+                    <a:p>
+                      <a:pPr>
+                        <a:defRPr/>
+                      </a:pPr>
+                      <a:r>
+                        <a:rPr sz="1800" b="0" i="0" u="none">
+                          <a:solidFill>
+                            <a:srgbClr val="000000"/>
+                          </a:solidFill>
+                          <a:latin typeface="Arial"/>
+                          <a:ea typeface="Arial"/>
+                          <a:cs typeface="Arial"/>
+                        </a:rPr>
+                        <a:t>SM5 – Clonage par concurrents</a:t>
+                      </a:r>
+                      <a:endParaRPr sz="1800">
+                        <a:latin typeface="Arial"/>
+                        <a:cs typeface="Arial"/>
+                      </a:endParaRPr>
+                    </a:p>
+                  </a:txBody>
+                  <a:tcPr anchor="ctr"/>
+                </a:tc>
+                <a:tc>
+                  <a:txBody>
+                    <a:bodyPr/>
+                    <a:p>
+                      <a:pPr>
+                        <a:defRPr/>
+                      </a:pPr>
+                      <a:r>
+                        <a:rPr sz="1800" b="0" i="0" u="none">
+                          <a:solidFill>
+                            <a:srgbClr val="000000"/>
+                          </a:solidFill>
+                          <a:latin typeface="Arial"/>
+                          <a:ea typeface="Arial"/>
+                          <a:cs typeface="Arial"/>
+                        </a:rPr>
+                        <a:t>ER1 / ER2</a:t>
+                      </a:r>
+                      <a:endParaRPr sz="1800">
+                        <a:latin typeface="Arial"/>
+                        <a:cs typeface="Arial"/>
+                      </a:endParaRPr>
+                    </a:p>
+                  </a:txBody>
+                  <a:tcPr anchor="ctr"/>
+                </a:tc>
+                <a:tc>
+                  <a:txBody>
+                    <a:bodyPr/>
+                    <a:p>
+                      <a:pPr algn="ctr">
+                        <a:defRPr/>
+                      </a:pPr>
+                      <a:r>
+                        <a:rPr sz="1800" b="0" i="0" u="none">
+                          <a:solidFill>
+                            <a:srgbClr val="000000"/>
+                          </a:solidFill>
+                          <a:latin typeface="Arial"/>
+                          <a:ea typeface="Arial"/>
+                          <a:cs typeface="Arial"/>
+                        </a:rPr>
+                        <a:t>4</a:t>
+                      </a:r>
+                      <a:endParaRPr sz="1800">
+                        <a:latin typeface="Arial"/>
+                        <a:cs typeface="Arial"/>
+                      </a:endParaRPr>
+                    </a:p>
+                  </a:txBody>
+                  <a:tcPr anchor="ctr"/>
+                </a:tc>
+                <a:tc>
+                  <a:txBody>
+                    <a:bodyPr/>
+                    <a:p>
+                      <a:pPr algn="ctr">
+                        <a:defRPr/>
+                      </a:pPr>
+                      <a:r>
+                        <a:rPr sz="1800" b="0" i="0" u="none">
+                          <a:solidFill>
+                            <a:srgbClr val="000000"/>
+                          </a:solidFill>
+                          <a:latin typeface="Arial"/>
+                          <a:ea typeface="Arial"/>
+                          <a:cs typeface="Arial"/>
+                        </a:rPr>
+                        <a:t>1</a:t>
+                      </a:r>
+                      <a:endParaRPr sz="1800">
+                        <a:latin typeface="Arial"/>
+                        <a:cs typeface="Arial"/>
+                      </a:endParaRPr>
+                    </a:p>
+                  </a:txBody>
+                  <a:tcPr anchor="ctr"/>
+                </a:tc>
+                <a:tc>
+                  <a:txBody>
+                    <a:bodyPr/>
+                    <a:p>
+                      <a:pPr algn="ctr">
+                        <a:defRPr/>
+                      </a:pPr>
+                      <a:r>
+                        <a:rPr sz="1800" b="0" i="0" u="none">
+                          <a:solidFill>
+                            <a:srgbClr val="000000"/>
+                          </a:solidFill>
+                          <a:latin typeface="Arial"/>
+                          <a:ea typeface="Arial"/>
+                          <a:cs typeface="Arial"/>
+                        </a:rPr>
+                        <a:t>4</a:t>
+                      </a:r>
+                      <a:endParaRPr sz="1800">
+                        <a:latin typeface="Arial"/>
+                        <a:cs typeface="Arial"/>
+                      </a:endParaRPr>
+                    </a:p>
+                  </a:txBody>
+                  <a:tcPr anchor="ctr">
+                    <a:solidFill>
+                      <a:srgbClr val="FFFF00"/>
+                    </a:solidFill>
+                  </a:tcPr>
+                </a:tc>
+                <a:tc>
+                  <a:txBody>
+                    <a:bodyPr/>
+                    <a:p>
+                      <a:pPr>
+                        <a:defRPr/>
+                      </a:pPr>
+                      <a:r>
+                        <a:rPr sz="1800" b="1" i="0" u="none">
+                          <a:solidFill>
+                            <a:srgbClr val="000000"/>
+                          </a:solidFill>
+                          <a:latin typeface="Arial"/>
+                          <a:ea typeface="Arial"/>
+                          <a:cs typeface="Arial"/>
+                        </a:rPr>
+                        <a:t>Moyen</a:t>
+                      </a:r>
+                      <a:endParaRPr sz="1800">
+                        <a:latin typeface="Arial"/>
+                        <a:cs typeface="Arial"/>
+                      </a:endParaRPr>
+                    </a:p>
+                  </a:txBody>
+                  <a:tcPr anchor="ctr"/>
+                </a:tc>
+              </a:tr>
+              <a:tr h="201930">
+                <a:tc>
+                  <a:txBody>
+                    <a:bodyPr/>
+                    <a:p>
+                      <a:pPr>
+                        <a:defRPr/>
+                      </a:pPr>
+                      <a:r>
+                        <a:rPr sz="1800" b="0" i="0" u="none">
+                          <a:solidFill>
+                            <a:srgbClr val="000000"/>
+                          </a:solidFill>
+                          <a:latin typeface="Arial"/>
+                          <a:ea typeface="Arial"/>
+                          <a:cs typeface="Arial"/>
+                        </a:rPr>
+                        <a:t>R6</a:t>
+                      </a:r>
+                      <a:endParaRPr sz="1800">
+                        <a:latin typeface="Arial"/>
+                        <a:cs typeface="Arial"/>
+                      </a:endParaRPr>
+                    </a:p>
+                  </a:txBody>
+                  <a:tcPr anchor="ctr"/>
+                </a:tc>
+                <a:tc>
+                  <a:txBody>
+                    <a:bodyPr/>
+                    <a:p>
+                      <a:pPr>
+                        <a:defRPr/>
+                      </a:pPr>
+                      <a:r>
+                        <a:rPr sz="1800" b="0" i="0" u="none">
+                          <a:solidFill>
+                            <a:srgbClr val="000000"/>
+                          </a:solidFill>
+                          <a:latin typeface="Arial"/>
+                          <a:ea typeface="Arial"/>
+                          <a:cs typeface="Arial"/>
+                        </a:rPr>
+                        <a:t>SM6 – Sabotage par concurrents</a:t>
+                      </a:r>
+                      <a:endParaRPr sz="1800">
+                        <a:latin typeface="Arial"/>
+                        <a:cs typeface="Arial"/>
+                      </a:endParaRPr>
+                    </a:p>
+                  </a:txBody>
+                  <a:tcPr anchor="ctr"/>
+                </a:tc>
+                <a:tc>
+                  <a:txBody>
+                    <a:bodyPr/>
+                    <a:p>
+                      <a:pPr>
+                        <a:defRPr/>
+                      </a:pPr>
+                      <a:r>
+                        <a:rPr sz="1800" b="0" i="0" u="none">
+                          <a:solidFill>
+                            <a:srgbClr val="000000"/>
+                          </a:solidFill>
+                          <a:latin typeface="Arial"/>
+                          <a:ea typeface="Arial"/>
+                          <a:cs typeface="Arial"/>
+                        </a:rPr>
+                        <a:t>ER2 / ER7</a:t>
+                      </a:r>
+                      <a:endParaRPr sz="1800">
+                        <a:latin typeface="Arial"/>
+                        <a:cs typeface="Arial"/>
+                      </a:endParaRPr>
+                    </a:p>
+                  </a:txBody>
+                  <a:tcPr anchor="ctr"/>
+                </a:tc>
+                <a:tc>
+                  <a:txBody>
+                    <a:bodyPr/>
+                    <a:p>
+                      <a:pPr algn="ctr">
+                        <a:defRPr/>
+                      </a:pPr>
+                      <a:r>
+                        <a:rPr sz="1800" b="0" i="0" u="none">
+                          <a:solidFill>
+                            <a:srgbClr val="000000"/>
+                          </a:solidFill>
+                          <a:latin typeface="Arial"/>
+                          <a:ea typeface="Arial"/>
+                          <a:cs typeface="Arial"/>
+                        </a:rPr>
+                        <a:t>4</a:t>
+                      </a:r>
+                      <a:endParaRPr sz="1800">
+                        <a:latin typeface="Arial"/>
+                        <a:cs typeface="Arial"/>
+                      </a:endParaRPr>
+                    </a:p>
+                  </a:txBody>
+                  <a:tcPr anchor="ctr"/>
+                </a:tc>
+                <a:tc>
+                  <a:txBody>
+                    <a:bodyPr/>
+                    <a:p>
+                      <a:pPr algn="ctr">
+                        <a:defRPr/>
+                      </a:pPr>
+                      <a:r>
+                        <a:rPr sz="1800" b="0" i="0" u="none">
+                          <a:solidFill>
+                            <a:srgbClr val="000000"/>
+                          </a:solidFill>
+                          <a:latin typeface="Arial"/>
+                          <a:ea typeface="Arial"/>
+                          <a:cs typeface="Arial"/>
+                        </a:rPr>
+                        <a:t>1</a:t>
+                      </a:r>
+                      <a:endParaRPr sz="1800">
+                        <a:latin typeface="Arial"/>
+                        <a:cs typeface="Arial"/>
+                      </a:endParaRPr>
+                    </a:p>
+                  </a:txBody>
+                  <a:tcPr anchor="ctr"/>
+                </a:tc>
+                <a:tc>
+                  <a:txBody>
+                    <a:bodyPr/>
+                    <a:p>
+                      <a:pPr algn="ctr">
+                        <a:defRPr/>
+                      </a:pPr>
+                      <a:r>
+                        <a:rPr sz="1800" b="0" i="0" u="none">
+                          <a:solidFill>
+                            <a:srgbClr val="000000"/>
+                          </a:solidFill>
+                          <a:latin typeface="Arial"/>
+                          <a:ea typeface="Arial"/>
+                          <a:cs typeface="Arial"/>
+                        </a:rPr>
+                        <a:t>4</a:t>
+                      </a:r>
+                      <a:endParaRPr sz="1800">
+                        <a:latin typeface="Arial"/>
+                        <a:cs typeface="Arial"/>
+                      </a:endParaRPr>
+                    </a:p>
+                  </a:txBody>
+                  <a:tcPr anchor="ctr">
+                    <a:solidFill>
+                      <a:srgbClr val="FFFF00"/>
+                    </a:solidFill>
+                  </a:tcPr>
+                </a:tc>
+                <a:tc>
+                  <a:txBody>
+                    <a:bodyPr/>
+                    <a:p>
+                      <a:pPr>
+                        <a:defRPr/>
+                      </a:pPr>
+                      <a:r>
+                        <a:rPr sz="1800" b="1" i="0" u="none">
+                          <a:solidFill>
+                            <a:srgbClr val="000000"/>
+                          </a:solidFill>
+                          <a:latin typeface="Arial"/>
+                          <a:ea typeface="Arial"/>
+                          <a:cs typeface="Arial"/>
+                        </a:rPr>
+                        <a:t>Moyen</a:t>
+                      </a:r>
+                      <a:r>
+                        <a:rPr sz="1800" b="0" i="0" u="none">
+                          <a:solidFill>
+                            <a:srgbClr val="000000"/>
+                          </a:solidFill>
+                          <a:latin typeface="Arial"/>
+                          <a:ea typeface="Arial"/>
+                          <a:cs typeface="Arial"/>
+                        </a:rPr>
+                        <a:t> (scénario peu probable mais impact fort)</a:t>
+                      </a:r>
+                      <a:endParaRPr sz="1800">
+                        <a:latin typeface="Arial"/>
+                        <a:cs typeface="Arial"/>
+                      </a:endParaRPr>
+                    </a:p>
+                  </a:txBody>
+                  <a:tcPr anchor="ctr"/>
+                </a:tc>
+              </a:tr>
+            </a:tbl>
+          </a:graphicData>
+        </a:graphic>
+      </p:graphicFrame>
+    </p:spTree>
+  </p:cSld>
+  <p:clrMapOvr>
+    <a:masterClrMapping/>
+  </p:clrMapOvr>
+  <mc:AlternateContent xmlns:mc="http://schemas.openxmlformats.org/markup-compatibility/2006">
+    <mc:Choice xmlns:p159="http://schemas.microsoft.com/office/powerpoint/2015/09/main" xmlns:p14="http://schemas.microsoft.com/office/powerpoint/2010/main" Requires="p159">
+      <p:transition p14:dur="2000" advClick="1"/>
+    </mc:Choice>
+    <mc:Fallback>
+      <p:transition advClick="1"/>
+    </mc:Fallback>
+  </mc:AlternateContent>
+</p:sld>
+</file>
+
+<file path=ppt/slides/slide9.xml><?xml version="1.0" encoding="utf-8"?>
+<p:sld xmlns:a="http://schemas.openxmlformats.org/drawingml/2006/main" xmlns:r="http://schemas.openxmlformats.org/officeDocument/2006/relationships" xmlns:p="http://schemas.openxmlformats.org/presentationml/2006/main" xmlns:m="http://schemas.openxmlformats.org/officeDocument/2006/math" xmlns:w="http://schemas.openxmlformats.org/wordprocessingml/2006/main" xmlns:mc="http://schemas.openxmlformats.org/markup-compatibility/2006" showMasterPhAnim="0" showMasterSp="1" show="1">
+  <p:cSld name="">
+    <p:spTree>
+      <p:nvGrpSpPr>
+        <p:cNvPr id="1" name=""/>
+        <p:cNvGrpSpPr/>
+        <p:nvPr/>
+      </p:nvGrpSpPr>
+      <p:grpSpPr bwMode="auto">
+        <a:xfrm>
+          <a:off x="0" y="0"/>
+          <a:ext cx="0" cy="0"/>
+          <a:chOff x="0" y="0"/>
+          <a:chExt cx="0" cy="0"/>
+        </a:xfrm>
+      </p:grpSpPr>
+      <p:sp>
+        <p:nvSpPr>
+          <p:cNvPr id="564918492" name="Titre 1"/>
+          <p:cNvSpPr>
+            <a:spLocks noGrp="1"/>
+          </p:cNvSpPr>
+          <p:nvPr>
+            <p:ph type="title"/>
+          </p:nvPr>
+        </p:nvSpPr>
+        <p:spPr bwMode="auto">
+          <a:xfrm>
+            <a:off x="839787" y="155014"/>
+            <a:ext cx="10515600" cy="1325562"/>
+          </a:xfrm>
+        </p:spPr>
+        <p:txBody>
+          <a:bodyPr/>
+          <a:lstStyle/>
+          <a:p>
+            <a:pPr>
+              <a:defRPr/>
+            </a:pPr>
+            <a:r>
+              <a:rPr/>
+              <a:t>Chapitre 5 : Mesures de sécurité</a:t>
+            </a:r>
+            <a:endParaRPr/>
+          </a:p>
+        </p:txBody>
+      </p:sp>
+      <p:graphicFrame>
+        <p:nvGraphicFramePr>
+          <p:cNvPr id="1216310276" name=""/>
+          <p:cNvGraphicFramePr>
+            <a:graphicFrameLocks xmlns:a="http://schemas.openxmlformats.org/drawingml/2006/main"/>
+          </p:cNvGraphicFramePr>
+          <p:nvPr/>
+        </p:nvGraphicFramePr>
+        <p:xfrm>
+          <a:off x="70036" y="1312489"/>
+          <a:ext cx="11982699" cy="8425179"/>
+        </p:xfrm>
+        <a:graphic>
+          <a:graphicData uri="http://schemas.openxmlformats.org/drawingml/2006/table">
+            <a:tbl>
+              <a:tblPr firstRow="1" firstCol="1" lastRow="0" lastCol="0" bandRow="1" bandCol="0">
+                <a:tableStyleId>{5940675A-B579-460E-94D1-54222C63F5DA}</a:tableStyleId>
+              </a:tblPr>
+              <a:tblGrid>
+                <a:gridCol w="2430000"/>
+                <a:gridCol w="1440000"/>
+                <a:gridCol w="6300000"/>
+                <a:gridCol w="1800000"/>
+              </a:tblGrid>
+              <a:tr h="411646">
+                <a:tc>
+                  <a:txBody>
+                    <a:bodyPr/>
+                    <a:p>
+                      <a:pPr>
+                        <a:defRPr/>
+                      </a:pPr>
+                      <a:r>
+                        <a:rPr sz="1200" b="1" i="0" u="none">
+                          <a:solidFill>
+                            <a:srgbClr val="000000"/>
+                          </a:solidFill>
+                          <a:latin typeface="Arial"/>
+                          <a:ea typeface="Arial"/>
+                          <a:cs typeface="Arial"/>
+                        </a:rPr>
+                        <a:t>Risque prioritaire</a:t>
+                      </a:r>
+                      <a:endParaRPr sz="1200">
+                        <a:latin typeface="Arial"/>
+                        <a:cs typeface="Arial"/>
+                      </a:endParaRPr>
+                    </a:p>
+                  </a:txBody>
+                  <a:tcPr anchor="ctr"/>
+                </a:tc>
+                <a:tc>
+                  <a:txBody>
+                    <a:bodyPr/>
+                    <a:p>
+                      <a:pPr>
+                        <a:defRPr/>
+                      </a:pPr>
+                      <a:r>
+                        <a:rPr sz="1200" b="1" i="0" u="none">
+                          <a:solidFill>
+                            <a:srgbClr val="000000"/>
+                          </a:solidFill>
+                          <a:latin typeface="Arial"/>
+                          <a:ea typeface="Arial"/>
+                          <a:cs typeface="Arial"/>
+                        </a:rPr>
+                        <a:t>Objectif de sécurité</a:t>
+                      </a:r>
+                      <a:endParaRPr sz="1200">
+                        <a:latin typeface="Arial"/>
+                        <a:cs typeface="Arial"/>
+                      </a:endParaRPr>
+                    </a:p>
+                  </a:txBody>
+                  <a:tcPr anchor="ctr"/>
+                </a:tc>
+                <a:tc>
+                  <a:txBody>
+                    <a:bodyPr/>
+                    <a:p>
+                      <a:pPr>
+                        <a:defRPr/>
+                      </a:pPr>
+                      <a:r>
+                        <a:rPr sz="1200" b="1" i="0" u="none">
+                          <a:solidFill>
+                            <a:srgbClr val="000000"/>
+                          </a:solidFill>
+                          <a:latin typeface="Arial"/>
+                          <a:ea typeface="Arial"/>
+                          <a:cs typeface="Arial"/>
+                        </a:rPr>
+                        <a:t>Mesures de sécurité (exemples)</a:t>
+                      </a:r>
+                      <a:endParaRPr sz="1200">
+                        <a:latin typeface="Arial"/>
+                        <a:cs typeface="Arial"/>
+                      </a:endParaRPr>
+                    </a:p>
+                  </a:txBody>
+                  <a:tcPr anchor="ctr"/>
+                </a:tc>
+                <a:tc>
+                  <a:txBody>
+                    <a:bodyPr/>
+                    <a:p>
+                      <a:pPr>
+                        <a:defRPr/>
+                      </a:pPr>
+                      <a:r>
+                        <a:rPr sz="1200" b="1" i="0" u="none">
+                          <a:solidFill>
+                            <a:srgbClr val="000000"/>
+                          </a:solidFill>
+                          <a:latin typeface="Arial"/>
+                          <a:ea typeface="Arial"/>
+                          <a:cs typeface="Arial"/>
+                        </a:rPr>
+                        <a:t>Type</a:t>
+                      </a:r>
+                      <a:endParaRPr sz="1200">
+                        <a:latin typeface="Arial"/>
+                        <a:cs typeface="Arial"/>
+                      </a:endParaRPr>
+                    </a:p>
+                  </a:txBody>
+                  <a:tcPr anchor="ctr"/>
+                </a:tc>
+              </a:tr>
+              <a:tr h="757621">
+                <a:tc>
+                  <a:txBody>
+                    <a:bodyPr/>
+                    <a:p>
+                      <a:pPr>
+                        <a:defRPr/>
+                      </a:pPr>
+                      <a:r>
+                        <a:rPr sz="1200" b="0" i="0" u="none">
+                          <a:solidFill>
+                            <a:srgbClr val="000000"/>
+                          </a:solidFill>
+                          <a:latin typeface="Arial"/>
+                          <a:ea typeface="Arial"/>
+                          <a:cs typeface="Arial"/>
+                        </a:rPr>
+                        <a:t>R3 – Piratage des jeux (custom firmware, jeux non authentiques)</a:t>
+                      </a:r>
+                      <a:endParaRPr sz="1200">
+                        <a:latin typeface="Arial"/>
+                        <a:cs typeface="Arial"/>
+                      </a:endParaRPr>
+                    </a:p>
+                  </a:txBody>
+                  <a:tcPr anchor="ctr"/>
+                </a:tc>
+                <a:tc>
+                  <a:txBody>
+                    <a:bodyPr/>
+                    <a:p>
+                      <a:pPr>
+                        <a:defRPr/>
+                      </a:pPr>
+                      <a:r>
+                        <a:rPr sz="1200" b="0" i="0" u="none">
+                          <a:solidFill>
+                            <a:srgbClr val="000000"/>
+                          </a:solidFill>
+                          <a:latin typeface="Arial"/>
+                          <a:ea typeface="Arial"/>
+                          <a:cs typeface="Arial"/>
+                        </a:rPr>
+                        <a:t>Protéger l’intégrité des jeux et du firmware</a:t>
+                      </a:r>
+                      <a:endParaRPr sz="1200">
+                        <a:latin typeface="Arial"/>
+                        <a:cs typeface="Arial"/>
+                      </a:endParaRPr>
+                    </a:p>
+                  </a:txBody>
+                  <a:tcPr anchor="ctr"/>
+                </a:tc>
+                <a:tc>
+                  <a:txBody>
+                    <a:bodyPr/>
+                    <a:p>
+                      <a:pPr>
+                        <a:defRPr/>
+                      </a:pPr>
+                      <a:r>
+                        <a:rPr sz="1200" b="0" i="0" u="none">
+                          <a:solidFill>
+                            <a:srgbClr val="000000"/>
+                          </a:solidFill>
+                          <a:latin typeface="Arial"/>
+                          <a:ea typeface="Arial"/>
+                          <a:cs typeface="Arial"/>
+                        </a:rPr>
+                        <a:t>Secure boot, signature numérique obligatoire des binaires, vérification d’intégrité du firmware, chiffrement des partitions sensibles, mises à jour régulières pour corriger les failles exploitées</a:t>
+                      </a:r>
+                      <a:endParaRPr sz="1200">
+                        <a:latin typeface="Arial"/>
+                        <a:cs typeface="Arial"/>
+                      </a:endParaRPr>
+                    </a:p>
+                  </a:txBody>
+                  <a:tcPr anchor="ctr"/>
+                </a:tc>
+                <a:tc>
+                  <a:txBody>
+                    <a:bodyPr/>
+                    <a:p>
+                      <a:pPr>
+                        <a:defRPr/>
+                      </a:pPr>
+                      <a:r>
+                        <a:rPr sz="1200" b="0" i="0" u="none">
+                          <a:solidFill>
+                            <a:srgbClr val="000000"/>
+                          </a:solidFill>
+                          <a:latin typeface="Arial"/>
+                          <a:ea typeface="Arial"/>
+                          <a:cs typeface="Arial"/>
+                        </a:rPr>
+                        <a:t>Prévention</a:t>
+                      </a:r>
+                      <a:endParaRPr sz="1200">
+                        <a:latin typeface="Arial"/>
+                        <a:cs typeface="Arial"/>
+                      </a:endParaRPr>
+                    </a:p>
+                  </a:txBody>
+                  <a:tcPr anchor="ctr"/>
+                </a:tc>
+              </a:tr>
+              <a:tr h="584633">
+                <a:tc>
+                  <a:txBody>
+                    <a:bodyPr/>
+                    <a:p>
+                      <a:pPr>
+                        <a:defRPr/>
+                      </a:pPr>
+                      <a:endParaRPr sz="1200">
+                        <a:latin typeface="Arial"/>
+                        <a:cs typeface="Arial"/>
+                      </a:endParaRPr>
+                    </a:p>
+                  </a:txBody>
+                  <a:tcPr anchor="ctr"/>
+                </a:tc>
+                <a:tc>
+                  <a:txBody>
+                    <a:bodyPr/>
+                    <a:p>
+                      <a:pPr>
+                        <a:defRPr/>
+                      </a:pPr>
+                      <a:endParaRPr sz="1200">
+                        <a:latin typeface="Arial"/>
+                        <a:cs typeface="Arial"/>
+                      </a:endParaRPr>
+                    </a:p>
+                  </a:txBody>
+                  <a:tcPr anchor="ctr"/>
+                </a:tc>
+                <a:tc>
+                  <a:txBody>
+                    <a:bodyPr/>
+                    <a:p>
+                      <a:pPr>
+                        <a:defRPr/>
+                      </a:pPr>
+                      <a:r>
+                        <a:rPr sz="1200" b="0" i="0" u="none">
+                          <a:solidFill>
+                            <a:srgbClr val="000000"/>
+                          </a:solidFill>
+                          <a:latin typeface="Arial"/>
+                          <a:ea typeface="Arial"/>
+                          <a:cs typeface="Arial"/>
+                        </a:rPr>
+                        <a:t>Monitoring des consoles détectées non conformes, mécanisme de bannissement de compte/console, détection d’anomalies côté PSN</a:t>
+                      </a:r>
+                      <a:endParaRPr sz="1200">
+                        <a:latin typeface="Arial"/>
+                        <a:cs typeface="Arial"/>
+                      </a:endParaRPr>
+                    </a:p>
+                  </a:txBody>
+                  <a:tcPr anchor="ctr"/>
+                </a:tc>
+                <a:tc>
+                  <a:txBody>
+                    <a:bodyPr/>
+                    <a:p>
+                      <a:pPr>
+                        <a:defRPr/>
+                      </a:pPr>
+                      <a:r>
+                        <a:rPr sz="1200" b="0" i="0" u="none">
+                          <a:solidFill>
+                            <a:srgbClr val="000000"/>
+                          </a:solidFill>
+                          <a:latin typeface="Arial"/>
+                          <a:ea typeface="Arial"/>
+                          <a:cs typeface="Arial"/>
+                        </a:rPr>
+                        <a:t>Détection / Réaction</a:t>
+                      </a:r>
+                      <a:endParaRPr sz="1200">
+                        <a:latin typeface="Arial"/>
+                        <a:cs typeface="Arial"/>
+                      </a:endParaRPr>
+                    </a:p>
+                  </a:txBody>
+                  <a:tcPr anchor="ctr"/>
+                </a:tc>
+              </a:tr>
+              <a:tr h="930608">
+                <a:tc>
+                  <a:txBody>
+                    <a:bodyPr/>
+                    <a:p>
+                      <a:pPr>
+                        <a:defRPr/>
+                      </a:pPr>
+                      <a:r>
+                        <a:rPr sz="1200" b="0" i="0" u="none">
+                          <a:solidFill>
+                            <a:srgbClr val="000000"/>
+                          </a:solidFill>
+                          <a:latin typeface="Arial"/>
+                          <a:ea typeface="Arial"/>
+                          <a:cs typeface="Arial"/>
+                        </a:rPr>
+                        <a:t>R2 – Vol de comptes PSN</a:t>
+                      </a:r>
+                      <a:endParaRPr sz="1200">
+                        <a:latin typeface="Arial"/>
+                        <a:cs typeface="Arial"/>
+                      </a:endParaRPr>
+                    </a:p>
+                  </a:txBody>
+                  <a:tcPr anchor="ctr"/>
+                </a:tc>
+                <a:tc>
+                  <a:txBody>
+                    <a:bodyPr/>
+                    <a:p>
+                      <a:pPr>
+                        <a:defRPr/>
+                      </a:pPr>
+                      <a:r>
+                        <a:rPr sz="1200" b="0" i="0" u="none">
+                          <a:solidFill>
+                            <a:srgbClr val="000000"/>
+                          </a:solidFill>
+                          <a:latin typeface="Arial"/>
+                          <a:ea typeface="Arial"/>
+                          <a:cs typeface="Arial"/>
+                        </a:rPr>
+                        <a:t>Protéger l’authentification et les données utilisateur</a:t>
+                      </a:r>
+                      <a:endParaRPr sz="1200">
+                        <a:latin typeface="Arial"/>
+                        <a:cs typeface="Arial"/>
+                      </a:endParaRPr>
+                    </a:p>
+                  </a:txBody>
+                  <a:tcPr anchor="ctr"/>
+                </a:tc>
+                <a:tc>
+                  <a:txBody>
+                    <a:bodyPr/>
+                    <a:p>
+                      <a:pPr>
+                        <a:defRPr/>
+                      </a:pPr>
+                      <a:r>
+                        <a:rPr sz="1200" b="0" i="0" u="none">
+                          <a:solidFill>
+                            <a:srgbClr val="000000"/>
+                          </a:solidFill>
+                          <a:latin typeface="Arial"/>
+                          <a:ea typeface="Arial"/>
+                          <a:cs typeface="Arial"/>
+                        </a:rPr>
+                        <a:t>Authentification renforcée (2FA), détection de connexions suspectes, limitation des tentatives de login, sensibilisation des joueurs aux risques de phishing</a:t>
+                      </a:r>
+                      <a:endParaRPr sz="1200">
+                        <a:latin typeface="Arial"/>
+                        <a:cs typeface="Arial"/>
+                      </a:endParaRPr>
+                    </a:p>
+                  </a:txBody>
+                  <a:tcPr anchor="ctr"/>
+                </a:tc>
+                <a:tc>
+                  <a:txBody>
+                    <a:bodyPr/>
+                    <a:p>
+                      <a:pPr>
+                        <a:defRPr/>
+                      </a:pPr>
+                      <a:r>
+                        <a:rPr sz="1200" b="0" i="0" u="none">
+                          <a:solidFill>
+                            <a:srgbClr val="000000"/>
+                          </a:solidFill>
+                          <a:latin typeface="Arial"/>
+                          <a:ea typeface="Arial"/>
+                          <a:cs typeface="Arial"/>
+                        </a:rPr>
+                        <a:t>Prévention</a:t>
+                      </a:r>
+                      <a:endParaRPr sz="1200">
+                        <a:latin typeface="Arial"/>
+                        <a:cs typeface="Arial"/>
+                      </a:endParaRPr>
+                    </a:p>
+                  </a:txBody>
+                  <a:tcPr anchor="ctr"/>
+                </a:tc>
+              </a:tr>
+              <a:tr h="584633">
+                <a:tc>
+                  <a:txBody>
+                    <a:bodyPr/>
+                    <a:p>
+                      <a:pPr>
+                        <a:defRPr/>
+                      </a:pPr>
+                      <a:endParaRPr sz="1200">
+                        <a:latin typeface="Arial"/>
+                        <a:cs typeface="Arial"/>
+                      </a:endParaRPr>
+                    </a:p>
+                  </a:txBody>
+                  <a:tcPr anchor="ctr"/>
+                </a:tc>
+                <a:tc>
+                  <a:txBody>
+                    <a:bodyPr/>
+                    <a:p>
+                      <a:pPr>
+                        <a:defRPr/>
+                      </a:pPr>
+                      <a:endParaRPr sz="1200">
+                        <a:latin typeface="Arial"/>
+                        <a:cs typeface="Arial"/>
+                      </a:endParaRPr>
+                    </a:p>
+                  </a:txBody>
+                  <a:tcPr anchor="ctr"/>
+                </a:tc>
+                <a:tc>
+                  <a:txBody>
+                    <a:bodyPr/>
+                    <a:p>
+                      <a:pPr>
+                        <a:defRPr/>
+                      </a:pPr>
+                      <a:r>
+                        <a:rPr sz="1200" b="0" i="0" u="none">
+                          <a:solidFill>
+                            <a:srgbClr val="000000"/>
+                          </a:solidFill>
+                          <a:latin typeface="Arial"/>
+                          <a:ea typeface="Arial"/>
+                          <a:cs typeface="Arial"/>
+                        </a:rPr>
+                        <a:t>Alertes utilisateur en cas de connexion depuis un nouvel appareil / pays, mécanisme simple de récupération de compte</a:t>
+                      </a:r>
+                      <a:endParaRPr sz="1200">
+                        <a:latin typeface="Arial"/>
+                        <a:cs typeface="Arial"/>
+                      </a:endParaRPr>
+                    </a:p>
+                  </a:txBody>
+                  <a:tcPr anchor="ctr"/>
+                </a:tc>
+                <a:tc>
+                  <a:txBody>
+                    <a:bodyPr/>
+                    <a:p>
+                      <a:pPr>
+                        <a:defRPr/>
+                      </a:pPr>
+                      <a:r>
+                        <a:rPr sz="1200" b="0" i="0" u="none">
+                          <a:solidFill>
+                            <a:srgbClr val="000000"/>
+                          </a:solidFill>
+                          <a:latin typeface="Arial"/>
+                          <a:ea typeface="Arial"/>
+                          <a:cs typeface="Arial"/>
+                        </a:rPr>
+                        <a:t>Détection / Réaction</a:t>
+                      </a:r>
+                      <a:endParaRPr sz="1200">
+                        <a:latin typeface="Arial"/>
+                        <a:cs typeface="Arial"/>
+                      </a:endParaRPr>
+                    </a:p>
+                  </a:txBody>
+                  <a:tcPr anchor="ctr"/>
+                </a:tc>
+              </a:tr>
+              <a:tr h="930608">
+                <a:tc>
+                  <a:txBody>
+                    <a:bodyPr/>
+                    <a:p>
+                      <a:pPr>
+                        <a:defRPr/>
+                      </a:pPr>
+                      <a:r>
+                        <a:rPr sz="1200" b="0" i="0" u="none">
+                          <a:solidFill>
+                            <a:srgbClr val="000000"/>
+                          </a:solidFill>
+                          <a:latin typeface="Arial"/>
+                          <a:ea typeface="Arial"/>
+                          <a:cs typeface="Arial"/>
+                        </a:rPr>
+                        <a:t>R4 – Émulation PS4</a:t>
+                      </a:r>
+                      <a:endParaRPr sz="1200">
+                        <a:latin typeface="Arial"/>
+                        <a:cs typeface="Arial"/>
+                      </a:endParaRPr>
+                    </a:p>
+                  </a:txBody>
+                  <a:tcPr anchor="ctr"/>
+                </a:tc>
+                <a:tc>
+                  <a:txBody>
+                    <a:bodyPr/>
+                    <a:p>
+                      <a:pPr>
+                        <a:defRPr/>
+                      </a:pPr>
+                      <a:r>
+                        <a:rPr sz="1200" b="0" i="0" u="none">
+                          <a:solidFill>
+                            <a:srgbClr val="000000"/>
+                          </a:solidFill>
+                          <a:latin typeface="Arial"/>
+                          <a:ea typeface="Arial"/>
+                          <a:cs typeface="Arial"/>
+                        </a:rPr>
+                        <a:t>Limiter le reverse engineering et la facilité d’émulation</a:t>
+                      </a:r>
+                      <a:endParaRPr sz="1200">
+                        <a:latin typeface="Arial"/>
+                        <a:cs typeface="Arial"/>
+                      </a:endParaRPr>
+                    </a:p>
+                  </a:txBody>
+                  <a:tcPr anchor="ctr"/>
+                </a:tc>
+                <a:tc>
+                  <a:txBody>
+                    <a:bodyPr/>
+                    <a:p>
+                      <a:pPr>
+                        <a:defRPr/>
+                      </a:pPr>
+                      <a:r>
+                        <a:rPr sz="1200" b="0" i="0" u="none">
+                          <a:solidFill>
+                            <a:srgbClr val="000000"/>
+                          </a:solidFill>
+                          <a:latin typeface="Arial"/>
+                          <a:ea typeface="Arial"/>
+                          <a:cs typeface="Arial"/>
+                        </a:rPr>
+                        <a:t>Durcissement du firmware, vérification matérielle (présence de composants spécifiques), protocoles propriétaires entre console et PSN</a:t>
+                      </a:r>
+                      <a:endParaRPr sz="1200">
+                        <a:latin typeface="Arial"/>
+                        <a:cs typeface="Arial"/>
+                      </a:endParaRPr>
+                    </a:p>
+                  </a:txBody>
+                  <a:tcPr anchor="ctr"/>
+                </a:tc>
+                <a:tc>
+                  <a:txBody>
+                    <a:bodyPr/>
+                    <a:p>
+                      <a:pPr>
+                        <a:defRPr/>
+                      </a:pPr>
+                      <a:r>
+                        <a:rPr sz="1200" b="0" i="0" u="none">
+                          <a:solidFill>
+                            <a:srgbClr val="000000"/>
+                          </a:solidFill>
+                          <a:latin typeface="Arial"/>
+                          <a:ea typeface="Arial"/>
+                          <a:cs typeface="Arial"/>
+                        </a:rPr>
+                        <a:t>Prévention</a:t>
+                      </a:r>
+                      <a:endParaRPr sz="1200">
+                        <a:latin typeface="Arial"/>
+                        <a:cs typeface="Arial"/>
+                      </a:endParaRPr>
+                    </a:p>
+                  </a:txBody>
+                  <a:tcPr anchor="ctr"/>
+                </a:tc>
+              </a:tr>
+              <a:tr h="757621">
+                <a:tc>
+                  <a:txBody>
+                    <a:bodyPr/>
+                    <a:p>
+                      <a:pPr>
+                        <a:defRPr/>
+                      </a:pPr>
+                      <a:r>
+                        <a:rPr sz="1200" b="0" i="0" u="none">
+                          <a:solidFill>
+                            <a:srgbClr val="000000"/>
+                          </a:solidFill>
+                          <a:latin typeface="Arial"/>
+                          <a:ea typeface="Arial"/>
+                          <a:cs typeface="Arial"/>
+                        </a:rPr>
+                        <a:t>R1 – Vol de données bancaires</a:t>
+                      </a:r>
+                      <a:endParaRPr sz="1200">
+                        <a:latin typeface="Arial"/>
+                        <a:cs typeface="Arial"/>
+                      </a:endParaRPr>
+                    </a:p>
+                  </a:txBody>
+                  <a:tcPr anchor="ctr"/>
+                </a:tc>
+                <a:tc>
+                  <a:txBody>
+                    <a:bodyPr/>
+                    <a:p>
+                      <a:pPr>
+                        <a:defRPr/>
+                      </a:pPr>
+                      <a:r>
+                        <a:rPr sz="1200" b="0" i="0" u="none">
+                          <a:solidFill>
+                            <a:srgbClr val="000000"/>
+                          </a:solidFill>
+                          <a:latin typeface="Arial"/>
+                          <a:ea typeface="Arial"/>
+                          <a:cs typeface="Arial"/>
+                        </a:rPr>
+                        <a:t>Protéger la confidentialité des paiements</a:t>
+                      </a:r>
+                      <a:endParaRPr sz="1200">
+                        <a:latin typeface="Arial"/>
+                        <a:cs typeface="Arial"/>
+                      </a:endParaRPr>
+                    </a:p>
+                  </a:txBody>
+                  <a:tcPr anchor="ctr"/>
+                </a:tc>
+                <a:tc>
+                  <a:txBody>
+                    <a:bodyPr/>
+                    <a:p>
+                      <a:pPr>
+                        <a:defRPr/>
+                      </a:pPr>
+                      <a:r>
+                        <a:rPr sz="1200" b="0" i="0" u="none">
+                          <a:solidFill>
+                            <a:srgbClr val="000000"/>
+                          </a:solidFill>
+                          <a:latin typeface="Arial"/>
+                          <a:ea typeface="Arial"/>
+                          <a:cs typeface="Arial"/>
+                        </a:rPr>
+                        <a:t>Paiement via prestataires conformes PCI-DSS, tokenisation des cartes, chiffrement fort des canaux, aucune conservation locale des données CB sur la PS4</a:t>
+                      </a:r>
+                      <a:endParaRPr sz="1200">
+                        <a:latin typeface="Arial"/>
+                        <a:cs typeface="Arial"/>
+                      </a:endParaRPr>
+                    </a:p>
+                  </a:txBody>
+                  <a:tcPr anchor="ctr"/>
+                </a:tc>
+                <a:tc>
+                  <a:txBody>
+                    <a:bodyPr/>
+                    <a:p>
+                      <a:pPr>
+                        <a:defRPr/>
+                      </a:pPr>
+                      <a:r>
+                        <a:rPr sz="1200" b="0" i="0" u="none">
+                          <a:solidFill>
+                            <a:srgbClr val="000000"/>
+                          </a:solidFill>
+                          <a:latin typeface="Arial"/>
+                          <a:ea typeface="Arial"/>
+                          <a:cs typeface="Arial"/>
+                        </a:rPr>
+                        <a:t>Prévention</a:t>
+                      </a:r>
+                      <a:endParaRPr sz="1200">
+                        <a:latin typeface="Arial"/>
+                        <a:cs typeface="Arial"/>
+                      </a:endParaRPr>
+                    </a:p>
+                  </a:txBody>
+                  <a:tcPr anchor="ctr"/>
+                </a:tc>
+              </a:tr>
+              <a:tr h="411646">
+                <a:tc>
+                  <a:txBody>
+                    <a:bodyPr/>
+                    <a:p>
+                      <a:pPr>
+                        <a:defRPr/>
+                      </a:pPr>
+                      <a:endParaRPr sz="1200">
+                        <a:latin typeface="Arial"/>
+                        <a:cs typeface="Arial"/>
+                      </a:endParaRPr>
+                    </a:p>
+                  </a:txBody>
+                  <a:tcPr anchor="ctr"/>
+                </a:tc>
+                <a:tc>
+                  <a:txBody>
+                    <a:bodyPr/>
+                    <a:p>
+                      <a:pPr>
+                        <a:defRPr/>
+                      </a:pPr>
+                      <a:endParaRPr sz="1200">
+                        <a:latin typeface="Arial"/>
+                        <a:cs typeface="Arial"/>
+                      </a:endParaRPr>
+                    </a:p>
+                  </a:txBody>
+                  <a:tcPr anchor="ctr"/>
+                </a:tc>
+                <a:tc>
+                  <a:txBody>
+                    <a:bodyPr/>
+                    <a:p>
+                      <a:pPr>
+                        <a:defRPr/>
+                      </a:pPr>
+                      <a:r>
+                        <a:rPr sz="1200" b="0" i="0" u="none">
+                          <a:solidFill>
+                            <a:srgbClr val="000000"/>
+                          </a:solidFill>
+                          <a:latin typeface="Arial"/>
+                          <a:ea typeface="Arial"/>
+                          <a:cs typeface="Arial"/>
+                        </a:rPr>
+                        <a:t>Systèmes de détection de fraude, alerte et blocage en cas de comportements anormaux</a:t>
+                      </a:r>
+                      <a:endParaRPr sz="1200">
+                        <a:latin typeface="Arial"/>
+                        <a:cs typeface="Arial"/>
+                      </a:endParaRPr>
+                    </a:p>
+                  </a:txBody>
+                  <a:tcPr anchor="ctr"/>
+                </a:tc>
+                <a:tc>
+                  <a:txBody>
+                    <a:bodyPr/>
+                    <a:p>
+                      <a:pPr>
+                        <a:defRPr/>
+                      </a:pPr>
+                      <a:r>
+                        <a:rPr sz="1200" b="0" i="0" u="none">
+                          <a:solidFill>
+                            <a:srgbClr val="000000"/>
+                          </a:solidFill>
+                          <a:latin typeface="Arial"/>
+                          <a:ea typeface="Arial"/>
+                          <a:cs typeface="Arial"/>
+                        </a:rPr>
+                        <a:t>Détection / Réaction</a:t>
+                      </a:r>
+                      <a:endParaRPr sz="1200">
+                        <a:latin typeface="Arial"/>
+                        <a:cs typeface="Arial"/>
+                      </a:endParaRPr>
+                    </a:p>
+                  </a:txBody>
+                  <a:tcPr anchor="ctr"/>
+                </a:tc>
+              </a:tr>
+            </a:tbl>
+          </a:graphicData>
+        </a:graphic>
+      </p:graphicFrame>
     </p:spTree>
   </p:cSld>
   <p:clrMapOvr>

--- a/Exercice PS4/Atelier 1/Diaporama.pptx
+++ b/Exercice PS4/Atelier 1/Diaporama.pptx
@@ -143,7 +143,7 @@
       </p:grpSpPr>
       <p:sp>
         <p:nvSpPr>
-          <p:cNvPr id="1998009889" name="Espace réservé d'en-tête 1"/>
+          <p:cNvPr id="447185241" name="Espace réservé d'en-tête 1"/>
           <p:cNvSpPr>
             <a:spLocks noGrp="1"/>
           </p:cNvSpPr>
@@ -177,7 +177,7 @@
       </p:sp>
       <p:sp>
         <p:nvSpPr>
-          <p:cNvPr id="1610230906" name="Espace réservé pour la date 2"/>
+          <p:cNvPr id="1836370444" name="Espace réservé pour la date 2"/>
           <p:cNvSpPr>
             <a:spLocks noGrp="1"/>
           </p:cNvSpPr>
@@ -215,7 +215,7 @@
       </p:sp>
       <p:sp>
         <p:nvSpPr>
-          <p:cNvPr id="1933080045" name="Espace réservé pour l'image de la diapositive 3"/>
+          <p:cNvPr id="829291580" name="Espace réservé pour l'image de la diapositive 3"/>
           <p:cNvSpPr>
             <a:spLocks noChangeAspect="1" noGrp="1" noRot="1"/>
           </p:cNvSpPr>
@@ -251,7 +251,7 @@
       </p:sp>
       <p:sp>
         <p:nvSpPr>
-          <p:cNvPr id="730009121" name="Remarques Espace réservé 4"/>
+          <p:cNvPr id="703918719" name="Remarques Espace réservé 4"/>
           <p:cNvSpPr>
             <a:spLocks noGrp="1"/>
           </p:cNvSpPr>
@@ -325,7 +325,7 @@
       </p:sp>
       <p:sp>
         <p:nvSpPr>
-          <p:cNvPr id="1758350349" name="Espace réservé du pied de page 5"/>
+          <p:cNvPr id="602319253" name="Espace réservé du pied de page 5"/>
           <p:cNvSpPr>
             <a:spLocks noGrp="1"/>
           </p:cNvSpPr>
@@ -359,7 +359,7 @@
       </p:sp>
       <p:sp>
         <p:nvSpPr>
-          <p:cNvPr id="293730835" name="Espace réservé du numéro de diapositive 6"/>
+          <p:cNvPr id="1263065606" name="Espace réservé du numéro de diapositive 6"/>
           <p:cNvSpPr>
             <a:spLocks noGrp="1"/>
           </p:cNvSpPr>
@@ -512,7 +512,7 @@
       </p:grpSpPr>
       <p:sp>
         <p:nvSpPr>
-          <p:cNvPr id="1004483511" name="Espace réservé pour l'image de la diapositive 1"/>
+          <p:cNvPr id="378098973" name="Espace réservé pour l'image de la diapositive 1"/>
           <p:cNvSpPr>
             <a:spLocks noChangeAspect="1" noGrp="1" noRot="1"/>
           </p:cNvSpPr>
@@ -529,7 +529,7 @@
       </p:sp>
       <p:sp>
         <p:nvSpPr>
-          <p:cNvPr id="1389245901" name="Remarques Espace réservé 2"/>
+          <p:cNvPr id="774795436" name="Remarques Espace réservé 2"/>
           <p:cNvSpPr>
             <a:spLocks noGrp="1"/>
           </p:cNvSpPr>
@@ -554,7 +554,7 @@
       </p:sp>
       <p:sp>
         <p:nvSpPr>
-          <p:cNvPr id="1786490867" name="Espace réservé pour le numéro de diapositive 3"/>
+          <p:cNvPr id="1177813683" name="Espace réservé pour le numéro de diapositive 3"/>
           <p:cNvSpPr>
             <a:spLocks noGrp="1"/>
           </p:cNvSpPr>
@@ -690,7 +690,7 @@
       </p:grpSpPr>
       <p:sp>
         <p:nvSpPr>
-          <p:cNvPr id="2023646599" name="Slide Image Placeholder 1"/>
+          <p:cNvPr id="317814784" name="Slide Image Placeholder 1"/>
           <p:cNvSpPr>
             <a:spLocks noChangeAspect="1" noGrp="1" noRot="1"/>
           </p:cNvSpPr>
@@ -702,7 +702,7 @@
       </p:sp>
       <p:sp>
         <p:nvSpPr>
-          <p:cNvPr id="322674966" name="Notes Placeholder 2"/>
+          <p:cNvPr id="1375912054" name="Notes Placeholder 2"/>
           <p:cNvSpPr>
             <a:spLocks noGrp="1"/>
           </p:cNvSpPr>
@@ -724,7 +724,7 @@
       </p:sp>
       <p:sp>
         <p:nvSpPr>
-          <p:cNvPr id="672219863" name="Slide Number Placeholder 3"/>
+          <p:cNvPr id="645071213" name="Slide Number Placeholder 3"/>
           <p:cNvSpPr>
             <a:spLocks noGrp="1"/>
           </p:cNvSpPr>
@@ -775,7 +775,7 @@
       </p:grpSpPr>
       <p:sp>
         <p:nvSpPr>
-          <p:cNvPr id="2113355096" name="Slide Image Placeholder 1"/>
+          <p:cNvPr id="1491792375" name="Slide Image Placeholder 1"/>
           <p:cNvSpPr>
             <a:spLocks noChangeAspect="1" noGrp="1" noRot="1"/>
           </p:cNvSpPr>
@@ -787,7 +787,7 @@
       </p:sp>
       <p:sp>
         <p:nvSpPr>
-          <p:cNvPr id="2009678253" name="Notes Placeholder 2"/>
+          <p:cNvPr id="562489792" name="Notes Placeholder 2"/>
           <p:cNvSpPr>
             <a:spLocks noGrp="1"/>
           </p:cNvSpPr>
@@ -809,7 +809,7 @@
       </p:sp>
       <p:sp>
         <p:nvSpPr>
-          <p:cNvPr id="442294394" name="Slide Number Placeholder 3"/>
+          <p:cNvPr id="1039578456" name="Slide Number Placeholder 3"/>
           <p:cNvSpPr>
             <a:spLocks noGrp="1"/>
           </p:cNvSpPr>
@@ -860,7 +860,7 @@
       </p:grpSpPr>
       <p:sp>
         <p:nvSpPr>
-          <p:cNvPr id="971225631" name="Slide Image Placeholder 1"/>
+          <p:cNvPr id="1394163410" name="Slide Image Placeholder 1"/>
           <p:cNvSpPr>
             <a:spLocks noChangeAspect="1" noGrp="1" noRot="1"/>
           </p:cNvSpPr>
@@ -872,7 +872,7 @@
       </p:sp>
       <p:sp>
         <p:nvSpPr>
-          <p:cNvPr id="672740317" name="Notes Placeholder 2"/>
+          <p:cNvPr id="1466140096" name="Notes Placeholder 2"/>
           <p:cNvSpPr>
             <a:spLocks noGrp="1"/>
           </p:cNvSpPr>
@@ -894,7 +894,7 @@
       </p:sp>
       <p:sp>
         <p:nvSpPr>
-          <p:cNvPr id="437708739" name="Slide Number Placeholder 3"/>
+          <p:cNvPr id="943208493" name="Slide Number Placeholder 3"/>
           <p:cNvSpPr>
             <a:spLocks noGrp="1"/>
           </p:cNvSpPr>
@@ -945,7 +945,7 @@
       </p:grpSpPr>
       <p:sp>
         <p:nvSpPr>
-          <p:cNvPr id="421045864" name="Slide Image Placeholder 1"/>
+          <p:cNvPr id="1307198858" name="Slide Image Placeholder 1"/>
           <p:cNvSpPr>
             <a:spLocks noChangeAspect="1" noGrp="1" noRot="1"/>
           </p:cNvSpPr>
@@ -957,7 +957,7 @@
       </p:sp>
       <p:sp>
         <p:nvSpPr>
-          <p:cNvPr id="1379770407" name="Notes Placeholder 2"/>
+          <p:cNvPr id="464288220" name="Notes Placeholder 2"/>
           <p:cNvSpPr>
             <a:spLocks noGrp="1"/>
           </p:cNvSpPr>
@@ -979,7 +979,7 @@
       </p:sp>
       <p:sp>
         <p:nvSpPr>
-          <p:cNvPr id="1329860597" name="Slide Number Placeholder 3"/>
+          <p:cNvPr id="1571088362" name="Slide Number Placeholder 3"/>
           <p:cNvSpPr>
             <a:spLocks noGrp="1"/>
           </p:cNvSpPr>
@@ -1030,7 +1030,7 @@
       </p:grpSpPr>
       <p:sp>
         <p:nvSpPr>
-          <p:cNvPr id="558034739" name="Slide Image Placeholder 1"/>
+          <p:cNvPr id="1171235395" name="Slide Image Placeholder 1"/>
           <p:cNvSpPr>
             <a:spLocks noChangeAspect="1" noGrp="1" noRot="1"/>
           </p:cNvSpPr>
@@ -1042,7 +1042,7 @@
       </p:sp>
       <p:sp>
         <p:nvSpPr>
-          <p:cNvPr id="781411850" name="Notes Placeholder 2"/>
+          <p:cNvPr id="1769651066" name="Notes Placeholder 2"/>
           <p:cNvSpPr>
             <a:spLocks noGrp="1"/>
           </p:cNvSpPr>
@@ -1064,7 +1064,7 @@
       </p:sp>
       <p:sp>
         <p:nvSpPr>
-          <p:cNvPr id="677340467" name="Slide Number Placeholder 3"/>
+          <p:cNvPr id="1122665509" name="Slide Number Placeholder 3"/>
           <p:cNvSpPr>
             <a:spLocks noGrp="1"/>
           </p:cNvSpPr>
@@ -1115,7 +1115,7 @@
       </p:grpSpPr>
       <p:sp>
         <p:nvSpPr>
-          <p:cNvPr id="120327247" name="Slide Image Placeholder 1"/>
+          <p:cNvPr id="1310229788" name="Slide Image Placeholder 1"/>
           <p:cNvSpPr>
             <a:spLocks noChangeAspect="1" noGrp="1" noRot="1"/>
           </p:cNvSpPr>
@@ -1127,7 +1127,7 @@
       </p:sp>
       <p:sp>
         <p:nvSpPr>
-          <p:cNvPr id="1205391672" name="Notes Placeholder 2"/>
+          <p:cNvPr id="1600919304" name="Notes Placeholder 2"/>
           <p:cNvSpPr>
             <a:spLocks noGrp="1"/>
           </p:cNvSpPr>
@@ -1149,7 +1149,7 @@
       </p:sp>
       <p:sp>
         <p:nvSpPr>
-          <p:cNvPr id="2048224370" name="Slide Number Placeholder 3"/>
+          <p:cNvPr id="1997389193" name="Slide Number Placeholder 3"/>
           <p:cNvSpPr>
             <a:spLocks noGrp="1"/>
           </p:cNvSpPr>
@@ -1200,7 +1200,7 @@
       </p:grpSpPr>
       <p:sp>
         <p:nvSpPr>
-          <p:cNvPr id="1702918219" name="Slide Image Placeholder 1"/>
+          <p:cNvPr id="334431381" name="Slide Image Placeholder 1"/>
           <p:cNvSpPr>
             <a:spLocks noChangeAspect="1" noGrp="1" noRot="1"/>
           </p:cNvSpPr>
@@ -1212,7 +1212,7 @@
       </p:sp>
       <p:sp>
         <p:nvSpPr>
-          <p:cNvPr id="1317494345" name="Notes Placeholder 2"/>
+          <p:cNvPr id="1591650525" name="Notes Placeholder 2"/>
           <p:cNvSpPr>
             <a:spLocks noGrp="1"/>
           </p:cNvSpPr>
@@ -1234,7 +1234,7 @@
       </p:sp>
       <p:sp>
         <p:nvSpPr>
-          <p:cNvPr id="220649955" name="Slide Number Placeholder 3"/>
+          <p:cNvPr id="523751367" name="Slide Number Placeholder 3"/>
           <p:cNvSpPr>
             <a:spLocks noGrp="1"/>
           </p:cNvSpPr>
@@ -1370,7 +1370,7 @@
       </p:grpSpPr>
       <p:sp>
         <p:nvSpPr>
-          <p:cNvPr id="831184789" name="Titre 1"/>
+          <p:cNvPr id="87574195" name="Titre 1"/>
           <p:cNvSpPr>
             <a:spLocks noGrp="1"/>
           </p:cNvSpPr>
@@ -1405,7 +1405,7 @@
       </p:sp>
       <p:sp>
         <p:nvSpPr>
-          <p:cNvPr id="1149177284" name="Sous-titre 2"/>
+          <p:cNvPr id="1414097883" name="Sous-titre 2"/>
           <p:cNvSpPr>
             <a:spLocks noGrp="1"/>
           </p:cNvSpPr>
@@ -1473,7 +1473,7 @@
       </p:sp>
       <p:sp>
         <p:nvSpPr>
-          <p:cNvPr id="1411020211" name="Espace réservé de la date 3"/>
+          <p:cNvPr id="1220971786" name="Espace réservé de la date 3"/>
           <p:cNvSpPr>
             <a:spLocks noGrp="1"/>
           </p:cNvSpPr>
@@ -1499,7 +1499,7 @@
       </p:sp>
       <p:sp>
         <p:nvSpPr>
-          <p:cNvPr id="1213552828" name="Espace réservé du pied de page 4"/>
+          <p:cNvPr id="1109978563" name="Espace réservé du pied de page 4"/>
           <p:cNvSpPr>
             <a:spLocks noGrp="1"/>
           </p:cNvSpPr>
@@ -1521,7 +1521,7 @@
       </p:sp>
       <p:sp>
         <p:nvSpPr>
-          <p:cNvPr id="1290055765" name="Espace réservé du numéro de diapositive 5"/>
+          <p:cNvPr id="297513323" name="Espace réservé du numéro de diapositive 5"/>
           <p:cNvSpPr>
             <a:spLocks noGrp="1"/>
           </p:cNvSpPr>
@@ -1572,7 +1572,7 @@
       </p:grpSpPr>
       <p:sp>
         <p:nvSpPr>
-          <p:cNvPr id="1396754729" name="Titre 1"/>
+          <p:cNvPr id="556464616" name="Titre 1"/>
           <p:cNvSpPr>
             <a:spLocks noGrp="1"/>
           </p:cNvSpPr>
@@ -1598,7 +1598,7 @@
       </p:sp>
       <p:sp>
         <p:nvSpPr>
-          <p:cNvPr id="2027619568" name="Espace réservé du texte vertical 2"/>
+          <p:cNvPr id="919621113" name="Espace réservé du texte vertical 2"/>
           <p:cNvSpPr>
             <a:spLocks noGrp="1"/>
           </p:cNvSpPr>
@@ -1664,7 +1664,7 @@
       </p:sp>
       <p:sp>
         <p:nvSpPr>
-          <p:cNvPr id="335411656" name="Espace réservé de la date 3"/>
+          <p:cNvPr id="1598142240" name="Espace réservé de la date 3"/>
           <p:cNvSpPr>
             <a:spLocks noGrp="1"/>
           </p:cNvSpPr>
@@ -1690,7 +1690,7 @@
       </p:sp>
       <p:sp>
         <p:nvSpPr>
-          <p:cNvPr id="1078473825" name="Espace réservé du pied de page 4"/>
+          <p:cNvPr id="604160032" name="Espace réservé du pied de page 4"/>
           <p:cNvSpPr>
             <a:spLocks noGrp="1"/>
           </p:cNvSpPr>
@@ -1712,7 +1712,7 @@
       </p:sp>
       <p:sp>
         <p:nvSpPr>
-          <p:cNvPr id="1857804474" name="Espace réservé du numéro de diapositive 5"/>
+          <p:cNvPr id="14334052" name="Espace réservé du numéro de diapositive 5"/>
           <p:cNvSpPr>
             <a:spLocks noGrp="1"/>
           </p:cNvSpPr>
@@ -1763,7 +1763,7 @@
       </p:grpSpPr>
       <p:sp>
         <p:nvSpPr>
-          <p:cNvPr id="82026051" name="Titre vertical 1"/>
+          <p:cNvPr id="1318399316" name="Titre vertical 1"/>
           <p:cNvSpPr>
             <a:spLocks noGrp="1"/>
           </p:cNvSpPr>
@@ -1794,7 +1794,7 @@
       </p:sp>
       <p:sp>
         <p:nvSpPr>
-          <p:cNvPr id="1463760602" name="Espace réservé du texte vertical 2"/>
+          <p:cNvPr id="1951536120" name="Espace réservé du texte vertical 2"/>
           <p:cNvSpPr>
             <a:spLocks noGrp="1"/>
           </p:cNvSpPr>
@@ -1865,7 +1865,7 @@
       </p:sp>
       <p:sp>
         <p:nvSpPr>
-          <p:cNvPr id="229370820" name="Espace réservé de la date 3"/>
+          <p:cNvPr id="311323409" name="Espace réservé de la date 3"/>
           <p:cNvSpPr>
             <a:spLocks noGrp="1"/>
           </p:cNvSpPr>
@@ -1891,7 +1891,7 @@
       </p:sp>
       <p:sp>
         <p:nvSpPr>
-          <p:cNvPr id="1883055047" name="Espace réservé du pied de page 4"/>
+          <p:cNvPr id="256428378" name="Espace réservé du pied de page 4"/>
           <p:cNvSpPr>
             <a:spLocks noGrp="1"/>
           </p:cNvSpPr>
@@ -1913,7 +1913,7 @@
       </p:sp>
       <p:sp>
         <p:nvSpPr>
-          <p:cNvPr id="393395464" name="Espace réservé du numéro de diapositive 5"/>
+          <p:cNvPr id="1502210092" name="Espace réservé du numéro de diapositive 5"/>
           <p:cNvSpPr>
             <a:spLocks noGrp="1"/>
           </p:cNvSpPr>
@@ -1964,7 +1964,7 @@
       </p:grpSpPr>
       <p:sp>
         <p:nvSpPr>
-          <p:cNvPr id="1034119191" name="Titre 1"/>
+          <p:cNvPr id="1004493164" name="Titre 1"/>
           <p:cNvSpPr>
             <a:spLocks noGrp="1"/>
           </p:cNvSpPr>
@@ -1990,7 +1990,7 @@
       </p:sp>
       <p:sp>
         <p:nvSpPr>
-          <p:cNvPr id="241202790" name="Espace réservé du contenu 2"/>
+          <p:cNvPr id="502764972" name="Espace réservé du contenu 2"/>
           <p:cNvSpPr>
             <a:spLocks noGrp="1"/>
           </p:cNvSpPr>
@@ -2056,7 +2056,7 @@
       </p:sp>
       <p:sp>
         <p:nvSpPr>
-          <p:cNvPr id="1526235886" name="Espace réservé de la date 3"/>
+          <p:cNvPr id="905171735" name="Espace réservé de la date 3"/>
           <p:cNvSpPr>
             <a:spLocks noGrp="1"/>
           </p:cNvSpPr>
@@ -2082,7 +2082,7 @@
       </p:sp>
       <p:sp>
         <p:nvSpPr>
-          <p:cNvPr id="202948689" name="Espace réservé du pied de page 4"/>
+          <p:cNvPr id="1387252000" name="Espace réservé du pied de page 4"/>
           <p:cNvSpPr>
             <a:spLocks noGrp="1"/>
           </p:cNvSpPr>
@@ -2104,7 +2104,7 @@
       </p:sp>
       <p:sp>
         <p:nvSpPr>
-          <p:cNvPr id="1614197471" name="Espace réservé du numéro de diapositive 5"/>
+          <p:cNvPr id="548713268" name="Espace réservé du numéro de diapositive 5"/>
           <p:cNvSpPr>
             <a:spLocks noGrp="1"/>
           </p:cNvSpPr>
@@ -2155,7 +2155,7 @@
       </p:grpSpPr>
       <p:sp>
         <p:nvSpPr>
-          <p:cNvPr id="545184888" name="Titre 1"/>
+          <p:cNvPr id="1265421814" name="Titre 1"/>
           <p:cNvSpPr>
             <a:spLocks noGrp="1"/>
           </p:cNvSpPr>
@@ -2190,7 +2190,7 @@
       </p:sp>
       <p:sp>
         <p:nvSpPr>
-          <p:cNvPr id="1655985300" name="Espace réservé du texte 2"/>
+          <p:cNvPr id="944802669" name="Espace réservé du texte 2"/>
           <p:cNvSpPr>
             <a:spLocks noGrp="1"/>
           </p:cNvSpPr>
@@ -2312,7 +2312,7 @@
       </p:sp>
       <p:sp>
         <p:nvSpPr>
-          <p:cNvPr id="282913446" name="Espace réservé de la date 3"/>
+          <p:cNvPr id="53058226" name="Espace réservé de la date 3"/>
           <p:cNvSpPr>
             <a:spLocks noGrp="1"/>
           </p:cNvSpPr>
@@ -2338,7 +2338,7 @@
       </p:sp>
       <p:sp>
         <p:nvSpPr>
-          <p:cNvPr id="814017181" name="Espace réservé du pied de page 4"/>
+          <p:cNvPr id="325380095" name="Espace réservé du pied de page 4"/>
           <p:cNvSpPr>
             <a:spLocks noGrp="1"/>
           </p:cNvSpPr>
@@ -2360,7 +2360,7 @@
       </p:sp>
       <p:sp>
         <p:nvSpPr>
-          <p:cNvPr id="1284105197" name="Espace réservé du numéro de diapositive 5"/>
+          <p:cNvPr id="788645028" name="Espace réservé du numéro de diapositive 5"/>
           <p:cNvSpPr>
             <a:spLocks noGrp="1"/>
           </p:cNvSpPr>
@@ -2411,7 +2411,7 @@
       </p:grpSpPr>
       <p:sp>
         <p:nvSpPr>
-          <p:cNvPr id="1381291071" name="Titre 1"/>
+          <p:cNvPr id="1464326548" name="Titre 1"/>
           <p:cNvSpPr>
             <a:spLocks noGrp="1"/>
           </p:cNvSpPr>
@@ -2437,7 +2437,7 @@
       </p:sp>
       <p:sp>
         <p:nvSpPr>
-          <p:cNvPr id="844780565" name="Espace réservé du contenu 2"/>
+          <p:cNvPr id="1199367603" name="Espace réservé du contenu 2"/>
           <p:cNvSpPr>
             <a:spLocks noGrp="1"/>
           </p:cNvSpPr>
@@ -2508,7 +2508,7 @@
       </p:sp>
       <p:sp>
         <p:nvSpPr>
-          <p:cNvPr id="1973581264" name="Espace réservé du contenu 3"/>
+          <p:cNvPr id="1383221313" name="Espace réservé du contenu 3"/>
           <p:cNvSpPr>
             <a:spLocks noGrp="1"/>
           </p:cNvSpPr>
@@ -2579,7 +2579,7 @@
       </p:sp>
       <p:sp>
         <p:nvSpPr>
-          <p:cNvPr id="431492773" name="Espace réservé de la date 4"/>
+          <p:cNvPr id="911469673" name="Espace réservé de la date 4"/>
           <p:cNvSpPr>
             <a:spLocks noGrp="1"/>
           </p:cNvSpPr>
@@ -2605,7 +2605,7 @@
       </p:sp>
       <p:sp>
         <p:nvSpPr>
-          <p:cNvPr id="422753012" name="Espace réservé du pied de page 5"/>
+          <p:cNvPr id="684000803" name="Espace réservé du pied de page 5"/>
           <p:cNvSpPr>
             <a:spLocks noGrp="1"/>
           </p:cNvSpPr>
@@ -2627,7 +2627,7 @@
       </p:sp>
       <p:sp>
         <p:nvSpPr>
-          <p:cNvPr id="1332125566" name="Espace réservé du numéro de diapositive 6"/>
+          <p:cNvPr id="756055518" name="Espace réservé du numéro de diapositive 6"/>
           <p:cNvSpPr>
             <a:spLocks noGrp="1"/>
           </p:cNvSpPr>
@@ -2678,7 +2678,7 @@
       </p:grpSpPr>
       <p:sp>
         <p:nvSpPr>
-          <p:cNvPr id="1152853695" name="Titre 1"/>
+          <p:cNvPr id="337803001" name="Titre 1"/>
           <p:cNvSpPr>
             <a:spLocks noGrp="1"/>
           </p:cNvSpPr>
@@ -2709,7 +2709,7 @@
       </p:sp>
       <p:sp>
         <p:nvSpPr>
-          <p:cNvPr id="180288649" name="Espace réservé du texte 2"/>
+          <p:cNvPr id="772444696" name="Espace réservé du texte 2"/>
           <p:cNvSpPr>
             <a:spLocks noGrp="1"/>
           </p:cNvSpPr>
@@ -2777,7 +2777,7 @@
       </p:sp>
       <p:sp>
         <p:nvSpPr>
-          <p:cNvPr id="727203814" name="Espace réservé du contenu 3"/>
+          <p:cNvPr id="1447692" name="Espace réservé du contenu 3"/>
           <p:cNvSpPr>
             <a:spLocks noGrp="1"/>
           </p:cNvSpPr>
@@ -2848,7 +2848,7 @@
       </p:sp>
       <p:sp>
         <p:nvSpPr>
-          <p:cNvPr id="19395242" name="Espace réservé du texte 4"/>
+          <p:cNvPr id="678210012" name="Espace réservé du texte 4"/>
           <p:cNvSpPr>
             <a:spLocks noGrp="1"/>
           </p:cNvSpPr>
@@ -2916,7 +2916,7 @@
       </p:sp>
       <p:sp>
         <p:nvSpPr>
-          <p:cNvPr id="916680678" name="Espace réservé du contenu 5"/>
+          <p:cNvPr id="1738850240" name="Espace réservé du contenu 5"/>
           <p:cNvSpPr>
             <a:spLocks noGrp="1"/>
           </p:cNvSpPr>
@@ -2987,7 +2987,7 @@
       </p:sp>
       <p:sp>
         <p:nvSpPr>
-          <p:cNvPr id="2097907282" name="Espace réservé de la date 6"/>
+          <p:cNvPr id="1880927218" name="Espace réservé de la date 6"/>
           <p:cNvSpPr>
             <a:spLocks noGrp="1"/>
           </p:cNvSpPr>
@@ -3013,7 +3013,7 @@
       </p:sp>
       <p:sp>
         <p:nvSpPr>
-          <p:cNvPr id="2062845588" name="Espace réservé du pied de page 7"/>
+          <p:cNvPr id="291139129" name="Espace réservé du pied de page 7"/>
           <p:cNvSpPr>
             <a:spLocks noGrp="1"/>
           </p:cNvSpPr>
@@ -3035,7 +3035,7 @@
       </p:sp>
       <p:sp>
         <p:nvSpPr>
-          <p:cNvPr id="532618978" name="Espace réservé du numéro de diapositive 8"/>
+          <p:cNvPr id="1928177314" name="Espace réservé du numéro de diapositive 8"/>
           <p:cNvSpPr>
             <a:spLocks noGrp="1"/>
           </p:cNvSpPr>
@@ -3086,7 +3086,7 @@
       </p:grpSpPr>
       <p:sp>
         <p:nvSpPr>
-          <p:cNvPr id="1567997486" name="Titre 1"/>
+          <p:cNvPr id="806738149" name="Titre 1"/>
           <p:cNvSpPr>
             <a:spLocks noGrp="1"/>
           </p:cNvSpPr>
@@ -3112,7 +3112,7 @@
       </p:sp>
       <p:sp>
         <p:nvSpPr>
-          <p:cNvPr id="1820893000" name="Espace réservé de la date 2"/>
+          <p:cNvPr id="214964416" name="Espace réservé de la date 2"/>
           <p:cNvSpPr>
             <a:spLocks noGrp="1"/>
           </p:cNvSpPr>
@@ -3138,7 +3138,7 @@
       </p:sp>
       <p:sp>
         <p:nvSpPr>
-          <p:cNvPr id="457937962" name="Espace réservé du pied de page 3"/>
+          <p:cNvPr id="1804576207" name="Espace réservé du pied de page 3"/>
           <p:cNvSpPr>
             <a:spLocks noGrp="1"/>
           </p:cNvSpPr>
@@ -3160,7 +3160,7 @@
       </p:sp>
       <p:sp>
         <p:nvSpPr>
-          <p:cNvPr id="433837185" name="Espace réservé du numéro de diapositive 4"/>
+          <p:cNvPr id="2098216069" name="Espace réservé du numéro de diapositive 4"/>
           <p:cNvSpPr>
             <a:spLocks noGrp="1"/>
           </p:cNvSpPr>
@@ -3211,7 +3211,7 @@
       </p:grpSpPr>
       <p:sp>
         <p:nvSpPr>
-          <p:cNvPr id="89561810" name="Espace réservé de la date 1"/>
+          <p:cNvPr id="1496134692" name="Espace réservé de la date 1"/>
           <p:cNvSpPr>
             <a:spLocks noGrp="1"/>
           </p:cNvSpPr>
@@ -3237,7 +3237,7 @@
       </p:sp>
       <p:sp>
         <p:nvSpPr>
-          <p:cNvPr id="1721530008" name="Espace réservé du pied de page 2"/>
+          <p:cNvPr id="1227849609" name="Espace réservé du pied de page 2"/>
           <p:cNvSpPr>
             <a:spLocks noGrp="1"/>
           </p:cNvSpPr>
@@ -3259,7 +3259,7 @@
       </p:sp>
       <p:sp>
         <p:nvSpPr>
-          <p:cNvPr id="654724027" name="Espace réservé du numéro de diapositive 3"/>
+          <p:cNvPr id="1228449487" name="Espace réservé du numéro de diapositive 3"/>
           <p:cNvSpPr>
             <a:spLocks noGrp="1"/>
           </p:cNvSpPr>
@@ -3310,7 +3310,7 @@
       </p:grpSpPr>
       <p:sp>
         <p:nvSpPr>
-          <p:cNvPr id="1492895324" name="Titre 1"/>
+          <p:cNvPr id="1368625429" name="Titre 1"/>
           <p:cNvSpPr>
             <a:spLocks noGrp="1"/>
           </p:cNvSpPr>
@@ -3345,7 +3345,7 @@
       </p:sp>
       <p:sp>
         <p:nvSpPr>
-          <p:cNvPr id="123918025" name="Espace réservé du contenu 2"/>
+          <p:cNvPr id="1966457866" name="Espace réservé du contenu 2"/>
           <p:cNvSpPr>
             <a:spLocks noGrp="1"/>
           </p:cNvSpPr>
@@ -3444,7 +3444,7 @@
       </p:sp>
       <p:sp>
         <p:nvSpPr>
-          <p:cNvPr id="1717344001" name="Espace réservé du texte 3"/>
+          <p:cNvPr id="341189000" name="Espace réservé du texte 3"/>
           <p:cNvSpPr>
             <a:spLocks noGrp="1"/>
           </p:cNvSpPr>
@@ -3512,7 +3512,7 @@
       </p:sp>
       <p:sp>
         <p:nvSpPr>
-          <p:cNvPr id="2049897476" name="Espace réservé de la date 4"/>
+          <p:cNvPr id="284490557" name="Espace réservé de la date 4"/>
           <p:cNvSpPr>
             <a:spLocks noGrp="1"/>
           </p:cNvSpPr>
@@ -3538,7 +3538,7 @@
       </p:sp>
       <p:sp>
         <p:nvSpPr>
-          <p:cNvPr id="2012984594" name="Espace réservé du pied de page 5"/>
+          <p:cNvPr id="921408362" name="Espace réservé du pied de page 5"/>
           <p:cNvSpPr>
             <a:spLocks noGrp="1"/>
           </p:cNvSpPr>
@@ -3560,7 +3560,7 @@
       </p:sp>
       <p:sp>
         <p:nvSpPr>
-          <p:cNvPr id="1956579350" name="Espace réservé du numéro de diapositive 6"/>
+          <p:cNvPr id="1391978629" name="Espace réservé du numéro de diapositive 6"/>
           <p:cNvSpPr>
             <a:spLocks noGrp="1"/>
           </p:cNvSpPr>
@@ -3611,7 +3611,7 @@
       </p:grpSpPr>
       <p:sp>
         <p:nvSpPr>
-          <p:cNvPr id="583418366" name="Titre 1"/>
+          <p:cNvPr id="855023107" name="Titre 1"/>
           <p:cNvSpPr>
             <a:spLocks noGrp="1"/>
           </p:cNvSpPr>
@@ -3646,7 +3646,7 @@
       </p:sp>
       <p:sp>
         <p:nvSpPr>
-          <p:cNvPr id="774527472" name="Espace réservé pour une image 2"/>
+          <p:cNvPr id="1606050920" name="Espace réservé pour une image 2"/>
           <p:cNvSpPr>
             <a:spLocks noChangeAspect="1" noGrp="1"/>
           </p:cNvSpPr>
@@ -3714,7 +3714,7 @@
       </p:sp>
       <p:sp>
         <p:nvSpPr>
-          <p:cNvPr id="685378778" name="Espace réservé du texte 3"/>
+          <p:cNvPr id="1447058939" name="Espace réservé du texte 3"/>
           <p:cNvSpPr>
             <a:spLocks noGrp="1"/>
           </p:cNvSpPr>
@@ -3782,7 +3782,7 @@
       </p:sp>
       <p:sp>
         <p:nvSpPr>
-          <p:cNvPr id="711453104" name="Espace réservé de la date 4"/>
+          <p:cNvPr id="250628735" name="Espace réservé de la date 4"/>
           <p:cNvSpPr>
             <a:spLocks noGrp="1"/>
           </p:cNvSpPr>
@@ -3808,7 +3808,7 @@
       </p:sp>
       <p:sp>
         <p:nvSpPr>
-          <p:cNvPr id="1875058390" name="Espace réservé du pied de page 5"/>
+          <p:cNvPr id="548213587" name="Espace réservé du pied de page 5"/>
           <p:cNvSpPr>
             <a:spLocks noGrp="1"/>
           </p:cNvSpPr>
@@ -3830,7 +3830,7 @@
       </p:sp>
       <p:sp>
         <p:nvSpPr>
-          <p:cNvPr id="1492547986" name="Espace réservé du numéro de diapositive 6"/>
+          <p:cNvPr id="1680416337" name="Espace réservé du numéro de diapositive 6"/>
           <p:cNvSpPr>
             <a:spLocks noGrp="1"/>
           </p:cNvSpPr>
@@ -3886,7 +3886,7 @@
       </p:grpSpPr>
       <p:sp>
         <p:nvSpPr>
-          <p:cNvPr id="1958398089" name="Espace réservé du titre 1"/>
+          <p:cNvPr id="828982108" name="Espace réservé du titre 1"/>
           <p:cNvSpPr>
             <a:spLocks noGrp="1"/>
           </p:cNvSpPr>
@@ -3922,7 +3922,7 @@
       </p:sp>
       <p:sp>
         <p:nvSpPr>
-          <p:cNvPr id="1718196273" name="Espace réservé du texte 2"/>
+          <p:cNvPr id="1251386342" name="Espace réservé du texte 2"/>
           <p:cNvSpPr>
             <a:spLocks noGrp="1"/>
           </p:cNvSpPr>
@@ -3998,7 +3998,7 @@
       </p:sp>
       <p:sp>
         <p:nvSpPr>
-          <p:cNvPr id="1058197734" name="Espace réservé de la date 3"/>
+          <p:cNvPr id="2067324364" name="Espace réservé de la date 3"/>
           <p:cNvSpPr>
             <a:spLocks noGrp="1"/>
           </p:cNvSpPr>
@@ -4042,7 +4042,7 @@
       </p:sp>
       <p:sp>
         <p:nvSpPr>
-          <p:cNvPr id="1977116443" name="Espace réservé du pied de page 4"/>
+          <p:cNvPr id="258262682" name="Espace réservé du pied de page 4"/>
           <p:cNvSpPr>
             <a:spLocks noGrp="1"/>
           </p:cNvSpPr>
@@ -4082,7 +4082,7 @@
       </p:sp>
       <p:sp>
         <p:nvSpPr>
-          <p:cNvPr id="326342779" name="Espace réservé du numéro de diapositive 5"/>
+          <p:cNvPr id="1284000055" name="Espace réservé du numéro de diapositive 5"/>
           <p:cNvSpPr>
             <a:spLocks noGrp="1"/>
           </p:cNvSpPr>
@@ -4442,7 +4442,7 @@
       </p:grpSpPr>
       <p:pic>
         <p:nvPicPr>
-          <p:cNvPr id="163143718" name=""/>
+          <p:cNvPr id="1573048014" name=""/>
           <p:cNvPicPr>
             <a:picLocks noChangeAspect="1"/>
           </p:cNvPicPr>
@@ -4465,7 +4465,7 @@
       </p:pic>
       <p:sp>
         <p:nvSpPr>
-          <p:cNvPr id="594181352" name="Titre 1"/>
+          <p:cNvPr id="951010002" name="Titre 1"/>
           <p:cNvSpPr>
             <a:spLocks noGrp="1"/>
           </p:cNvSpPr>
@@ -4958,7 +4958,7 @@
       </p:grpSpPr>
       <p:graphicFrame>
         <p:nvGraphicFramePr>
-          <p:cNvPr id="1582931672" name=""/>
+          <p:cNvPr id="1966426235" name=""/>
           <p:cNvGraphicFramePr>
             <a:graphicFrameLocks xmlns:a="http://schemas.openxmlformats.org/drawingml/2006/main"/>
           </p:cNvGraphicFramePr>
@@ -6156,7 +6156,7 @@
       </p:graphicFrame>
       <p:sp>
         <p:nvSpPr>
-          <p:cNvPr id="918297493" name="Titre 1"/>
+          <p:cNvPr id="101796663" name="Titre 1"/>
           <p:cNvSpPr>
             <a:spLocks noGrp="1"/>
           </p:cNvSpPr>
@@ -6220,7 +6220,7 @@
       </p:grpSpPr>
       <p:graphicFrame>
         <p:nvGraphicFramePr>
-          <p:cNvPr id="130080230" name=""/>
+          <p:cNvPr id="1784482617" name=""/>
           <p:cNvGraphicFramePr>
             <a:graphicFrameLocks xmlns:a="http://schemas.openxmlformats.org/drawingml/2006/main"/>
           </p:cNvGraphicFramePr>
@@ -7443,7 +7443,7 @@
       </p:graphicFrame>
       <p:sp>
         <p:nvSpPr>
-          <p:cNvPr id="829179638" name="Titre 1"/>
+          <p:cNvPr id="302238838" name="Titre 1"/>
           <p:cNvSpPr>
             <a:spLocks noGrp="1"/>
           </p:cNvSpPr>
@@ -7525,7 +7525,7 @@
       </p:grpSpPr>
       <p:graphicFrame>
         <p:nvGraphicFramePr>
-          <p:cNvPr id="1130539769" name=""/>
+          <p:cNvPr id="696478949" name=""/>
           <p:cNvGraphicFramePr>
             <a:graphicFrameLocks xmlns:a="http://schemas.openxmlformats.org/drawingml/2006/main"/>
           </p:cNvGraphicFramePr>
@@ -8165,7 +8165,7 @@
       </p:graphicFrame>
       <p:sp>
         <p:nvSpPr>
-          <p:cNvPr id="1221576536" name="Titre 1"/>
+          <p:cNvPr id="1772294200" name="Titre 1"/>
           <p:cNvSpPr>
             <a:spLocks noGrp="1"/>
           </p:cNvSpPr>
@@ -8196,7 +8196,7 @@
       </p:sp>
       <p:sp>
         <p:nvSpPr>
-          <p:cNvPr id="582570491" name=""/>
+          <p:cNvPr id="794234385" name=""/>
           <p:cNvSpPr/>
           <p:nvPr/>
         </p:nvSpPr>
@@ -8507,7 +8507,7 @@
       </p:grpSpPr>
       <p:sp>
         <p:nvSpPr>
-          <p:cNvPr id="401956153" name="Titre 1"/>
+          <p:cNvPr id="104297482" name="Titre 1"/>
           <p:cNvSpPr>
             <a:spLocks noGrp="1"/>
           </p:cNvSpPr>
@@ -8538,7 +8538,7 @@
       </p:sp>
       <p:graphicFrame>
         <p:nvGraphicFramePr>
-          <p:cNvPr id="460004255" name=""/>
+          <p:cNvPr id="124574838" name=""/>
           <p:cNvGraphicFramePr>
             <a:graphicFrameLocks xmlns:a="http://schemas.openxmlformats.org/drawingml/2006/main"/>
           </p:cNvGraphicFramePr>
@@ -9904,7 +9904,7 @@
       </p:grpSpPr>
       <p:sp>
         <p:nvSpPr>
-          <p:cNvPr id="540901651" name="Titre 1"/>
+          <p:cNvPr id="949573944" name="Titre 1"/>
           <p:cNvSpPr>
             <a:spLocks noGrp="1"/>
           </p:cNvSpPr>
@@ -9935,7 +9935,7 @@
       </p:sp>
       <p:graphicFrame>
         <p:nvGraphicFramePr>
-          <p:cNvPr id="1666065481" name=""/>
+          <p:cNvPr id="1348086197" name=""/>
           <p:cNvGraphicFramePr>
             <a:graphicFrameLocks xmlns:a="http://schemas.openxmlformats.org/drawingml/2006/main"/>
           </p:cNvGraphicFramePr>
@@ -9952,12 +9952,11 @@
                 <a:tableStyleId>{5940675A-B579-460E-94D1-54222C63F5DA}</a:tableStyleId>
               </a:tblPr>
               <a:tblGrid>
-                <a:gridCol w="855782"/>
-                <a:gridCol w="1828722"/>
-                <a:gridCol w="1889096"/>
-                <a:gridCol w="3380488"/>
-                <a:gridCol w="1093687"/>
-                <a:gridCol w="1988522"/>
+                <a:gridCol w="855781"/>
+                <a:gridCol w="1828721"/>
+                <a:gridCol w="1889095"/>
+                <a:gridCol w="3380487"/>
+                <a:gridCol w="1093686"/>
               </a:tblGrid>
               <a:tr h="384810">
                 <a:tc>
@@ -10081,32 +10080,6 @@
                           <a:cs typeface="Arial"/>
                         </a:rPr>
                         <a:t>Probabilité</a:t>
-                      </a:r>
-                      <a:endParaRPr>
-                        <a:latin typeface="Arial"/>
-                        <a:cs typeface="Arial"/>
-                      </a:endParaRPr>
-                    </a:p>
-                  </a:txBody>
-                  <a:tcPr anchor="ctr"/>
-                </a:tc>
-                <a:tc>
-                  <a:txBody>
-                    <a:bodyPr/>
-                    <a:p>
-                      <a:pPr algn="ctr">
-                        <a:defRPr/>
-                      </a:pPr>
-                      <a:r>
-                        <a:rPr sz="1200" b="1" i="0" u="none">
-                          <a:solidFill>
-                            <a:srgbClr val="000000"/>
-                          </a:solidFill>
-                          <a:latin typeface="Arial"/>
-                          <a:ea typeface="Arial"/>
-                          <a:cs typeface="Arial"/>
-                        </a:rPr>
-                        <a:t>Justification (à l’oral ou en note)</a:t>
                       </a:r>
                       <a:endParaRPr>
                         <a:latin typeface="Arial"/>
@@ -10275,32 +10248,6 @@
                     </a:solidFill>
                   </a:tcPr>
                 </a:tc>
-                <a:tc>
-                  <a:txBody>
-                    <a:bodyPr/>
-                    <a:p>
-                      <a:pPr>
-                        <a:defRPr/>
-                      </a:pPr>
-                      <a:r>
-                        <a:rPr sz="1200" b="0" i="0" u="none">
-                          <a:solidFill>
-                            <a:srgbClr val="000000"/>
-                          </a:solidFill>
-                          <a:latin typeface="Arial"/>
-                          <a:ea typeface="Arial"/>
-                          <a:cs typeface="Arial"/>
-                        </a:rPr>
-                        <a:t>Motivation +++ ; Activité ++ ; Pertinence élevée → probabilité forte</a:t>
-                      </a:r>
-                      <a:endParaRPr>
-                        <a:latin typeface="Arial"/>
-                        <a:cs typeface="Arial"/>
-                      </a:endParaRPr>
-                    </a:p>
-                  </a:txBody>
-                  <a:tcPr anchor="ctr"/>
-                </a:tc>
               </a:tr>
               <a:tr h="384810">
                 <a:tc>
@@ -10460,32 +10407,6 @@
                     </a:solidFill>
                   </a:tcPr>
                 </a:tc>
-                <a:tc>
-                  <a:txBody>
-                    <a:bodyPr/>
-                    <a:p>
-                      <a:pPr>
-                        <a:defRPr/>
-                      </a:pPr>
-                      <a:r>
-                        <a:rPr sz="1200" b="0" i="0" u="none">
-                          <a:solidFill>
-                            <a:srgbClr val="000000"/>
-                          </a:solidFill>
-                          <a:latin typeface="Arial"/>
-                          <a:ea typeface="Arial"/>
-                          <a:cs typeface="Arial"/>
-                        </a:rPr>
-                        <a:t>Motivation ++ ; Ressources + ; Activité +++ → probabilité moyenne à forte</a:t>
-                      </a:r>
-                      <a:endParaRPr>
-                        <a:latin typeface="Arial"/>
-                        <a:cs typeface="Arial"/>
-                      </a:endParaRPr>
-                    </a:p>
-                  </a:txBody>
-                  <a:tcPr anchor="ctr"/>
-                </a:tc>
               </a:tr>
               <a:tr h="201930">
                 <a:tc>
@@ -10645,32 +10566,6 @@
                     </a:solidFill>
                   </a:tcPr>
                 </a:tc>
-                <a:tc>
-                  <a:txBody>
-                    <a:bodyPr/>
-                    <a:p>
-                      <a:pPr>
-                        <a:defRPr/>
-                      </a:pPr>
-                      <a:r>
-                        <a:rPr sz="1200" b="0" i="0" u="none">
-                          <a:solidFill>
-                            <a:srgbClr val="000000"/>
-                          </a:solidFill>
-                          <a:latin typeface="Arial"/>
-                          <a:ea typeface="Arial"/>
-                          <a:cs typeface="Arial"/>
-                        </a:rPr>
-                        <a:t>Motivation +++ ; Ressources +++ ; Activité +++ ; Pertinence élevée</a:t>
-                      </a:r>
-                      <a:endParaRPr>
-                        <a:latin typeface="Arial"/>
-                        <a:cs typeface="Arial"/>
-                      </a:endParaRPr>
-                    </a:p>
-                  </a:txBody>
-                  <a:tcPr anchor="ctr"/>
-                </a:tc>
               </a:tr>
               <a:tr h="384810">
                 <a:tc>
@@ -10830,32 +10725,6 @@
                     </a:solidFill>
                   </a:tcPr>
                 </a:tc>
-                <a:tc>
-                  <a:txBody>
-                    <a:bodyPr/>
-                    <a:p>
-                      <a:pPr>
-                        <a:defRPr/>
-                      </a:pPr>
-                      <a:r>
-                        <a:rPr sz="1200" b="0" i="0" u="none">
-                          <a:solidFill>
-                            <a:srgbClr val="000000"/>
-                          </a:solidFill>
-                          <a:latin typeface="Arial"/>
-                          <a:ea typeface="Arial"/>
-                          <a:cs typeface="Arial"/>
-                        </a:rPr>
-                        <a:t>Même profil que SM3, mais cible les comptes plutôt que la CB</a:t>
-                      </a:r>
-                      <a:endParaRPr>
-                        <a:latin typeface="Arial"/>
-                        <a:cs typeface="Arial"/>
-                      </a:endParaRPr>
-                    </a:p>
-                  </a:txBody>
-                  <a:tcPr anchor="ctr"/>
-                </a:tc>
               </a:tr>
               <a:tr h="384810">
                 <a:tc>
@@ -11015,32 +10884,6 @@
                     </a:solidFill>
                   </a:tcPr>
                 </a:tc>
-                <a:tc>
-                  <a:txBody>
-                    <a:bodyPr/>
-                    <a:p>
-                      <a:pPr>
-                        <a:defRPr/>
-                      </a:pPr>
-                      <a:r>
-                        <a:rPr sz="1200" b="0" i="0" u="none">
-                          <a:solidFill>
-                            <a:srgbClr val="000000"/>
-                          </a:solidFill>
-                          <a:latin typeface="Arial"/>
-                          <a:ea typeface="Arial"/>
-                          <a:cs typeface="Arial"/>
-                        </a:rPr>
-                        <a:t>Motivation + ; Activité + ; Ressources +++ mais risque juridique → probabilité faible</a:t>
-                      </a:r>
-                      <a:endParaRPr>
-                        <a:latin typeface="Arial"/>
-                        <a:cs typeface="Arial"/>
-                      </a:endParaRPr>
-                    </a:p>
-                  </a:txBody>
-                  <a:tcPr anchor="ctr"/>
-                </a:tc>
               </a:tr>
               <a:tr h="384810">
                 <a:tc>
@@ -11199,32 +11042,6 @@
                       <a:srgbClr val="00B050"/>
                     </a:solidFill>
                   </a:tcPr>
-                </a:tc>
-                <a:tc>
-                  <a:txBody>
-                    <a:bodyPr/>
-                    <a:p>
-                      <a:pPr>
-                        <a:defRPr/>
-                      </a:pPr>
-                      <a:r>
-                        <a:rPr sz="1200" b="0" i="0" u="none">
-                          <a:solidFill>
-                            <a:srgbClr val="000000"/>
-                          </a:solidFill>
-                          <a:latin typeface="Arial"/>
-                          <a:ea typeface="Arial"/>
-                          <a:cs typeface="Arial"/>
-                        </a:rPr>
-                        <a:t>Pertinence faible selon ton tableau ; scénario très spéculatif</a:t>
-                      </a:r>
-                      <a:endParaRPr>
-                        <a:latin typeface="Arial"/>
-                        <a:cs typeface="Arial"/>
-                      </a:endParaRPr>
-                    </a:p>
-                  </a:txBody>
-                  <a:tcPr anchor="ctr"/>
                 </a:tc>
               </a:tr>
             </a:tbl>
@@ -11266,7 +11083,7 @@
       </p:grpSpPr>
       <p:sp>
         <p:nvSpPr>
-          <p:cNvPr id="1638261199" name="Titre 1"/>
+          <p:cNvPr id="1501210563" name="Titre 1"/>
           <p:cNvSpPr>
             <a:spLocks noGrp="1"/>
           </p:cNvSpPr>
@@ -11297,7 +11114,7 @@
       </p:sp>
       <p:sp>
         <p:nvSpPr>
-          <p:cNvPr id="1769376407" name="Espace réservé du contenu 3"/>
+          <p:cNvPr id="1711563603" name="Espace réservé du contenu 3"/>
           <p:cNvSpPr>
             <a:spLocks noGrp="1"/>
           </p:cNvSpPr>
@@ -11687,7 +11504,7 @@
       </p:sp>
       <p:graphicFrame>
         <p:nvGraphicFramePr>
-          <p:cNvPr id="1068566569" name=""/>
+          <p:cNvPr id="1641447886" name=""/>
           <p:cNvGraphicFramePr>
             <a:graphicFrameLocks xmlns:a="http://schemas.openxmlformats.org/drawingml/2006/main"/>
           </p:cNvGraphicFramePr>
@@ -12061,7 +11878,7 @@
       </p:graphicFrame>
       <p:sp>
         <p:nvSpPr>
-          <p:cNvPr id="1542760954" name=""/>
+          <p:cNvPr id="182836205" name=""/>
           <p:cNvSpPr txBox="1"/>
           <p:nvPr/>
         </p:nvSpPr>
@@ -12093,7 +11910,7 @@
       </p:sp>
       <p:sp>
         <p:nvSpPr>
-          <p:cNvPr id="1346496852" name=""/>
+          <p:cNvPr id="357364000" name=""/>
           <p:cNvSpPr txBox="1"/>
           <p:nvPr/>
         </p:nvSpPr>
@@ -12158,7 +11975,7 @@
       </p:grpSpPr>
       <p:sp>
         <p:nvSpPr>
-          <p:cNvPr id="1570705739" name="Titre 1"/>
+          <p:cNvPr id="1776480770" name="Titre 1"/>
           <p:cNvSpPr>
             <a:spLocks noGrp="1"/>
           </p:cNvSpPr>
@@ -12189,7 +12006,7 @@
       </p:sp>
       <p:graphicFrame>
         <p:nvGraphicFramePr>
-          <p:cNvPr id="662088260" name=""/>
+          <p:cNvPr id="1216907860" name=""/>
           <p:cNvGraphicFramePr>
             <a:graphicFrameLocks xmlns:a="http://schemas.openxmlformats.org/drawingml/2006/main"/>
           </p:cNvGraphicFramePr>
